--- a/reports/2-20220401-DistAI 源码结构分析.pptx
+++ b/reports/2-20220401-DistAI 源码结构分析.pptx
@@ -3,33 +3,33 @@
 <p:presentation xmlns:a="http://schemas.openxmlformats.org/drawingml/2006/main" xmlns:r="http://schemas.openxmlformats.org/officeDocument/2006/relationships" xmlns:p="http://schemas.openxmlformats.org/presentationml/2006/main">
   <p:sldMasterIdLst>
     <p:sldMasterId id="2147483648" r:id="rId1"/>
-    <p:sldMasterId id="2147483654" r:id="rId2"/>
+    <p:sldMasterId id="2147483656" r:id="rId3"/>
   </p:sldMasterIdLst>
   <p:notesMasterIdLst>
-    <p:notesMasterId r:id="rId24"/>
+    <p:notesMasterId r:id="rId8"/>
   </p:notesMasterIdLst>
   <p:sldIdLst>
-    <p:sldId id="781" r:id="rId3"/>
-    <p:sldId id="777" r:id="rId4"/>
-    <p:sldId id="778" r:id="rId5"/>
-    <p:sldId id="479" r:id="rId6"/>
-    <p:sldId id="782" r:id="rId7"/>
-    <p:sldId id="802" r:id="rId8"/>
-    <p:sldId id="320" r:id="rId9"/>
-    <p:sldId id="797" r:id="rId10"/>
-    <p:sldId id="798" r:id="rId11"/>
-    <p:sldId id="799" r:id="rId12"/>
-    <p:sldId id="800" r:id="rId13"/>
-    <p:sldId id="801" r:id="rId14"/>
-    <p:sldId id="803" r:id="rId15"/>
-    <p:sldId id="804" r:id="rId16"/>
-    <p:sldId id="805" r:id="rId17"/>
-    <p:sldId id="787" r:id="rId18"/>
-    <p:sldId id="788" r:id="rId19"/>
-    <p:sldId id="272" r:id="rId20"/>
-    <p:sldId id="789" r:id="rId21"/>
-    <p:sldId id="784" r:id="rId22"/>
-    <p:sldId id="785" r:id="rId23"/>
+    <p:sldId id="781" r:id="rId4"/>
+    <p:sldId id="777" r:id="rId5"/>
+    <p:sldId id="778" r:id="rId6"/>
+    <p:sldId id="479" r:id="rId7"/>
+    <p:sldId id="782" r:id="rId9"/>
+    <p:sldId id="802" r:id="rId10"/>
+    <p:sldId id="320" r:id="rId11"/>
+    <p:sldId id="797" r:id="rId12"/>
+    <p:sldId id="798" r:id="rId13"/>
+    <p:sldId id="799" r:id="rId14"/>
+    <p:sldId id="800" r:id="rId15"/>
+    <p:sldId id="801" r:id="rId16"/>
+    <p:sldId id="803" r:id="rId17"/>
+    <p:sldId id="804" r:id="rId18"/>
+    <p:sldId id="805" r:id="rId19"/>
+    <p:sldId id="787" r:id="rId20"/>
+    <p:sldId id="788" r:id="rId21"/>
+    <p:sldId id="272" r:id="rId22"/>
+    <p:sldId id="789" r:id="rId23"/>
+    <p:sldId id="784" r:id="rId24"/>
+    <p:sldId id="785" r:id="rId25"/>
   </p:sldIdLst>
   <p:sldSz cx="12192000" cy="6858000"/>
   <p:notesSz cx="6858000" cy="9144000"/>
@@ -128,22 +128,6 @@
       </a:defRPr>
     </a:lvl9pPr>
   </p:defaultTextStyle>
-  <p:extLst>
-    <p:ext uri="{EFAFB233-063F-42B5-8137-9DF3F51BA10A}">
-      <p15:sldGuideLst xmlns:p15="http://schemas.microsoft.com/office/powerpoint/2012/main">
-        <p15:guide id="1" orient="horz" pos="2202">
-          <p15:clr>
-            <a:srgbClr val="A4A3A4"/>
-          </p15:clr>
-        </p15:guide>
-        <p15:guide id="2" pos="3844">
-          <p15:clr>
-            <a:srgbClr val="A4A3A4"/>
-          </p15:clr>
-        </p15:guide>
-      </p15:sldGuideLst>
-    </p:ext>
-  </p:extLst>
 </p:presentation>
 </file>
 
@@ -229,7 +213,6 @@
           <a:p>
             <a:fld id="{11D47660-FCAC-493B-9C8A-DF7A3660B466}" type="datetimeFigureOut">
               <a:rPr lang="zh-CN" altLang="en-US" smtClean="0"/>
-              <a:t>2022/4/1</a:t>
             </a:fld>
             <a:endParaRPr lang="zh-CN" altLang="en-US"/>
           </a:p>
@@ -296,6 +279,7 @@
               <a:rPr lang="zh-CN" altLang="en-US"/>
               <a:t>单击此处编辑母版文本样式</a:t>
             </a:r>
+            <a:endParaRPr lang="zh-CN" altLang="en-US"/>
           </a:p>
           <a:p>
             <a:pPr lvl="1"/>
@@ -303,6 +287,7 @@
               <a:rPr lang="zh-CN" altLang="en-US"/>
               <a:t>二级</a:t>
             </a:r>
+            <a:endParaRPr lang="zh-CN" altLang="en-US"/>
           </a:p>
           <a:p>
             <a:pPr lvl="2"/>
@@ -310,6 +295,7 @@
               <a:rPr lang="zh-CN" altLang="en-US"/>
               <a:t>三级</a:t>
             </a:r>
+            <a:endParaRPr lang="zh-CN" altLang="en-US"/>
           </a:p>
           <a:p>
             <a:pPr lvl="3"/>
@@ -317,6 +303,7 @@
               <a:rPr lang="zh-CN" altLang="en-US"/>
               <a:t>四级</a:t>
             </a:r>
+            <a:endParaRPr lang="zh-CN" altLang="en-US"/>
           </a:p>
           <a:p>
             <a:pPr lvl="4"/>
@@ -324,6 +311,7 @@
               <a:rPr lang="zh-CN" altLang="en-US"/>
               <a:t>五级</a:t>
             </a:r>
+            <a:endParaRPr lang="zh-CN" altLang="en-US"/>
           </a:p>
         </p:txBody>
       </p:sp>
@@ -387,7 +375,6 @@
           <a:p>
             <a:fld id="{1AAECCA6-1E17-4827-BEF4-2B71C034E308}" type="slidenum">
               <a:rPr lang="zh-CN" altLang="en-US" smtClean="0"/>
-              <a:t>‹#›</a:t>
             </a:fld>
             <a:endParaRPr lang="zh-CN" altLang="en-US"/>
           </a:p>
@@ -585,7 +572,6 @@
                 <a:ea typeface="+mn-ea"/>
                 <a:cs typeface="+mn-cs"/>
               </a:rPr>
-              <a:t>4</a:t>
             </a:fld>
             <a:endParaRPr kumimoji="0" lang="en-US" sz="1200" b="0" i="0" u="none" strike="noStrike" kern="1200" cap="none" spc="0" normalizeH="0" baseline="0" noProof="0" dirty="0">
               <a:ln>
@@ -634,11 +620,11 @@
   <p:clrMapOvr>
     <a:masterClrMapping/>
   </p:clrMapOvr>
-  <mc:AlternateContent xmlns:mc="http://schemas.openxmlformats.org/markup-compatibility/2006" xmlns:p14="http://schemas.microsoft.com/office/powerpoint/2010/main">
-    <mc:Choice Requires="p14">
+  <mc:AlternateContent xmlns:mc="http://schemas.openxmlformats.org/markup-compatibility/2006">
+    <mc:Choice xmlns:p14="http://schemas.microsoft.com/office/powerpoint/2010/main" Requires="p14">
       <p:transition p14:dur="10" advClick="0"/>
     </mc:Choice>
-    <mc:Fallback xmlns="">
+    <mc:Fallback>
       <p:transition advClick="0"/>
     </mc:Fallback>
   </mc:AlternateContent>
@@ -735,13 +721,13 @@
   <p:clrMapOvr>
     <a:masterClrMapping/>
   </p:clrMapOvr>
-  <mc:AlternateContent xmlns:mc="http://schemas.openxmlformats.org/markup-compatibility/2006" xmlns:p14="http://schemas.microsoft.com/office/powerpoint/2010/main">
-    <mc:Choice Requires="p14">
+  <mc:AlternateContent xmlns:mc="http://schemas.openxmlformats.org/markup-compatibility/2006">
+    <mc:Choice xmlns:p14="http://schemas.microsoft.com/office/powerpoint/2010/main" Requires="p14">
       <p:transition spd="med" p14:dur="700" advClick="0" advTm="4000">
         <p:fade/>
       </p:transition>
     </mc:Choice>
-    <mc:Fallback xmlns="">
+    <mc:Fallback>
       <p:transition spd="med" advClick="0" advTm="4000">
         <p:fade/>
       </p:transition>
@@ -801,11 +787,11 @@
   <p:clrMapOvr>
     <a:masterClrMapping/>
   </p:clrMapOvr>
-  <mc:AlternateContent xmlns:mc="http://schemas.openxmlformats.org/markup-compatibility/2006" xmlns:p14="http://schemas.microsoft.com/office/powerpoint/2010/main">
-    <mc:Choice Requires="p14">
+  <mc:AlternateContent xmlns:mc="http://schemas.openxmlformats.org/markup-compatibility/2006">
+    <mc:Choice xmlns:p14="http://schemas.microsoft.com/office/powerpoint/2010/main" Requires="p14">
       <p:transition spd="slow" p14:dur="2000" advClick="0" advTm="4000"/>
     </mc:Choice>
-    <mc:Fallback xmlns="">
+    <mc:Fallback>
       <p:transition spd="slow" advClick="0" advTm="4000"/>
     </mc:Fallback>
   </mc:AlternateContent>
@@ -912,11 +898,11 @@
   <p:clrMapOvr>
     <a:masterClrMapping/>
   </p:clrMapOvr>
-  <mc:AlternateContent xmlns:mc="http://schemas.openxmlformats.org/markup-compatibility/2006" xmlns:p14="http://schemas.microsoft.com/office/powerpoint/2010/main">
-    <mc:Choice Requires="p14">
+  <mc:AlternateContent xmlns:mc="http://schemas.openxmlformats.org/markup-compatibility/2006">
+    <mc:Choice xmlns:p14="http://schemas.microsoft.com/office/powerpoint/2010/main" Requires="p14">
       <p:transition p14:dur="10" advClick="0"/>
     </mc:Choice>
-    <mc:Fallback xmlns="">
+    <mc:Fallback>
       <p:transition advClick="0"/>
     </mc:Fallback>
   </mc:AlternateContent>
@@ -979,11 +965,11 @@
   <p:clrMapOvr>
     <a:masterClrMapping/>
   </p:clrMapOvr>
-  <mc:AlternateContent xmlns:mc="http://schemas.openxmlformats.org/markup-compatibility/2006" xmlns:p14="http://schemas.microsoft.com/office/powerpoint/2010/main">
-    <mc:Choice Requires="p14">
+  <mc:AlternateContent xmlns:mc="http://schemas.openxmlformats.org/markup-compatibility/2006">
+    <mc:Choice xmlns:p14="http://schemas.microsoft.com/office/powerpoint/2010/main" Requires="p14">
       <p:transition p14:dur="10" advClick="0"/>
     </mc:Choice>
-    <mc:Fallback xmlns="">
+    <mc:Fallback>
       <p:transition advClick="0"/>
     </mc:Fallback>
   </mc:AlternateContent>
@@ -1047,11 +1033,11 @@
   <p:clrMapOvr>
     <a:masterClrMapping/>
   </p:clrMapOvr>
-  <mc:AlternateContent xmlns:mc="http://schemas.openxmlformats.org/markup-compatibility/2006" xmlns:p14="http://schemas.microsoft.com/office/powerpoint/2010/main">
-    <mc:Choice Requires="p14">
+  <mc:AlternateContent xmlns:mc="http://schemas.openxmlformats.org/markup-compatibility/2006">
+    <mc:Choice xmlns:p14="http://schemas.microsoft.com/office/powerpoint/2010/main" Requires="p14">
       <p:transition p14:dur="10" advClick="0"/>
     </mc:Choice>
-    <mc:Fallback xmlns="">
+    <mc:Fallback>
       <p:transition advClick="0"/>
     </mc:Fallback>
   </mc:AlternateContent>
@@ -1135,7 +1121,6 @@
           <a:p>
             <a:fld id="{D45CFBE3-D521-4941-AA1A-49E29FB33595}" type="datetimeFigureOut">
               <a:rPr lang="en-US"/>
-              <a:t>4/1/2022</a:t>
             </a:fld>
             <a:endParaRPr lang="en-US" dirty="0"/>
           </a:p>
@@ -1188,7 +1173,6 @@
           <a:p>
             <a:fld id="{962AAE80-5347-6D48-BB4B-E807E2987DCC}" type="slidenum">
               <a:rPr lang="en-US"/>
-              <a:t>‹#›</a:t>
             </a:fld>
             <a:endParaRPr lang="en-US" dirty="0"/>
           </a:p>
@@ -1199,11 +1183,11 @@
   <p:clrMapOvr>
     <a:masterClrMapping/>
   </p:clrMapOvr>
-  <mc:AlternateContent xmlns:mc="http://schemas.openxmlformats.org/markup-compatibility/2006" xmlns:p14="http://schemas.microsoft.com/office/powerpoint/2010/main">
-    <mc:Choice Requires="p14">
+  <mc:AlternateContent xmlns:mc="http://schemas.openxmlformats.org/markup-compatibility/2006">
+    <mc:Choice xmlns:p14="http://schemas.microsoft.com/office/powerpoint/2010/main" Requires="p14">
       <p:transition p14:dur="10" advClick="0"/>
     </mc:Choice>
-    <mc:Fallback xmlns="">
+    <mc:Fallback>
       <p:transition advClick="0"/>
     </mc:Fallback>
   </mc:AlternateContent>
@@ -1228,20 +1212,15 @@
         </a:xfrm>
       </p:grpSpPr>
     </p:spTree>
-    <p:extLst>
-      <p:ext uri="{BB962C8B-B14F-4D97-AF65-F5344CB8AC3E}">
-        <p14:creationId xmlns:p14="http://schemas.microsoft.com/office/powerpoint/2010/main" val="1919412453"/>
-      </p:ext>
-    </p:extLst>
   </p:cSld>
   <p:clrMapOvr>
     <a:masterClrMapping/>
   </p:clrMapOvr>
-  <mc:AlternateContent xmlns:mc="http://schemas.openxmlformats.org/markup-compatibility/2006" xmlns:p14="http://schemas.microsoft.com/office/powerpoint/2010/main">
-    <mc:Choice Requires="p14">
+  <mc:AlternateContent xmlns:mc="http://schemas.openxmlformats.org/markup-compatibility/2006">
+    <mc:Choice xmlns:p14="http://schemas.microsoft.com/office/powerpoint/2010/main" Requires="p14">
       <p:transition p14:dur="0" advClick="0" advTm="3000"/>
     </mc:Choice>
-    <mc:Fallback xmlns="">
+    <mc:Fallback>
       <p:transition advClick="0" advTm="3000"/>
     </mc:Fallback>
   </mc:AlternateContent>
@@ -6384,11 +6363,6 @@
         </p:txBody>
       </p:sp>
     </p:spTree>
-    <p:extLst>
-      <p:ext uri="{BB962C8B-B14F-4D97-AF65-F5344CB8AC3E}">
-        <p14:creationId xmlns:p14="http://schemas.microsoft.com/office/powerpoint/2010/main" val="3742718764"/>
-      </p:ext>
-    </p:extLst>
   </p:cSld>
   <p:clrMapOvr>
     <a:masterClrMapping/>
@@ -6421,11 +6395,11 @@
   <p:clrMapOvr>
     <a:masterClrMapping/>
   </p:clrMapOvr>
-  <mc:AlternateContent xmlns:mc="http://schemas.openxmlformats.org/markup-compatibility/2006" xmlns:p14="http://schemas.microsoft.com/office/powerpoint/2010/main">
-    <mc:Choice Requires="p14">
+  <mc:AlternateContent xmlns:mc="http://schemas.openxmlformats.org/markup-compatibility/2006">
+    <mc:Choice xmlns:p14="http://schemas.microsoft.com/office/powerpoint/2010/main" Requires="p14">
       <p:transition spd="slow" p14:dur="2000" advClick="0" advTm="4000"/>
     </mc:Choice>
-    <mc:Fallback xmlns="">
+    <mc:Fallback>
       <p:transition spd="slow" advClick="0" advTm="4000"/>
     </mc:Fallback>
   </mc:AlternateContent>
@@ -6532,11 +6506,11 @@
   <p:clrMapOvr>
     <a:masterClrMapping/>
   </p:clrMapOvr>
-  <mc:AlternateContent xmlns:mc="http://schemas.openxmlformats.org/markup-compatibility/2006" xmlns:p14="http://schemas.microsoft.com/office/powerpoint/2010/main">
-    <mc:Choice Requires="p14">
+  <mc:AlternateContent xmlns:mc="http://schemas.openxmlformats.org/markup-compatibility/2006">
+    <mc:Choice xmlns:p14="http://schemas.microsoft.com/office/powerpoint/2010/main" Requires="p14">
       <p:transition spd="slow" p14:dur="2000" advClick="0" advTm="4000"/>
     </mc:Choice>
-    <mc:Fallback xmlns="">
+    <mc:Fallback>
       <p:transition spd="slow" advClick="0" advTm="4000"/>
     </mc:Fallback>
   </mc:AlternateContent>
@@ -6739,7 +6713,6 @@
           <a:p>
             <a:fld id="{FCEE2C88-6C8F-484D-AF69-578F576B1F44}" type="slidenum">
               <a:rPr lang="en-US" smtClean="0"/>
-              <a:t>‹#›</a:t>
             </a:fld>
             <a:endParaRPr lang="en-US" dirty="0"/>
           </a:p>
@@ -6754,14 +6727,14 @@
     <p:sldLayoutId id="2147483651" r:id="rId3"/>
     <p:sldLayoutId id="2147483652" r:id="rId4"/>
     <p:sldLayoutId id="2147483653" r:id="rId5"/>
-    <p:sldLayoutId id="2147483660" r:id="rId6"/>
-    <p:sldLayoutId id="2147483661" r:id="rId7"/>
+    <p:sldLayoutId id="2147483654" r:id="rId6"/>
+    <p:sldLayoutId id="2147483655" r:id="rId7"/>
   </p:sldLayoutIdLst>
-  <mc:AlternateContent xmlns:mc="http://schemas.openxmlformats.org/markup-compatibility/2006" xmlns:p14="http://schemas.microsoft.com/office/powerpoint/2010/main">
-    <mc:Choice Requires="p14">
+  <mc:AlternateContent xmlns:mc="http://schemas.openxmlformats.org/markup-compatibility/2006">
+    <mc:Choice xmlns:p14="http://schemas.microsoft.com/office/powerpoint/2010/main" Requires="p14">
       <p:transition p14:dur="10" advClick="0"/>
     </mc:Choice>
-    <mc:Fallback xmlns="">
+    <mc:Fallback>
       <p:transition advClick="0"/>
     </mc:Fallback>
   </mc:AlternateContent>
@@ -7250,7 +7223,6 @@
           <a:p>
             <a:fld id="{FCEE2C88-6C8F-484D-AF69-578F576B1F44}" type="slidenum">
               <a:rPr lang="en-US" smtClean="0"/>
-              <a:t>‹#›</a:t>
             </a:fld>
             <a:endParaRPr lang="en-US" dirty="0"/>
           </a:p>
@@ -7260,16 +7232,16 @@
   </p:cSld>
   <p:clrMap bg1="lt1" tx1="dk1" bg2="lt2" tx2="dk2" accent1="accent1" accent2="accent2" accent3="accent3" accent4="accent4" accent5="accent5" accent6="accent6" hlink="hlink" folHlink="folHlink"/>
   <p:sldLayoutIdLst>
-    <p:sldLayoutId id="2147483655" r:id="rId1"/>
-    <p:sldLayoutId id="2147483656" r:id="rId2"/>
-    <p:sldLayoutId id="2147483657" r:id="rId3"/>
-    <p:sldLayoutId id="2147483658" r:id="rId4"/>
+    <p:sldLayoutId id="2147483657" r:id="rId1"/>
+    <p:sldLayoutId id="2147483658" r:id="rId2"/>
+    <p:sldLayoutId id="2147483659" r:id="rId3"/>
+    <p:sldLayoutId id="2147483660" r:id="rId4"/>
   </p:sldLayoutIdLst>
-  <mc:AlternateContent xmlns:mc="http://schemas.openxmlformats.org/markup-compatibility/2006" xmlns:p14="http://schemas.microsoft.com/office/powerpoint/2010/main">
-    <mc:Choice Requires="p14">
+  <mc:AlternateContent xmlns:mc="http://schemas.openxmlformats.org/markup-compatibility/2006">
+    <mc:Choice xmlns:p14="http://schemas.microsoft.com/office/powerpoint/2010/main" Requires="p14">
       <p:transition spd="slow" p14:dur="2000" advClick="0" advTm="4000"/>
     </mc:Choice>
-    <mc:Fallback xmlns="">
+    <mc:Fallback>
       <p:transition spd="slow" advClick="0" advTm="4000"/>
     </mc:Fallback>
   </mc:AlternateContent>
@@ -7671,6 +7643,14 @@
               </a:rPr>
               <a:t>源码分析</a:t>
             </a:r>
+            <a:endParaRPr lang="zh-CN" altLang="en-US" sz="4000" dirty="0">
+              <a:solidFill>
+                <a:srgbClr val="445469"/>
+              </a:solidFill>
+              <a:latin typeface="思源黑体 CN Bold"/>
+              <a:ea typeface="思源黑体 CN Bold"/>
+              <a:cs typeface="Lato Regular"/>
+            </a:endParaRPr>
           </a:p>
         </p:txBody>
       </p:sp>
@@ -7862,8 +7842,16 @@
                 <a:ea typeface="思源黑体 CN Medium"/>
                 <a:cs typeface="Lato Regular"/>
               </a:rPr>
-              <a:t>蔡文俊、赵嘉铖</a:t>
+              <a:t>刘维瑄</a:t>
             </a:r>
+            <a:endParaRPr lang="zh-CN" altLang="en-US" sz="1400" dirty="0">
+              <a:solidFill>
+                <a:srgbClr val="445469"/>
+              </a:solidFill>
+              <a:latin typeface="Arial Black" panose="020B0A04020102020204"/>
+              <a:ea typeface="思源黑体 CN Medium"/>
+              <a:cs typeface="Lato Regular"/>
+            </a:endParaRPr>
           </a:p>
         </p:txBody>
       </p:sp>
@@ -8471,11 +8459,11 @@
   <p:clrMapOvr>
     <a:masterClrMapping/>
   </p:clrMapOvr>
-  <mc:AlternateContent xmlns:mc="http://schemas.openxmlformats.org/markup-compatibility/2006" xmlns:p14="http://schemas.microsoft.com/office/powerpoint/2010/main">
-    <mc:Choice Requires="p14">
+  <mc:AlternateContent xmlns:mc="http://schemas.openxmlformats.org/markup-compatibility/2006">
+    <mc:Choice xmlns:p14="http://schemas.microsoft.com/office/powerpoint/2010/main" Requires="p14">
       <p:transition p14:dur="10" advClick="0"/>
     </mc:Choice>
-    <mc:Fallback xmlns="">
+    <mc:Fallback>
       <p:transition advClick="0"/>
     </mc:Fallback>
   </mc:AlternateContent>
@@ -8919,6 +8907,13 @@
               </a:rPr>
               <a:t>Python</a:t>
             </a:r>
+            <a:endParaRPr lang="en-US" altLang="zh-CN" sz="3300" b="1" dirty="0">
+              <a:solidFill>
+                <a:srgbClr val="445469"/>
+              </a:solidFill>
+              <a:latin typeface="思源黑体 CN Bold"/>
+              <a:ea typeface="思源黑体 CN Bold"/>
+            </a:endParaRPr>
           </a:p>
         </p:txBody>
       </p:sp>
@@ -9000,6 +8995,14 @@
               </a:rPr>
               <a:t>可执行文件：解析流程</a:t>
             </a:r>
+            <a:endParaRPr lang="zh-CN" altLang="en-US" b="1" dirty="0">
+              <a:solidFill>
+                <a:srgbClr val="209072"/>
+              </a:solidFill>
+              <a:latin typeface="思源黑体 CN Bold"/>
+              <a:ea typeface="思源黑体 CN Bold"/>
+              <a:cs typeface="Lato Regular"/>
+            </a:endParaRPr>
           </a:p>
         </p:txBody>
       </p:sp>
@@ -9012,7 +9015,7 @@
           <p:nvPr/>
         </p:nvPicPr>
         <p:blipFill>
-          <a:blip r:embed="rId2"/>
+          <a:blip r:embed="rId1"/>
           <a:stretch>
             <a:fillRect/>
           </a:stretch>
@@ -9036,7 +9039,7 @@
           <p:nvPr/>
         </p:nvPicPr>
         <p:blipFill>
-          <a:blip r:embed="rId3"/>
+          <a:blip r:embed="rId2"/>
           <a:stretch>
             <a:fillRect/>
           </a:stretch>
@@ -9085,6 +9088,14 @@
               </a:rPr>
               <a:t>actions[action_name], action_precs[action_name], action_trans[action_name], action_prefixes[action_name]</a:t>
             </a:r>
+            <a:endParaRPr lang="zh-CN" altLang="en-US" b="1" dirty="0">
+              <a:solidFill>
+                <a:srgbClr val="209072"/>
+              </a:solidFill>
+              <a:latin typeface="思源黑体 CN Bold"/>
+              <a:ea typeface="思源黑体 CN Bold"/>
+              <a:cs typeface="Lato Regular"/>
+            </a:endParaRPr>
           </a:p>
         </p:txBody>
       </p:sp>
@@ -9093,11 +9104,11 @@
   <p:clrMapOvr>
     <a:masterClrMapping/>
   </p:clrMapOvr>
-  <mc:AlternateContent xmlns:mc="http://schemas.openxmlformats.org/markup-compatibility/2006" xmlns:p14="http://schemas.microsoft.com/office/powerpoint/2010/main">
-    <mc:Choice Requires="p14">
+  <mc:AlternateContent xmlns:mc="http://schemas.openxmlformats.org/markup-compatibility/2006">
+    <mc:Choice xmlns:p14="http://schemas.microsoft.com/office/powerpoint/2010/main" Requires="p14">
       <p:transition p14:dur="10" advClick="0"/>
     </mc:Choice>
-    <mc:Fallback xmlns="">
+    <mc:Fallback>
       <p:transition advClick="0"/>
     </mc:Fallback>
   </mc:AlternateContent>
@@ -9541,6 +9552,13 @@
               </a:rPr>
               <a:t>Python</a:t>
             </a:r>
+            <a:endParaRPr lang="en-US" altLang="zh-CN" sz="3300" b="1" dirty="0">
+              <a:solidFill>
+                <a:srgbClr val="445469"/>
+              </a:solidFill>
+              <a:latin typeface="思源黑体 CN Bold"/>
+              <a:ea typeface="思源黑体 CN Bold"/>
+            </a:endParaRPr>
           </a:p>
         </p:txBody>
       </p:sp>
@@ -9644,6 +9662,14 @@
               </a:rPr>
               <a:t>文件流程</a:t>
             </a:r>
+            <a:endParaRPr lang="zh-CN" altLang="en-US" b="1" dirty="0">
+              <a:solidFill>
+                <a:srgbClr val="209072"/>
+              </a:solidFill>
+              <a:latin typeface="思源黑体 CN Bold"/>
+              <a:ea typeface="思源黑体 CN Bold"/>
+              <a:cs typeface="Lato Regular"/>
+            </a:endParaRPr>
           </a:p>
         </p:txBody>
       </p:sp>
@@ -9656,7 +9682,7 @@
           <p:nvPr/>
         </p:nvPicPr>
         <p:blipFill>
-          <a:blip r:embed="rId2"/>
+          <a:blip r:embed="rId1"/>
           <a:stretch>
             <a:fillRect/>
           </a:stretch>
@@ -9680,7 +9706,7 @@
           <p:nvPr/>
         </p:nvPicPr>
         <p:blipFill>
-          <a:blip r:embed="rId3"/>
+          <a:blip r:embed="rId2"/>
           <a:stretch>
             <a:fillRect/>
           </a:stretch>
@@ -9704,7 +9730,7 @@
           <p:nvPr/>
         </p:nvPicPr>
         <p:blipFill>
-          <a:blip r:embed="rId4"/>
+          <a:blip r:embed="rId3"/>
           <a:stretch>
             <a:fillRect/>
           </a:stretch>
@@ -9724,11 +9750,11 @@
   <p:clrMapOvr>
     <a:masterClrMapping/>
   </p:clrMapOvr>
-  <mc:AlternateContent xmlns:mc="http://schemas.openxmlformats.org/markup-compatibility/2006" xmlns:p14="http://schemas.microsoft.com/office/powerpoint/2010/main">
-    <mc:Choice Requires="p14">
+  <mc:AlternateContent xmlns:mc="http://schemas.openxmlformats.org/markup-compatibility/2006">
+    <mc:Choice xmlns:p14="http://schemas.microsoft.com/office/powerpoint/2010/main" Requires="p14">
       <p:transition p14:dur="10" advClick="0"/>
     </mc:Choice>
-    <mc:Fallback xmlns="">
+    <mc:Fallback>
       <p:transition advClick="0"/>
     </mc:Fallback>
   </mc:AlternateContent>
@@ -10172,6 +10198,13 @@
               </a:rPr>
               <a:t>Python</a:t>
             </a:r>
+            <a:endParaRPr lang="en-US" altLang="zh-CN" sz="3300" b="1" dirty="0">
+              <a:solidFill>
+                <a:srgbClr val="445469"/>
+              </a:solidFill>
+              <a:latin typeface="思源黑体 CN Bold"/>
+              <a:ea typeface="思源黑体 CN Bold"/>
+            </a:endParaRPr>
           </a:p>
         </p:txBody>
       </p:sp>
@@ -10275,6 +10308,14 @@
               </a:rPr>
               <a:t>文件流程</a:t>
             </a:r>
+            <a:endParaRPr lang="zh-CN" altLang="en-US" b="1" dirty="0">
+              <a:solidFill>
+                <a:srgbClr val="209072"/>
+              </a:solidFill>
+              <a:latin typeface="思源黑体 CN Bold"/>
+              <a:ea typeface="思源黑体 CN Bold"/>
+              <a:cs typeface="Lato Regular"/>
+            </a:endParaRPr>
           </a:p>
         </p:txBody>
       </p:sp>
@@ -10312,6 +10353,14 @@
               </a:rPr>
               <a:t>抽样与子抽样</a:t>
             </a:r>
+            <a:endParaRPr lang="zh-CN" altLang="en-US" b="1" dirty="0">
+              <a:solidFill>
+                <a:srgbClr val="209072"/>
+              </a:solidFill>
+              <a:latin typeface="思源黑体 CN Bold"/>
+              <a:ea typeface="思源黑体 CN Bold"/>
+              <a:cs typeface="Lato Regular"/>
+            </a:endParaRPr>
           </a:p>
         </p:txBody>
       </p:sp>
@@ -10459,6 +10508,14 @@
               </a:rPr>
               <a:t>instance_generator</a:t>
             </a:r>
+            <a:endParaRPr lang="en-US" altLang="bg-BG" sz="2000" dirty="0">
+              <a:solidFill>
+                <a:prstClr val="white"/>
+              </a:solidFill>
+              <a:latin typeface="思源黑体 CN Bold" panose="020B0800000000000000" pitchFamily="34" charset="-122"/>
+              <a:ea typeface="思源黑体 CN Medium"/>
+              <a:cs typeface="Lato Regular"/>
+            </a:endParaRPr>
           </a:p>
         </p:txBody>
       </p:sp>
@@ -10552,6 +10609,14 @@
               </a:rPr>
               <a:t>argument_pool</a:t>
             </a:r>
+            <a:endParaRPr lang="en-US" altLang="bg-BG" sz="2000" dirty="0">
+              <a:solidFill>
+                <a:prstClr val="white"/>
+              </a:solidFill>
+              <a:latin typeface="思源黑体 CN Bold" panose="020B0800000000000000" pitchFamily="34" charset="-122"/>
+              <a:ea typeface="思源黑体 CN Medium"/>
+              <a:cs typeface="Lato Regular"/>
+            </a:endParaRPr>
           </a:p>
         </p:txBody>
       </p:sp>
@@ -10645,6 +10710,14 @@
               </a:rPr>
               <a:t>sample</a:t>
             </a:r>
+            <a:endParaRPr lang="en-US" altLang="bg-BG" sz="2100" dirty="0">
+              <a:solidFill>
+                <a:prstClr val="white"/>
+              </a:solidFill>
+              <a:latin typeface="思源黑体 CN Bold" panose="020B0800000000000000" pitchFamily="34" charset="-122"/>
+              <a:ea typeface="思源黑体 CN Medium"/>
+              <a:cs typeface="Lato Regular"/>
+            </a:endParaRPr>
           </a:p>
         </p:txBody>
       </p:sp>
@@ -10738,6 +10811,14 @@
               </a:rPr>
               <a:t>subsample</a:t>
             </a:r>
+            <a:endParaRPr lang="en-US" altLang="bg-BG" sz="2200" dirty="0">
+              <a:solidFill>
+                <a:prstClr val="white"/>
+              </a:solidFill>
+              <a:latin typeface="思源黑体 CN Bold" panose="020B0800000000000000" pitchFamily="34" charset="-122"/>
+              <a:ea typeface="思源黑体 CN Medium"/>
+              <a:cs typeface="Lato Regular"/>
+            </a:endParaRPr>
           </a:p>
         </p:txBody>
       </p:sp>
@@ -10831,6 +10912,14 @@
               </a:rPr>
               <a:t>rng.shuffle</a:t>
             </a:r>
+            <a:endParaRPr lang="en-US" altLang="bg-BG" sz="2000" dirty="0">
+              <a:solidFill>
+                <a:prstClr val="white"/>
+              </a:solidFill>
+              <a:latin typeface="思源黑体 CN Bold" panose="020B0800000000000000" pitchFamily="34" charset="-122"/>
+              <a:ea typeface="思源黑体 CN Medium"/>
+              <a:cs typeface="Lato Regular"/>
+            </a:endParaRPr>
           </a:p>
         </p:txBody>
       </p:sp>
@@ -10924,6 +11013,14 @@
               </a:rPr>
               <a:t>rng.choice</a:t>
             </a:r>
+            <a:endParaRPr lang="en-US" altLang="bg-BG" sz="2000" dirty="0">
+              <a:solidFill>
+                <a:prstClr val="white"/>
+              </a:solidFill>
+              <a:latin typeface="思源黑体 CN Bold" panose="020B0800000000000000" pitchFamily="34" charset="-122"/>
+              <a:ea typeface="思源黑体 CN Medium"/>
+              <a:cs typeface="Lato Regular"/>
+            </a:endParaRPr>
           </a:p>
         </p:txBody>
       </p:sp>
@@ -11231,6 +11328,14 @@
               </a:rPr>
               <a:t>action_pool</a:t>
             </a:r>
+            <a:endParaRPr lang="en-US" altLang="bg-BG" sz="2000" dirty="0">
+              <a:solidFill>
+                <a:prstClr val="white"/>
+              </a:solidFill>
+              <a:latin typeface="思源黑体 CN Bold" panose="020B0800000000000000" pitchFamily="34" charset="-122"/>
+              <a:ea typeface="思源黑体 CN Medium"/>
+              <a:cs typeface="Lato Regular"/>
+            </a:endParaRPr>
           </a:p>
         </p:txBody>
       </p:sp>
@@ -11455,11 +11560,11 @@
   <p:clrMapOvr>
     <a:masterClrMapping/>
   </p:clrMapOvr>
-  <mc:AlternateContent xmlns:mc="http://schemas.openxmlformats.org/markup-compatibility/2006" xmlns:p14="http://schemas.microsoft.com/office/powerpoint/2010/main">
-    <mc:Choice Requires="p14">
+  <mc:AlternateContent xmlns:mc="http://schemas.openxmlformats.org/markup-compatibility/2006">
+    <mc:Choice xmlns:p14="http://schemas.microsoft.com/office/powerpoint/2010/main" Requires="p14">
       <p:transition p14:dur="10" advClick="0"/>
     </mc:Choice>
-    <mc:Fallback xmlns="">
+    <mc:Fallback>
       <p:transition advClick="0"/>
     </mc:Fallback>
   </mc:AlternateContent>
@@ -12010,11 +12115,11 @@
   <p:clrMapOvr>
     <a:masterClrMapping/>
   </p:clrMapOvr>
-  <mc:AlternateContent xmlns:mc="http://schemas.openxmlformats.org/markup-compatibility/2006" xmlns:p14="http://schemas.microsoft.com/office/powerpoint/2010/main">
-    <mc:Choice Requires="p14">
+  <mc:AlternateContent xmlns:mc="http://schemas.openxmlformats.org/markup-compatibility/2006">
+    <mc:Choice xmlns:p14="http://schemas.microsoft.com/office/powerpoint/2010/main" Requires="p14">
       <p:transition p14:dur="10" advClick="0"/>
     </mc:Choice>
-    <mc:Fallback xmlns="">
+    <mc:Fallback>
       <p:transition advClick="0"/>
     </mc:Fallback>
   </mc:AlternateContent>
@@ -12707,13 +12812,7 @@
       </p:sp>
       <p:grpSp>
         <p:nvGrpSpPr>
-          <p:cNvPr id="46" name="组合 45">
-            <a:extLst>
-              <a:ext uri="{FF2B5EF4-FFF2-40B4-BE49-F238E27FC236}">
-                <a16:creationId xmlns:a16="http://schemas.microsoft.com/office/drawing/2014/main" id="{EAF1687D-261F-43B4-AE56-CF9583FAC783}"/>
-              </a:ext>
-            </a:extLst>
-          </p:cNvPr>
+          <p:cNvPr id="46" name="组合 45"/>
           <p:cNvGrpSpPr/>
           <p:nvPr/>
         </p:nvGrpSpPr>
@@ -12727,20 +12826,14 @@
         </p:grpSpPr>
         <p:pic>
           <p:nvPicPr>
-            <p:cNvPr id="7" name="图片 6">
-              <a:extLst>
-                <a:ext uri="{FF2B5EF4-FFF2-40B4-BE49-F238E27FC236}">
-                  <a16:creationId xmlns:a16="http://schemas.microsoft.com/office/drawing/2014/main" id="{94E09BD4-F5BF-4EEC-9E44-51A6920404DE}"/>
-                </a:ext>
-              </a:extLst>
-            </p:cNvPr>
+            <p:cNvPr id="7" name="图片 6"/>
             <p:cNvPicPr>
               <a:picLocks noChangeAspect="1"/>
             </p:cNvPicPr>
             <p:nvPr/>
           </p:nvPicPr>
           <p:blipFill>
-            <a:blip r:embed="rId2"/>
+            <a:blip r:embed="rId1"/>
             <a:stretch>
               <a:fillRect/>
             </a:stretch>
@@ -12757,15 +12850,8 @@
         </p:pic>
         <p:cxnSp>
           <p:nvCxnSpPr>
-            <p:cNvPr id="18" name="直接箭头连接符 17">
-              <a:extLst>
-                <a:ext uri="{FF2B5EF4-FFF2-40B4-BE49-F238E27FC236}">
-                  <a16:creationId xmlns:a16="http://schemas.microsoft.com/office/drawing/2014/main" id="{7DF1FDE8-F222-494A-9850-79955A02B689}"/>
-                </a:ext>
-              </a:extLst>
-            </p:cNvPr>
+            <p:cNvPr id="18" name="直接箭头连接符 17"/>
             <p:cNvCxnSpPr>
-              <a:cxnSpLocks/>
               <a:endCxn id="20" idx="1"/>
             </p:cNvCxnSpPr>
             <p:nvPr/>
@@ -12799,13 +12885,7 @@
         </p:cxnSp>
         <p:sp>
           <p:nvSpPr>
-            <p:cNvPr id="20" name="文本框 19">
-              <a:extLst>
-                <a:ext uri="{FF2B5EF4-FFF2-40B4-BE49-F238E27FC236}">
-                  <a16:creationId xmlns:a16="http://schemas.microsoft.com/office/drawing/2014/main" id="{2E24ECAB-BCC1-4A5E-88E6-D889A05EF568}"/>
-                </a:ext>
-              </a:extLst>
-            </p:cNvPr>
+            <p:cNvPr id="20" name="文本框 19"/>
             <p:cNvSpPr txBox="1"/>
             <p:nvPr/>
           </p:nvSpPr>
@@ -12829,20 +12909,14 @@
                 <a:rPr lang="zh-CN" altLang="en-US" dirty="0"/>
                 <a:t>提供基本的数据结构</a:t>
               </a:r>
+              <a:endParaRPr lang="zh-CN" altLang="en-US" dirty="0"/>
             </a:p>
           </p:txBody>
         </p:sp>
         <p:cxnSp>
           <p:nvCxnSpPr>
-            <p:cNvPr id="22" name="直接箭头连接符 21">
-              <a:extLst>
-                <a:ext uri="{FF2B5EF4-FFF2-40B4-BE49-F238E27FC236}">
-                  <a16:creationId xmlns:a16="http://schemas.microsoft.com/office/drawing/2014/main" id="{DE375187-3FEC-4188-B68A-611AD0430275}"/>
-                </a:ext>
-              </a:extLst>
-            </p:cNvPr>
+            <p:cNvPr id="22" name="直接箭头连接符 21"/>
             <p:cNvCxnSpPr>
-              <a:cxnSpLocks/>
               <a:endCxn id="23" idx="1"/>
             </p:cNvCxnSpPr>
             <p:nvPr/>
@@ -12876,13 +12950,7 @@
         </p:cxnSp>
         <p:sp>
           <p:nvSpPr>
-            <p:cNvPr id="23" name="文本框 22">
-              <a:extLst>
-                <a:ext uri="{FF2B5EF4-FFF2-40B4-BE49-F238E27FC236}">
-                  <a16:creationId xmlns:a16="http://schemas.microsoft.com/office/drawing/2014/main" id="{388936CB-FE4D-42BD-B66C-61F47F927B78}"/>
-                </a:ext>
-              </a:extLst>
-            </p:cNvPr>
+            <p:cNvPr id="23" name="文本框 22"/>
             <p:cNvSpPr txBox="1"/>
             <p:nvPr/>
           </p:nvSpPr>
@@ -12906,20 +12974,14 @@
                 <a:rPr lang="zh-CN" altLang="en-US" dirty="0"/>
                 <a:t>给其他组件提供常用的函数</a:t>
               </a:r>
+              <a:endParaRPr lang="zh-CN" altLang="en-US" dirty="0"/>
             </a:p>
           </p:txBody>
         </p:sp>
         <p:cxnSp>
           <p:nvCxnSpPr>
-            <p:cNvPr id="25" name="直接箭头连接符 24">
-              <a:extLst>
-                <a:ext uri="{FF2B5EF4-FFF2-40B4-BE49-F238E27FC236}">
-                  <a16:creationId xmlns:a16="http://schemas.microsoft.com/office/drawing/2014/main" id="{B8766F0D-583C-421C-95D4-2CF711B2A9B8}"/>
-                </a:ext>
-              </a:extLst>
-            </p:cNvPr>
+            <p:cNvPr id="25" name="直接箭头连接符 24"/>
             <p:cNvCxnSpPr>
-              <a:cxnSpLocks/>
               <a:endCxn id="26" idx="1"/>
             </p:cNvCxnSpPr>
             <p:nvPr/>
@@ -12953,13 +13015,7 @@
         </p:cxnSp>
         <p:sp>
           <p:nvSpPr>
-            <p:cNvPr id="26" name="文本框 25">
-              <a:extLst>
-                <a:ext uri="{FF2B5EF4-FFF2-40B4-BE49-F238E27FC236}">
-                  <a16:creationId xmlns:a16="http://schemas.microsoft.com/office/drawing/2014/main" id="{583672CE-7ACB-422D-9006-755A6A2C92D3}"/>
-                </a:ext>
-              </a:extLst>
-            </p:cNvPr>
+            <p:cNvPr id="26" name="文本框 25"/>
             <p:cNvSpPr txBox="1"/>
             <p:nvPr/>
           </p:nvSpPr>
@@ -12983,20 +13039,14 @@
                 <a:rPr lang="zh-CN" altLang="en-US" dirty="0"/>
                 <a:t>对不变式进行编码</a:t>
               </a:r>
+              <a:endParaRPr lang="zh-CN" altLang="en-US" dirty="0"/>
             </a:p>
           </p:txBody>
         </p:sp>
         <p:cxnSp>
           <p:nvCxnSpPr>
-            <p:cNvPr id="28" name="直接箭头连接符 27">
-              <a:extLst>
-                <a:ext uri="{FF2B5EF4-FFF2-40B4-BE49-F238E27FC236}">
-                  <a16:creationId xmlns:a16="http://schemas.microsoft.com/office/drawing/2014/main" id="{2DF9A2CF-FE9C-45F0-AA13-F12B466784CB}"/>
-                </a:ext>
-              </a:extLst>
-            </p:cNvPr>
+            <p:cNvPr id="28" name="直接箭头连接符 27"/>
             <p:cNvCxnSpPr>
-              <a:cxnSpLocks/>
               <a:endCxn id="29" idx="1"/>
             </p:cNvCxnSpPr>
             <p:nvPr/>
@@ -13030,13 +13080,7 @@
         </p:cxnSp>
         <p:sp>
           <p:nvSpPr>
-            <p:cNvPr id="29" name="文本框 28">
-              <a:extLst>
-                <a:ext uri="{FF2B5EF4-FFF2-40B4-BE49-F238E27FC236}">
-                  <a16:creationId xmlns:a16="http://schemas.microsoft.com/office/drawing/2014/main" id="{B6D0956E-EACF-4F66-A30B-AF0246184CA0}"/>
-                </a:ext>
-              </a:extLst>
-            </p:cNvPr>
+            <p:cNvPr id="29" name="文本框 28"/>
             <p:cNvSpPr txBox="1"/>
             <p:nvPr/>
           </p:nvSpPr>
@@ -13068,18 +13112,13 @@
                 <a:rPr lang="zh-CN" altLang="en-US" dirty="0"/>
                 <a:t>交互，进行逐步精化</a:t>
               </a:r>
+              <a:endParaRPr lang="zh-CN" altLang="en-US" dirty="0"/>
             </a:p>
           </p:txBody>
         </p:sp>
         <p:sp>
           <p:nvSpPr>
-            <p:cNvPr id="35" name="文本框 34">
-              <a:extLst>
-                <a:ext uri="{FF2B5EF4-FFF2-40B4-BE49-F238E27FC236}">
-                  <a16:creationId xmlns:a16="http://schemas.microsoft.com/office/drawing/2014/main" id="{13B0A2A3-ED95-4E9E-B246-BDFC9A2DD194}"/>
-                </a:ext>
-              </a:extLst>
-            </p:cNvPr>
+            <p:cNvPr id="35" name="文本框 34"/>
             <p:cNvSpPr txBox="1"/>
             <p:nvPr/>
           </p:nvSpPr>
@@ -13103,20 +13142,14 @@
                 <a:rPr lang="zh-CN" altLang="en-US" dirty="0"/>
                 <a:t>指挥进行不变式筛选和逐步精化，并记录此过程中的性能信息</a:t>
               </a:r>
+              <a:endParaRPr lang="zh-CN" altLang="en-US" dirty="0"/>
             </a:p>
           </p:txBody>
         </p:sp>
         <p:cxnSp>
           <p:nvCxnSpPr>
-            <p:cNvPr id="36" name="直接箭头连接符 35">
-              <a:extLst>
-                <a:ext uri="{FF2B5EF4-FFF2-40B4-BE49-F238E27FC236}">
-                  <a16:creationId xmlns:a16="http://schemas.microsoft.com/office/drawing/2014/main" id="{5238DD38-FC92-4E95-9E76-F2CF67DABBB0}"/>
-                </a:ext>
-              </a:extLst>
-            </p:cNvPr>
+            <p:cNvPr id="36" name="直接箭头连接符 35"/>
             <p:cNvCxnSpPr>
-              <a:cxnSpLocks/>
               <a:endCxn id="35" idx="1"/>
             </p:cNvCxnSpPr>
             <p:nvPr/>
@@ -13150,13 +13183,7 @@
         </p:cxnSp>
         <p:sp>
           <p:nvSpPr>
-            <p:cNvPr id="39" name="文本框 38">
-              <a:extLst>
-                <a:ext uri="{FF2B5EF4-FFF2-40B4-BE49-F238E27FC236}">
-                  <a16:creationId xmlns:a16="http://schemas.microsoft.com/office/drawing/2014/main" id="{25AF94C9-BB0C-4346-B4D7-CA401F71A64E}"/>
-                </a:ext>
-              </a:extLst>
-            </p:cNvPr>
+            <p:cNvPr id="39" name="文本框 38"/>
             <p:cNvSpPr txBox="1"/>
             <p:nvPr/>
           </p:nvSpPr>
@@ -13180,20 +13207,14 @@
                 <a:rPr lang="zh-CN" altLang="en-US" dirty="0"/>
                 <a:t>预处理样例信息和配置信息</a:t>
               </a:r>
+              <a:endParaRPr lang="zh-CN" altLang="en-US" dirty="0"/>
             </a:p>
           </p:txBody>
         </p:sp>
         <p:cxnSp>
           <p:nvCxnSpPr>
-            <p:cNvPr id="40" name="直接箭头连接符 39">
-              <a:extLst>
-                <a:ext uri="{FF2B5EF4-FFF2-40B4-BE49-F238E27FC236}">
-                  <a16:creationId xmlns:a16="http://schemas.microsoft.com/office/drawing/2014/main" id="{2E24519B-0BEC-4C86-9B30-141B4068C55A}"/>
-                </a:ext>
-              </a:extLst>
-            </p:cNvPr>
+            <p:cNvPr id="40" name="直接箭头连接符 39"/>
             <p:cNvCxnSpPr>
-              <a:cxnSpLocks/>
               <a:endCxn id="39" idx="1"/>
             </p:cNvCxnSpPr>
             <p:nvPr/>
@@ -13227,13 +13248,7 @@
         </p:cxnSp>
         <p:sp>
           <p:nvSpPr>
-            <p:cNvPr id="43" name="文本框 42">
-              <a:extLst>
-                <a:ext uri="{FF2B5EF4-FFF2-40B4-BE49-F238E27FC236}">
-                  <a16:creationId xmlns:a16="http://schemas.microsoft.com/office/drawing/2014/main" id="{ED432691-122B-4078-8E88-D0EEB460A8C2}"/>
-                </a:ext>
-              </a:extLst>
-            </p:cNvPr>
+            <p:cNvPr id="43" name="文本框 42"/>
             <p:cNvSpPr txBox="1"/>
             <p:nvPr/>
           </p:nvSpPr>
@@ -13257,18 +13272,13 @@
                 <a:rPr lang="zh-CN" altLang="en-US" dirty="0"/>
                 <a:t>核心：生成子模板，利用样例筛选出不变式</a:t>
               </a:r>
+              <a:endParaRPr lang="zh-CN" altLang="en-US" dirty="0"/>
             </a:p>
           </p:txBody>
         </p:sp>
         <p:cxnSp>
           <p:nvCxnSpPr>
-            <p:cNvPr id="45" name="直接箭头连接符 44">
-              <a:extLst>
-                <a:ext uri="{FF2B5EF4-FFF2-40B4-BE49-F238E27FC236}">
-                  <a16:creationId xmlns:a16="http://schemas.microsoft.com/office/drawing/2014/main" id="{D4656294-C411-4B09-9340-14F922E54EA1}"/>
-                </a:ext>
-              </a:extLst>
-            </p:cNvPr>
+            <p:cNvPr id="45" name="直接箭头连接符 44"/>
             <p:cNvCxnSpPr>
               <a:endCxn id="43" idx="1"/>
             </p:cNvCxnSpPr>
@@ -13307,11 +13317,11 @@
   <p:clrMapOvr>
     <a:masterClrMapping/>
   </p:clrMapOvr>
-  <mc:AlternateContent xmlns:mc="http://schemas.openxmlformats.org/markup-compatibility/2006" xmlns:p14="http://schemas.microsoft.com/office/powerpoint/2010/main">
-    <mc:Choice Requires="p14">
+  <mc:AlternateContent xmlns:mc="http://schemas.openxmlformats.org/markup-compatibility/2006">
+    <mc:Choice xmlns:p14="http://schemas.microsoft.com/office/powerpoint/2010/main" Requires="p14">
       <p:transition p14:dur="10" advClick="0"/>
     </mc:Choice>
-    <mc:Fallback xmlns="">
+    <mc:Fallback>
       <p:transition advClick="0"/>
     </mc:Fallback>
   </mc:AlternateContent>
@@ -13780,20 +13790,14 @@
       </p:sp>
       <p:pic>
         <p:nvPicPr>
-          <p:cNvPr id="1026" name="Picture 2">
-            <a:extLst>
-              <a:ext uri="{FF2B5EF4-FFF2-40B4-BE49-F238E27FC236}">
-                <a16:creationId xmlns:a16="http://schemas.microsoft.com/office/drawing/2014/main" id="{F93DFE0D-AC1D-47EC-A220-B945154908DD}"/>
-              </a:ext>
-            </a:extLst>
-          </p:cNvPr>
+          <p:cNvPr id="1026" name="Picture 2"/>
           <p:cNvPicPr>
             <a:picLocks noChangeAspect="1" noChangeArrowheads="1"/>
           </p:cNvPicPr>
           <p:nvPr/>
         </p:nvPicPr>
         <p:blipFill>
-          <a:blip r:embed="rId2" cstate="print">
+          <a:blip r:embed="rId1" cstate="print">
             <a:extLst>
               <a:ext uri="{28A0092B-C50C-407E-A947-70E740481C1C}">
                 <a14:useLocalDpi xmlns:a14="http://schemas.microsoft.com/office/drawing/2010/main" val="0"/>
@@ -13827,13 +13831,7 @@
       </p:pic>
       <p:sp>
         <p:nvSpPr>
-          <p:cNvPr id="32" name="TextBox 72">
-            <a:extLst>
-              <a:ext uri="{FF2B5EF4-FFF2-40B4-BE49-F238E27FC236}">
-                <a16:creationId xmlns:a16="http://schemas.microsoft.com/office/drawing/2014/main" id="{D4C2A971-49FE-4E13-98D2-378DED3AFB17}"/>
-              </a:ext>
-            </a:extLst>
-          </p:cNvPr>
+          <p:cNvPr id="32" name="TextBox 72"/>
           <p:cNvSpPr txBox="1">
             <a:spLocks noChangeArrowheads="1"/>
           </p:cNvSpPr>
@@ -13993,11 +13991,11 @@
   <p:clrMapOvr>
     <a:masterClrMapping/>
   </p:clrMapOvr>
-  <mc:AlternateContent xmlns:mc="http://schemas.openxmlformats.org/markup-compatibility/2006" xmlns:p14="http://schemas.microsoft.com/office/powerpoint/2010/main">
-    <mc:Choice Requires="p14">
+  <mc:AlternateContent xmlns:mc="http://schemas.openxmlformats.org/markup-compatibility/2006">
+    <mc:Choice xmlns:p14="http://schemas.microsoft.com/office/powerpoint/2010/main" Requires="p14">
       <p:transition p14:dur="0" advClick="0"/>
     </mc:Choice>
-    <mc:Fallback xmlns="">
+    <mc:Fallback>
       <p:transition advClick="0"/>
     </mc:Fallback>
   </mc:AlternateContent>
@@ -14466,20 +14464,14 @@
       </p:sp>
       <p:pic>
         <p:nvPicPr>
-          <p:cNvPr id="31" name="图片 30">
-            <a:extLst>
-              <a:ext uri="{FF2B5EF4-FFF2-40B4-BE49-F238E27FC236}">
-                <a16:creationId xmlns:a16="http://schemas.microsoft.com/office/drawing/2014/main" id="{F1E7B36A-31B3-4BFB-8B89-6A90BB3D7F13}"/>
-              </a:ext>
-            </a:extLst>
-          </p:cNvPr>
+          <p:cNvPr id="31" name="图片 30"/>
           <p:cNvPicPr>
             <a:picLocks noChangeAspect="1"/>
           </p:cNvPicPr>
           <p:nvPr/>
         </p:nvPicPr>
         <p:blipFill>
-          <a:blip r:embed="rId2">
+          <a:blip r:embed="rId1">
             <a:extLst>
               <a:ext uri="{28A0092B-C50C-407E-A947-70E740481C1C}">
                 <a14:useLocalDpi xmlns:a14="http://schemas.microsoft.com/office/drawing/2010/main" val="0"/>
@@ -14502,20 +14494,14 @@
       </p:pic>
       <p:pic>
         <p:nvPicPr>
-          <p:cNvPr id="1028" name="Picture 4">
-            <a:extLst>
-              <a:ext uri="{FF2B5EF4-FFF2-40B4-BE49-F238E27FC236}">
-                <a16:creationId xmlns:a16="http://schemas.microsoft.com/office/drawing/2014/main" id="{F5F1F347-50B3-4D7D-9C4C-D5D6A9138C64}"/>
-              </a:ext>
-            </a:extLst>
-          </p:cNvPr>
+          <p:cNvPr id="1028" name="Picture 4"/>
           <p:cNvPicPr>
             <a:picLocks noChangeAspect="1" noChangeArrowheads="1"/>
           </p:cNvPicPr>
           <p:nvPr/>
         </p:nvPicPr>
         <p:blipFill>
-          <a:blip r:embed="rId3" cstate="print">
+          <a:blip r:embed="rId2" cstate="print">
             <a:extLst>
               <a:ext uri="{28A0092B-C50C-407E-A947-70E740481C1C}">
                 <a14:useLocalDpi xmlns:a14="http://schemas.microsoft.com/office/drawing/2010/main" val="0"/>
@@ -14523,7 +14509,9 @@
             </a:extLst>
           </a:blip>
           <a:srcRect/>
-          <a:stretch/>
+          <a:stretch>
+            <a:fillRect/>
+          </a:stretch>
         </p:blipFill>
         <p:spPr bwMode="auto">
           <a:xfrm>
@@ -14547,13 +14535,7 @@
       </p:pic>
       <p:sp>
         <p:nvSpPr>
-          <p:cNvPr id="12" name="TextBox 72">
-            <a:extLst>
-              <a:ext uri="{FF2B5EF4-FFF2-40B4-BE49-F238E27FC236}">
-                <a16:creationId xmlns:a16="http://schemas.microsoft.com/office/drawing/2014/main" id="{A1BDB175-505F-4756-A62B-1EE25A9E764E}"/>
-              </a:ext>
-            </a:extLst>
-          </p:cNvPr>
+          <p:cNvPr id="12" name="TextBox 72"/>
           <p:cNvSpPr txBox="1">
             <a:spLocks noChangeArrowheads="1"/>
           </p:cNvSpPr>
@@ -14709,20 +14691,15 @@
         </p:txBody>
       </p:sp>
     </p:spTree>
-    <p:extLst>
-      <p:ext uri="{BB962C8B-B14F-4D97-AF65-F5344CB8AC3E}">
-        <p14:creationId xmlns:p14="http://schemas.microsoft.com/office/powerpoint/2010/main" val="191862739"/>
-      </p:ext>
-    </p:extLst>
   </p:cSld>
   <p:clrMapOvr>
     <a:masterClrMapping/>
   </p:clrMapOvr>
-  <mc:AlternateContent xmlns:mc="http://schemas.openxmlformats.org/markup-compatibility/2006" xmlns:p14="http://schemas.microsoft.com/office/powerpoint/2010/main">
-    <mc:Choice Requires="p14">
+  <mc:AlternateContent xmlns:mc="http://schemas.openxmlformats.org/markup-compatibility/2006">
+    <mc:Choice xmlns:p14="http://schemas.microsoft.com/office/powerpoint/2010/main" Requires="p14">
       <p:transition p14:dur="0" advClick="0"/>
     </mc:Choice>
-    <mc:Fallback xmlns="">
+    <mc:Fallback>
       <p:transition advClick="0"/>
     </mc:Fallback>
   </mc:AlternateContent>
@@ -15191,13 +15168,7 @@
       </p:sp>
       <p:sp>
         <p:nvSpPr>
-          <p:cNvPr id="12" name="TextBox 72">
-            <a:extLst>
-              <a:ext uri="{FF2B5EF4-FFF2-40B4-BE49-F238E27FC236}">
-                <a16:creationId xmlns:a16="http://schemas.microsoft.com/office/drawing/2014/main" id="{A1BDB175-505F-4756-A62B-1EE25A9E764E}"/>
-              </a:ext>
-            </a:extLst>
-          </p:cNvPr>
+          <p:cNvPr id="12" name="TextBox 72"/>
           <p:cNvSpPr txBox="1">
             <a:spLocks noChangeArrowheads="1"/>
           </p:cNvSpPr>
@@ -15354,20 +15325,14 @@
       </p:sp>
       <p:pic>
         <p:nvPicPr>
-          <p:cNvPr id="3074" name="Picture 2">
-            <a:extLst>
-              <a:ext uri="{FF2B5EF4-FFF2-40B4-BE49-F238E27FC236}">
-                <a16:creationId xmlns:a16="http://schemas.microsoft.com/office/drawing/2014/main" id="{D2C5A558-5F66-44FC-A016-F212BF72AC37}"/>
-              </a:ext>
-            </a:extLst>
-          </p:cNvPr>
+          <p:cNvPr id="3074" name="Picture 2"/>
           <p:cNvPicPr>
             <a:picLocks noChangeAspect="1" noChangeArrowheads="1"/>
           </p:cNvPicPr>
           <p:nvPr/>
         </p:nvPicPr>
         <p:blipFill>
-          <a:blip r:embed="rId2" cstate="print">
+          <a:blip r:embed="rId1" cstate="print">
             <a:extLst>
               <a:ext uri="{28A0092B-C50C-407E-A947-70E740481C1C}">
                 <a14:useLocalDpi xmlns:a14="http://schemas.microsoft.com/office/drawing/2010/main" val="0"/>
@@ -15375,7 +15340,9 @@
             </a:extLst>
           </a:blip>
           <a:srcRect/>
-          <a:stretch/>
+          <a:stretch>
+            <a:fillRect/>
+          </a:stretch>
         </p:blipFill>
         <p:spPr bwMode="auto">
           <a:xfrm>
@@ -15399,13 +15366,7 @@
       </p:pic>
       <p:sp>
         <p:nvSpPr>
-          <p:cNvPr id="13" name="Content Placeholder 2">
-            <a:extLst>
-              <a:ext uri="{FF2B5EF4-FFF2-40B4-BE49-F238E27FC236}">
-                <a16:creationId xmlns:a16="http://schemas.microsoft.com/office/drawing/2014/main" id="{D1A5F09F-085B-47FF-BDE0-AB7886C32CC1}"/>
-              </a:ext>
-            </a:extLst>
-          </p:cNvPr>
+          <p:cNvPr id="13" name="Content Placeholder 2"/>
           <p:cNvSpPr txBox="1"/>
           <p:nvPr/>
         </p:nvSpPr>
@@ -15591,20 +15552,15 @@
         </p:txBody>
       </p:sp>
     </p:spTree>
-    <p:extLst>
-      <p:ext uri="{BB962C8B-B14F-4D97-AF65-F5344CB8AC3E}">
-        <p14:creationId xmlns:p14="http://schemas.microsoft.com/office/powerpoint/2010/main" val="3136081010"/>
-      </p:ext>
-    </p:extLst>
   </p:cSld>
   <p:clrMapOvr>
     <a:masterClrMapping/>
   </p:clrMapOvr>
-  <mc:AlternateContent xmlns:mc="http://schemas.openxmlformats.org/markup-compatibility/2006" xmlns:p14="http://schemas.microsoft.com/office/powerpoint/2010/main">
-    <mc:Choice Requires="p14">
+  <mc:AlternateContent xmlns:mc="http://schemas.openxmlformats.org/markup-compatibility/2006">
+    <mc:Choice xmlns:p14="http://schemas.microsoft.com/office/powerpoint/2010/main" Requires="p14">
       <p:transition p14:dur="0" advClick="0"/>
     </mc:Choice>
-    <mc:Fallback xmlns="">
+    <mc:Fallback>
       <p:transition advClick="0"/>
     </mc:Fallback>
   </mc:AlternateContent>
@@ -15639,7 +15595,7 @@
           </p:nvPr>
         </p:nvPicPr>
         <p:blipFill>
-          <a:blip r:embed="rId2">
+          <a:blip r:embed="rId1">
             <a:extLst>
               <a:ext uri="{28A0092B-C50C-407E-A947-70E740481C1C}">
                 <a14:useLocalDpi xmlns:a14="http://schemas.microsoft.com/office/drawing/2010/main" val="0"/>
@@ -15799,6 +15755,11 @@
               </a:rPr>
               <a:t>还会返回具体不成立的不变式是哪一条和具体反例的工具。</a:t>
             </a:r>
+            <a:endParaRPr lang="zh-CN" altLang="en-US" sz="1400" dirty="0">
+              <a:solidFill>
+                <a:schemeClr val="bg1"/>
+              </a:solidFill>
+            </a:endParaRPr>
           </a:p>
         </p:txBody>
       </p:sp>
@@ -15886,13 +15847,7 @@
       </p:sp>
       <p:grpSp>
         <p:nvGrpSpPr>
-          <p:cNvPr id="2" name="组合 1">
-            <a:extLst>
-              <a:ext uri="{FF2B5EF4-FFF2-40B4-BE49-F238E27FC236}">
-                <a16:creationId xmlns:a16="http://schemas.microsoft.com/office/drawing/2014/main" id="{1E703091-A9D1-4641-8122-29AE09F8B872}"/>
-              </a:ext>
-            </a:extLst>
-          </p:cNvPr>
+          <p:cNvPr id="2" name="组合 1"/>
           <p:cNvGrpSpPr/>
           <p:nvPr/>
         </p:nvGrpSpPr>
@@ -15956,8 +15911,8 @@
             </a:p>
           </p:txBody>
         </p:sp>
-        <mc:AlternateContent xmlns:mc="http://schemas.openxmlformats.org/markup-compatibility/2006" xmlns:a14="http://schemas.microsoft.com/office/drawing/2010/main">
-          <mc:Choice Requires="a14">
+        <mc:AlternateContent xmlns:mc="http://schemas.openxmlformats.org/markup-compatibility/2006">
+          <mc:Choice xmlns:a14="http://schemas.microsoft.com/office/drawing/2010/main" Requires="a14">
             <p:sp>
               <p:nvSpPr>
                 <p:cNvPr id="56" name="矩形 55"/>
@@ -16150,7 +16105,7 @@
               </p:txBody>
             </p:sp>
           </mc:Choice>
-          <mc:Fallback xmlns="">
+          <mc:Fallback>
             <p:sp>
               <p:nvSpPr>
                 <p:cNvPr id="56" name="矩形 55"/>
@@ -16167,11 +16122,8 @@
                 <a:prstGeom prst="rect">
                   <a:avLst/>
                 </a:prstGeom>
-                <a:blipFill>
-                  <a:blip r:embed="rId3"/>
-                  <a:stretch>
-                    <a:fillRect l="-711" t="-760" b="-2662"/>
-                  </a:stretch>
+                <a:blipFill rotWithShape="1">
+                  <a:blip r:embed="rId2"/>
                 </a:blipFill>
               </p:spPr>
               <p:txBody>
@@ -16182,7 +16134,7 @@
                     <a:rPr lang="zh-CN" altLang="en-US">
                       <a:noFill/>
                     </a:rPr>
-                    <a:t> </a:t>
+                    <a:t> </a:t>
                   </a:r>
                 </a:p>
               </p:txBody>
@@ -16222,6 +16174,14 @@
                 </a:rPr>
                 <a:t>如何找到一个刚好只比原来的不变式弱一点的不变式？</a:t>
               </a:r>
+              <a:endParaRPr lang="zh-CN" altLang="en-US" b="1" dirty="0">
+                <a:solidFill>
+                  <a:schemeClr val="tx1">
+                    <a:lumMod val="75000"/>
+                    <a:lumOff val="25000"/>
+                  </a:schemeClr>
+                </a:solidFill>
+              </a:endParaRPr>
             </a:p>
           </p:txBody>
         </p:sp>
@@ -16419,13 +16379,7 @@
       </p:cxnSp>
       <p:grpSp>
         <p:nvGrpSpPr>
-          <p:cNvPr id="17" name="组合 16">
-            <a:extLst>
-              <a:ext uri="{FF2B5EF4-FFF2-40B4-BE49-F238E27FC236}">
-                <a16:creationId xmlns:a16="http://schemas.microsoft.com/office/drawing/2014/main" id="{63401F4B-F571-4182-A509-49B15A488D66}"/>
-              </a:ext>
-            </a:extLst>
-          </p:cNvPr>
+          <p:cNvPr id="17" name="组合 16"/>
           <p:cNvGrpSpPr/>
           <p:nvPr/>
         </p:nvGrpSpPr>
@@ -16439,13 +16393,7 @@
         </p:grpSpPr>
         <p:sp>
           <p:nvSpPr>
-            <p:cNvPr id="18" name="矩形 17">
-              <a:extLst>
-                <a:ext uri="{FF2B5EF4-FFF2-40B4-BE49-F238E27FC236}">
-                  <a16:creationId xmlns:a16="http://schemas.microsoft.com/office/drawing/2014/main" id="{D4957F1D-CE37-4ECF-B228-D074E1E487B8}"/>
-                </a:ext>
-              </a:extLst>
-            </p:cNvPr>
+            <p:cNvPr id="18" name="矩形 17"/>
             <p:cNvSpPr/>
             <p:nvPr/>
           </p:nvSpPr>
@@ -16495,17 +16443,11 @@
             </a:p>
           </p:txBody>
         </p:sp>
-        <mc:AlternateContent xmlns:mc="http://schemas.openxmlformats.org/markup-compatibility/2006" xmlns:a14="http://schemas.microsoft.com/office/drawing/2010/main">
-          <mc:Choice Requires="a14">
+        <mc:AlternateContent xmlns:mc="http://schemas.openxmlformats.org/markup-compatibility/2006">
+          <mc:Choice xmlns:a14="http://schemas.microsoft.com/office/drawing/2010/main" Requires="a14">
             <p:sp>
               <p:nvSpPr>
-                <p:cNvPr id="19" name="矩形 18">
-                  <a:extLst>
-                    <a:ext uri="{FF2B5EF4-FFF2-40B4-BE49-F238E27FC236}">
-                      <a16:creationId xmlns:a16="http://schemas.microsoft.com/office/drawing/2014/main" id="{79C41AAA-2664-4F37-A16B-DFF82D044B1E}"/>
-                    </a:ext>
-                  </a:extLst>
-                </p:cNvPr>
+                <p:cNvPr id="19" name="矩形 18"/>
                 <p:cNvSpPr/>
                 <p:nvPr/>
               </p:nvSpPr>
@@ -16586,20 +16528,22 @@
                     </a:rPr>
                     <a:t>。否则直接抛弃这一条不变式。</a:t>
                   </a:r>
+                  <a:endParaRPr lang="zh-CN" altLang="en-US" sz="1400" dirty="0">
+                    <a:solidFill>
+                      <a:schemeClr val="tx1">
+                        <a:lumMod val="75000"/>
+                        <a:lumOff val="25000"/>
+                      </a:schemeClr>
+                    </a:solidFill>
+                  </a:endParaRPr>
                 </a:p>
               </p:txBody>
             </p:sp>
           </mc:Choice>
-          <mc:Fallback xmlns="">
+          <mc:Fallback>
             <p:sp>
               <p:nvSpPr>
-                <p:cNvPr id="19" name="矩形 18">
-                  <a:extLst>
-                    <a:ext uri="{FF2B5EF4-FFF2-40B4-BE49-F238E27FC236}">
-                      <a16:creationId xmlns:a16="http://schemas.microsoft.com/office/drawing/2014/main" id="{79C41AAA-2664-4F37-A16B-DFF82D044B1E}"/>
-                    </a:ext>
-                  </a:extLst>
-                </p:cNvPr>
+                <p:cNvPr id="19" name="矩形 18"/>
                 <p:cNvSpPr>
                   <a:spLocks noRot="1" noChangeAspect="1" noMove="1" noResize="1" noEditPoints="1" noAdjustHandles="1" noChangeArrowheads="1" noChangeShapeType="1" noTextEdit="1"/>
                 </p:cNvSpPr>
@@ -16613,11 +16557,8 @@
                 <a:prstGeom prst="rect">
                   <a:avLst/>
                 </a:prstGeom>
-                <a:blipFill>
-                  <a:blip r:embed="rId4"/>
-                  <a:stretch>
-                    <a:fillRect l="-694" t="-1274" r="-7870" b="-5732"/>
-                  </a:stretch>
+                <a:blipFill rotWithShape="1">
+                  <a:blip r:embed="rId3"/>
                 </a:blipFill>
               </p:spPr>
               <p:txBody>
@@ -16628,7 +16569,7 @@
                     <a:rPr lang="zh-CN" altLang="en-US">
                       <a:noFill/>
                     </a:rPr>
-                    <a:t> </a:t>
+                    <a:t> </a:t>
                   </a:r>
                 </a:p>
               </p:txBody>
@@ -16637,13 +16578,7 @@
         </mc:AlternateContent>
         <p:sp>
           <p:nvSpPr>
-            <p:cNvPr id="21" name="文本框 20">
-              <a:extLst>
-                <a:ext uri="{FF2B5EF4-FFF2-40B4-BE49-F238E27FC236}">
-                  <a16:creationId xmlns:a16="http://schemas.microsoft.com/office/drawing/2014/main" id="{6204C9FF-EF40-4762-9BCE-987FF52A115D}"/>
-                </a:ext>
-              </a:extLst>
-            </p:cNvPr>
+            <p:cNvPr id="21" name="文本框 20"/>
             <p:cNvSpPr txBox="1"/>
             <p:nvPr/>
           </p:nvSpPr>
@@ -16684,17 +16619,11 @@
           </p:txBody>
         </p:sp>
       </p:grpSp>
-      <mc:AlternateContent xmlns:mc="http://schemas.openxmlformats.org/markup-compatibility/2006" xmlns:a14="http://schemas.microsoft.com/office/drawing/2010/main">
-        <mc:Choice Requires="a14">
+      <mc:AlternateContent xmlns:mc="http://schemas.openxmlformats.org/markup-compatibility/2006">
+        <mc:Choice xmlns:a14="http://schemas.microsoft.com/office/drawing/2010/main" Requires="a14">
           <p:sp>
             <p:nvSpPr>
-              <p:cNvPr id="22" name="矩形 21">
-                <a:extLst>
-                  <a:ext uri="{FF2B5EF4-FFF2-40B4-BE49-F238E27FC236}">
-                    <a16:creationId xmlns:a16="http://schemas.microsoft.com/office/drawing/2014/main" id="{A814B9A2-4EB4-4C47-9038-188AAD72F251}"/>
-                  </a:ext>
-                </a:extLst>
-              </p:cNvPr>
+              <p:cNvPr id="22" name="矩形 21"/>
               <p:cNvSpPr/>
               <p:nvPr/>
             </p:nvSpPr>
@@ -16734,7 +16663,6 @@
                 </a:endParaRPr>
               </a:p>
               <a:p>
-                <a:pPr/>
                 <a14:m>
                   <m:oMathPara xmlns:m="http://schemas.openxmlformats.org/officeDocument/2006/math">
                     <m:oMathParaPr>
@@ -16884,7 +16812,6 @@
                 </a:endParaRPr>
               </a:p>
               <a:p>
-                <a:pPr/>
                 <a14:m>
                   <m:oMathPara xmlns:m="http://schemas.openxmlformats.org/officeDocument/2006/math">
                     <m:oMathParaPr>
@@ -17042,7 +16969,6 @@
                 </a:endParaRPr>
               </a:p>
               <a:p>
-                <a:pPr/>
                 <a14:m>
                   <m:oMathPara xmlns:m="http://schemas.openxmlformats.org/officeDocument/2006/math">
                     <m:oMathParaPr>
@@ -17227,20 +17153,22 @@
                   </a:rPr>
                   <a:t>进行判断。</a:t>
                 </a:r>
+                <a:endParaRPr lang="zh-CN" altLang="en-US" sz="1400" dirty="0">
+                  <a:solidFill>
+                    <a:schemeClr val="tx1">
+                      <a:lumMod val="75000"/>
+                      <a:lumOff val="25000"/>
+                    </a:schemeClr>
+                  </a:solidFill>
+                </a:endParaRPr>
               </a:p>
             </p:txBody>
           </p:sp>
         </mc:Choice>
-        <mc:Fallback xmlns="">
+        <mc:Fallback>
           <p:sp>
             <p:nvSpPr>
-              <p:cNvPr id="22" name="矩形 21">
-                <a:extLst>
-                  <a:ext uri="{FF2B5EF4-FFF2-40B4-BE49-F238E27FC236}">
-                    <a16:creationId xmlns:a16="http://schemas.microsoft.com/office/drawing/2014/main" id="{A814B9A2-4EB4-4C47-9038-188AAD72F251}"/>
-                  </a:ext>
-                </a:extLst>
-              </p:cNvPr>
+              <p:cNvPr id="22" name="矩形 21"/>
               <p:cNvSpPr>
                 <a:spLocks noRot="1" noChangeAspect="1" noMove="1" noResize="1" noEditPoints="1" noAdjustHandles="1" noChangeArrowheads="1" noChangeShapeType="1" noTextEdit="1"/>
               </p:cNvSpPr>
@@ -17254,10 +17182,10 @@
               <a:prstGeom prst="rect">
                 <a:avLst/>
               </a:prstGeom>
-              <a:blipFill>
-                <a:blip r:embed="rId5"/>
+              <a:blipFill rotWithShape="1">
+                <a:blip r:embed="rId4"/>
                 <a:stretch>
-                  <a:fillRect l="-667" t="-673" b="-2694"/>
+                  <a:fillRect l="-2" t="-25" b="-2470"/>
                 </a:stretch>
               </a:blipFill>
             </p:spPr>
@@ -17269,7 +17197,7 @@
                   <a:rPr lang="zh-CN" altLang="en-US">
                     <a:noFill/>
                   </a:rPr>
-                  <a:t> </a:t>
+                  <a:t> </a:t>
                 </a:r>
               </a:p>
             </p:txBody>
@@ -17278,13 +17206,7 @@
       </mc:AlternateContent>
       <p:sp>
         <p:nvSpPr>
-          <p:cNvPr id="6" name="图文框 5">
-            <a:extLst>
-              <a:ext uri="{FF2B5EF4-FFF2-40B4-BE49-F238E27FC236}">
-                <a16:creationId xmlns:a16="http://schemas.microsoft.com/office/drawing/2014/main" id="{2F44866E-97CF-46B3-90C0-6B4EBE2C7A60}"/>
-              </a:ext>
-            </a:extLst>
-          </p:cNvPr>
+          <p:cNvPr id="6" name="图文框 5"/>
           <p:cNvSpPr/>
           <p:nvPr/>
         </p:nvSpPr>
@@ -17330,13 +17252,7 @@
       </p:sp>
       <p:sp>
         <p:nvSpPr>
-          <p:cNvPr id="24" name="图文框 23">
-            <a:extLst>
-              <a:ext uri="{FF2B5EF4-FFF2-40B4-BE49-F238E27FC236}">
-                <a16:creationId xmlns:a16="http://schemas.microsoft.com/office/drawing/2014/main" id="{680EDEDD-5F25-4041-B1BE-73CB60C6F362}"/>
-              </a:ext>
-            </a:extLst>
-          </p:cNvPr>
+          <p:cNvPr id="24" name="图文框 23"/>
           <p:cNvSpPr/>
           <p:nvPr/>
         </p:nvSpPr>
@@ -17382,13 +17298,7 @@
       </p:sp>
       <p:sp>
         <p:nvSpPr>
-          <p:cNvPr id="27" name="Content Placeholder 2">
-            <a:extLst>
-              <a:ext uri="{FF2B5EF4-FFF2-40B4-BE49-F238E27FC236}">
-                <a16:creationId xmlns:a16="http://schemas.microsoft.com/office/drawing/2014/main" id="{0F3FAB78-7EA3-43C6-80B8-F83A4ADAEBCF}"/>
-              </a:ext>
-            </a:extLst>
-          </p:cNvPr>
+          <p:cNvPr id="27" name="Content Placeholder 2"/>
           <p:cNvSpPr txBox="1"/>
           <p:nvPr/>
         </p:nvSpPr>
@@ -18056,13 +17966,7 @@
       </p:sp>
       <p:sp>
         <p:nvSpPr>
-          <p:cNvPr id="12" name="TextBox 72">
-            <a:extLst>
-              <a:ext uri="{FF2B5EF4-FFF2-40B4-BE49-F238E27FC236}">
-                <a16:creationId xmlns:a16="http://schemas.microsoft.com/office/drawing/2014/main" id="{A1BDB175-505F-4756-A62B-1EE25A9E764E}"/>
-              </a:ext>
-            </a:extLst>
-          </p:cNvPr>
+          <p:cNvPr id="12" name="TextBox 72"/>
           <p:cNvSpPr txBox="1">
             <a:spLocks noChangeArrowheads="1"/>
           </p:cNvSpPr>
@@ -18219,20 +18123,14 @@
       </p:sp>
       <p:pic>
         <p:nvPicPr>
-          <p:cNvPr id="3074" name="Picture 2">
-            <a:extLst>
-              <a:ext uri="{FF2B5EF4-FFF2-40B4-BE49-F238E27FC236}">
-                <a16:creationId xmlns:a16="http://schemas.microsoft.com/office/drawing/2014/main" id="{D2C5A558-5F66-44FC-A016-F212BF72AC37}"/>
-              </a:ext>
-            </a:extLst>
-          </p:cNvPr>
+          <p:cNvPr id="3074" name="Picture 2"/>
           <p:cNvPicPr>
             <a:picLocks noChangeAspect="1" noChangeArrowheads="1"/>
           </p:cNvPicPr>
           <p:nvPr/>
         </p:nvPicPr>
         <p:blipFill>
-          <a:blip r:embed="rId2" cstate="print">
+          <a:blip r:embed="rId1" cstate="print">
             <a:extLst>
               <a:ext uri="{28A0092B-C50C-407E-A947-70E740481C1C}">
                 <a14:useLocalDpi xmlns:a14="http://schemas.microsoft.com/office/drawing/2010/main" val="0"/>
@@ -18240,7 +18138,9 @@
             </a:extLst>
           </a:blip>
           <a:srcRect/>
-          <a:stretch/>
+          <a:stretch>
+            <a:fillRect/>
+          </a:stretch>
         </p:blipFill>
         <p:spPr bwMode="auto">
           <a:xfrm>
@@ -18264,13 +18164,7 @@
       </p:pic>
       <p:sp>
         <p:nvSpPr>
-          <p:cNvPr id="13" name="Content Placeholder 2">
-            <a:extLst>
-              <a:ext uri="{FF2B5EF4-FFF2-40B4-BE49-F238E27FC236}">
-                <a16:creationId xmlns:a16="http://schemas.microsoft.com/office/drawing/2014/main" id="{D1A5F09F-085B-47FF-BDE0-AB7886C32CC1}"/>
-              </a:ext>
-            </a:extLst>
-          </p:cNvPr>
+          <p:cNvPr id="13" name="Content Placeholder 2"/>
           <p:cNvSpPr txBox="1"/>
           <p:nvPr/>
         </p:nvSpPr>
@@ -18457,20 +18351,14 @@
       </p:sp>
       <p:pic>
         <p:nvPicPr>
-          <p:cNvPr id="4098" name="Picture 2">
-            <a:extLst>
-              <a:ext uri="{FF2B5EF4-FFF2-40B4-BE49-F238E27FC236}">
-                <a16:creationId xmlns:a16="http://schemas.microsoft.com/office/drawing/2014/main" id="{7DFE380A-6EE2-4B0E-B932-009E315681AA}"/>
-              </a:ext>
-            </a:extLst>
-          </p:cNvPr>
+          <p:cNvPr id="4098" name="Picture 2"/>
           <p:cNvPicPr>
             <a:picLocks noChangeAspect="1" noChangeArrowheads="1"/>
           </p:cNvPicPr>
           <p:nvPr/>
         </p:nvPicPr>
         <p:blipFill>
-          <a:blip r:embed="rId3" cstate="print">
+          <a:blip r:embed="rId2" cstate="print">
             <a:extLst>
               <a:ext uri="{28A0092B-C50C-407E-A947-70E740481C1C}">
                 <a14:useLocalDpi xmlns:a14="http://schemas.microsoft.com/office/drawing/2010/main" val="0"/>
@@ -18504,13 +18392,7 @@
       </p:pic>
       <p:sp>
         <p:nvSpPr>
-          <p:cNvPr id="14" name="Content Placeholder 2">
-            <a:extLst>
-              <a:ext uri="{FF2B5EF4-FFF2-40B4-BE49-F238E27FC236}">
-                <a16:creationId xmlns:a16="http://schemas.microsoft.com/office/drawing/2014/main" id="{F95E3E69-239D-48F9-BD0B-9441492608DE}"/>
-              </a:ext>
-            </a:extLst>
-          </p:cNvPr>
+          <p:cNvPr id="14" name="Content Placeholder 2"/>
           <p:cNvSpPr txBox="1"/>
           <p:nvPr/>
         </p:nvSpPr>
@@ -18784,20 +18666,15 @@
         </p:txBody>
       </p:sp>
     </p:spTree>
-    <p:extLst>
-      <p:ext uri="{BB962C8B-B14F-4D97-AF65-F5344CB8AC3E}">
-        <p14:creationId xmlns:p14="http://schemas.microsoft.com/office/powerpoint/2010/main" val="1328132962"/>
-      </p:ext>
-    </p:extLst>
   </p:cSld>
   <p:clrMapOvr>
     <a:masterClrMapping/>
   </p:clrMapOvr>
-  <mc:AlternateContent xmlns:mc="http://schemas.openxmlformats.org/markup-compatibility/2006" xmlns:p14="http://schemas.microsoft.com/office/powerpoint/2010/main">
-    <mc:Choice Requires="p14">
+  <mc:AlternateContent xmlns:mc="http://schemas.openxmlformats.org/markup-compatibility/2006">
+    <mc:Choice xmlns:p14="http://schemas.microsoft.com/office/powerpoint/2010/main" Requires="p14">
       <p:transition p14:dur="0" advClick="0"/>
     </mc:Choice>
-    <mc:Fallback xmlns="">
+    <mc:Fallback>
       <p:transition advClick="0"/>
     </mc:Fallback>
   </mc:AlternateContent>
@@ -19117,6 +18994,14 @@
                     </a:rPr>
                     <a:t>结构框架</a:t>
                   </a:r>
+                  <a:endParaRPr lang="zh-CN" altLang="en-US" sz="2700" dirty="0">
+                    <a:solidFill>
+                      <a:srgbClr val="445469"/>
+                    </a:solidFill>
+                    <a:latin typeface="思源黑体 CN Medium" panose="020B0600000000000000" pitchFamily="34" charset="-122"/>
+                    <a:ea typeface="思源黑体 CN Medium" panose="020B0600000000000000" pitchFamily="34" charset="-122"/>
+                    <a:cs typeface="Lato Light"/>
+                  </a:endParaRPr>
                 </a:p>
               </p:txBody>
             </p:sp>
@@ -19417,6 +19302,13 @@
                     </a:rPr>
                     <a:t>部分</a:t>
                   </a:r>
+                  <a:endParaRPr lang="zh-CN" altLang="en-US" sz="2700" dirty="0">
+                    <a:solidFill>
+                      <a:srgbClr val="445469"/>
+                    </a:solidFill>
+                    <a:latin typeface="思源黑体 CN Medium" panose="020B0600000000000000" pitchFamily="34" charset="-122"/>
+                    <a:ea typeface="思源黑体 CN Medium"/>
+                  </a:endParaRPr>
                 </a:p>
               </p:txBody>
             </p:sp>
@@ -19662,6 +19554,13 @@
                     </a:rPr>
                     <a:t>部分</a:t>
                   </a:r>
+                  <a:endParaRPr lang="zh-CN" altLang="en-US" sz="2700" dirty="0">
+                    <a:solidFill>
+                      <a:srgbClr val="445469"/>
+                    </a:solidFill>
+                    <a:latin typeface="思源黑体 CN Medium" panose="020B0600000000000000" pitchFamily="34" charset="-122"/>
+                    <a:ea typeface="思源黑体 CN Medium"/>
+                  </a:endParaRPr>
                 </a:p>
               </p:txBody>
             </p:sp>
@@ -19897,6 +19796,13 @@
                     </a:rPr>
                     <a:t>结语</a:t>
                   </a:r>
+                  <a:endParaRPr lang="zh-CN" altLang="en-US" sz="2700" dirty="0">
+                    <a:solidFill>
+                      <a:srgbClr val="445469"/>
+                    </a:solidFill>
+                    <a:latin typeface="思源黑体 CN Medium" panose="020B0600000000000000" pitchFamily="34" charset="-122"/>
+                    <a:ea typeface="思源黑体 CN Medium"/>
+                  </a:endParaRPr>
                 </a:p>
               </p:txBody>
             </p:sp>
@@ -21285,11 +21191,11 @@
   <p:clrMapOvr>
     <a:masterClrMapping/>
   </p:clrMapOvr>
-  <mc:AlternateContent xmlns:mc="http://schemas.openxmlformats.org/markup-compatibility/2006" xmlns:p14="http://schemas.microsoft.com/office/powerpoint/2010/main">
-    <mc:Choice Requires="p14">
+  <mc:AlternateContent xmlns:mc="http://schemas.openxmlformats.org/markup-compatibility/2006">
+    <mc:Choice xmlns:p14="http://schemas.microsoft.com/office/powerpoint/2010/main" Requires="p14">
       <p:transition p14:dur="10" advClick="0"/>
     </mc:Choice>
-    <mc:Fallback xmlns="">
+    <mc:Fallback>
       <p:transition advClick="0"/>
     </mc:Fallback>
   </mc:AlternateContent>
@@ -21376,6 +21282,13 @@
                   </a:rPr>
                   <a:t>结语</a:t>
                 </a:r>
+                <a:endParaRPr lang="zh-CN" altLang="en-US" sz="3300" b="1" dirty="0">
+                  <a:solidFill>
+                    <a:srgbClr val="445469"/>
+                  </a:solidFill>
+                  <a:latin typeface="思源黑体 CN Bold"/>
+                  <a:ea typeface="思源黑体 CN Bold"/>
+                </a:endParaRPr>
               </a:p>
             </p:txBody>
           </p:sp>
@@ -22017,11 +21930,11 @@
   <p:clrMapOvr>
     <a:masterClrMapping/>
   </p:clrMapOvr>
-  <mc:AlternateContent xmlns:mc="http://schemas.openxmlformats.org/markup-compatibility/2006" xmlns:p14="http://schemas.microsoft.com/office/powerpoint/2010/main">
-    <mc:Choice Requires="p14">
+  <mc:AlternateContent xmlns:mc="http://schemas.openxmlformats.org/markup-compatibility/2006">
+    <mc:Choice xmlns:p14="http://schemas.microsoft.com/office/powerpoint/2010/main" Requires="p14">
       <p:transition p14:dur="10" advClick="0"/>
     </mc:Choice>
-    <mc:Fallback xmlns="">
+    <mc:Fallback>
       <p:transition advClick="0"/>
     </mc:Fallback>
   </mc:AlternateContent>
@@ -22218,6 +22131,14 @@
               </a:rPr>
               <a:t>THANK YOU FOR WATCHING  </a:t>
             </a:r>
+            <a:endParaRPr lang="en-US" altLang="zh-CN" sz="2400" dirty="0">
+              <a:solidFill>
+                <a:srgbClr val="445469"/>
+              </a:solidFill>
+              <a:latin typeface="Arial Black" panose="020B0A04020102020204"/>
+              <a:ea typeface="思源黑体 CN Medium"/>
+              <a:cs typeface="League Gothic" charset="0"/>
+            </a:endParaRPr>
           </a:p>
         </p:txBody>
       </p:sp>
@@ -22843,11 +22764,11 @@
   <p:clrMapOvr>
     <a:masterClrMapping/>
   </p:clrMapOvr>
-  <mc:AlternateContent xmlns:mc="http://schemas.openxmlformats.org/markup-compatibility/2006" xmlns:p14="http://schemas.microsoft.com/office/powerpoint/2010/main">
-    <mc:Choice Requires="p14">
+  <mc:AlternateContent xmlns:mc="http://schemas.openxmlformats.org/markup-compatibility/2006">
+    <mc:Choice xmlns:p14="http://schemas.microsoft.com/office/powerpoint/2010/main" Requires="p14">
       <p:transition p14:dur="10" advClick="0"/>
     </mc:Choice>
-    <mc:Fallback xmlns="">
+    <mc:Fallback>
       <p:transition advClick="0"/>
     </mc:Fallback>
   </mc:AlternateContent>
@@ -23235,6 +23156,13 @@
                 </a:rPr>
                 <a:t>结构框架</a:t>
               </a:r>
+              <a:endParaRPr lang="zh-CN" altLang="es-ES" sz="3300" b="1" dirty="0">
+                <a:solidFill>
+                  <a:srgbClr val="445469"/>
+                </a:solidFill>
+                <a:latin typeface="思源黑体 CN Bold"/>
+                <a:ea typeface="思源黑体 CN Bold"/>
+              </a:endParaRPr>
             </a:p>
           </p:txBody>
         </p:sp>
@@ -23498,11 +23426,11 @@
   <p:clrMapOvr>
     <a:masterClrMapping/>
   </p:clrMapOvr>
-  <mc:AlternateContent xmlns:mc="http://schemas.openxmlformats.org/markup-compatibility/2006" xmlns:p14="http://schemas.microsoft.com/office/powerpoint/2010/main">
-    <mc:Choice Requires="p14">
+  <mc:AlternateContent xmlns:mc="http://schemas.openxmlformats.org/markup-compatibility/2006">
+    <mc:Choice xmlns:p14="http://schemas.microsoft.com/office/powerpoint/2010/main" Requires="p14">
       <p:transition p14:dur="10" advClick="0"/>
     </mc:Choice>
-    <mc:Fallback xmlns="">
+    <mc:Fallback>
       <p:transition advClick="0"/>
     </mc:Fallback>
   </mc:AlternateContent>
@@ -23850,6 +23778,13 @@
               </a:rPr>
               <a:t>协议文件</a:t>
             </a:r>
+            <a:endParaRPr lang="zh-CN" altLang="en-US" sz="2400" b="1" dirty="0">
+              <a:solidFill>
+                <a:srgbClr val="445469"/>
+              </a:solidFill>
+              <a:latin typeface="Arial Black" panose="020B0A04020102020204"/>
+              <a:ea typeface="思源黑体 CN Medium"/>
+            </a:endParaRPr>
           </a:p>
         </p:txBody>
       </p:sp>
@@ -23914,6 +23849,13 @@
               </a:rPr>
               <a:t>语法的协议文件</a:t>
             </a:r>
+            <a:endParaRPr lang="zh-CN" altLang="en-US" sz="1200" dirty="0">
+              <a:solidFill>
+                <a:srgbClr val="445469"/>
+              </a:solidFill>
+              <a:latin typeface="思源黑体 CN Medium"/>
+              <a:ea typeface="思源黑体 CN Medium"/>
+            </a:endParaRPr>
           </a:p>
         </p:txBody>
       </p:sp>
@@ -24177,6 +24119,13 @@
               </a:rPr>
               <a:t>Python</a:t>
             </a:r>
+            <a:endParaRPr lang="en-US" altLang="id-ID" sz="2400" b="1" dirty="0">
+              <a:solidFill>
+                <a:srgbClr val="445469"/>
+              </a:solidFill>
+              <a:latin typeface="Arial Black" panose="020B0A04020102020204"/>
+              <a:ea typeface="思源黑体 CN Medium"/>
+            </a:endParaRPr>
           </a:p>
         </p:txBody>
       </p:sp>
@@ -24271,6 +24220,13 @@
               </a:rPr>
               <a:t>文件并进行抽样和子抽样阶段</a:t>
             </a:r>
+            <a:endParaRPr lang="zh-CN" altLang="en-US" sz="1200" dirty="0">
+              <a:solidFill>
+                <a:srgbClr val="445469"/>
+              </a:solidFill>
+              <a:latin typeface="思源黑体 CN Medium"/>
+              <a:ea typeface="思源黑体 CN Medium"/>
+            </a:endParaRPr>
           </a:p>
         </p:txBody>
       </p:sp>
@@ -24598,6 +24554,13 @@
               </a:rPr>
               <a:t>中间结果集</a:t>
             </a:r>
+            <a:endParaRPr lang="zh-CN" altLang="en-US" sz="2400" b="1" dirty="0">
+              <a:solidFill>
+                <a:srgbClr val="445469"/>
+              </a:solidFill>
+              <a:latin typeface="Arial Black" panose="020B0A04020102020204"/>
+              <a:ea typeface="思源黑体 CN Medium"/>
+            </a:endParaRPr>
           </a:p>
         </p:txBody>
       </p:sp>
@@ -24652,6 +24615,13 @@
               </a:rPr>
               <a:t>(csv)</a:t>
             </a:r>
+            <a:endParaRPr lang="en-US" altLang="zh-CN" sz="1200" dirty="0">
+              <a:solidFill>
+                <a:srgbClr val="445469"/>
+              </a:solidFill>
+              <a:latin typeface="思源黑体 CN Medium"/>
+              <a:ea typeface="思源黑体 CN Medium"/>
+            </a:endParaRPr>
           </a:p>
         </p:txBody>
       </p:sp>
@@ -24915,6 +24885,13 @@
               </a:rPr>
               <a:t>C++</a:t>
             </a:r>
+            <a:endParaRPr lang="en-US" altLang="id-ID" sz="2400" b="1" dirty="0">
+              <a:solidFill>
+                <a:srgbClr val="445469"/>
+              </a:solidFill>
+              <a:latin typeface="Arial Black" panose="020B0A04020102020204"/>
+              <a:ea typeface="思源黑体 CN Medium"/>
+            </a:endParaRPr>
           </a:p>
         </p:txBody>
       </p:sp>
@@ -27071,6 +27048,13 @@
               </a:rPr>
               <a:t>整体流程</a:t>
             </a:r>
+            <a:endParaRPr lang="zh-CN" altLang="en-US" sz="3300" b="1" dirty="0">
+              <a:solidFill>
+                <a:srgbClr val="445469"/>
+              </a:solidFill>
+              <a:latin typeface="思源黑体 CN Bold"/>
+              <a:ea typeface="思源黑体 CN Bold"/>
+            </a:endParaRPr>
           </a:p>
         </p:txBody>
       </p:sp>
@@ -27233,6 +27217,13 @@
               </a:rPr>
               <a:t>协议文件</a:t>
             </a:r>
+            <a:endParaRPr lang="zh-CN" altLang="id-ID" sz="2400" b="1" dirty="0">
+              <a:solidFill>
+                <a:srgbClr val="445469"/>
+              </a:solidFill>
+              <a:latin typeface="Arial Black" panose="020B0A04020102020204"/>
+              <a:ea typeface="思源黑体 CN Medium"/>
+            </a:endParaRPr>
           </a:p>
         </p:txBody>
       </p:sp>
@@ -27297,6 +27288,13 @@
               </a:rPr>
               <a:t>安全属性的协议文件</a:t>
             </a:r>
+            <a:endParaRPr lang="zh-CN" altLang="en-US" sz="1200" dirty="0">
+              <a:solidFill>
+                <a:srgbClr val="445469"/>
+              </a:solidFill>
+              <a:latin typeface="思源黑体 CN Medium"/>
+              <a:ea typeface="思源黑体 CN Medium"/>
+            </a:endParaRPr>
           </a:p>
         </p:txBody>
       </p:sp>
@@ -27673,11 +27671,11 @@
   <p:clrMapOvr>
     <a:masterClrMapping/>
   </p:clrMapOvr>
-  <mc:AlternateContent xmlns:mc="http://schemas.openxmlformats.org/markup-compatibility/2006" xmlns:p14="http://schemas.microsoft.com/office/powerpoint/2010/main">
-    <mc:Choice Requires="p14">
+  <mc:AlternateContent xmlns:mc="http://schemas.openxmlformats.org/markup-compatibility/2006">
+    <mc:Choice xmlns:p14="http://schemas.microsoft.com/office/powerpoint/2010/main" Requires="p14">
       <p:transition p14:dur="10" advClick="0"/>
     </mc:Choice>
-    <mc:Fallback xmlns="">
+    <mc:Fallback>
       <p:transition advClick="0"/>
     </mc:Fallback>
   </mc:AlternateContent>
@@ -28042,6 +28040,13 @@
                   </a:rPr>
                   <a:t>部分</a:t>
                 </a:r>
+                <a:endParaRPr lang="zh-CN" altLang="en-US" sz="3300" b="1" dirty="0">
+                  <a:solidFill>
+                    <a:srgbClr val="445469"/>
+                  </a:solidFill>
+                  <a:latin typeface="思源黑体 CN Bold"/>
+                  <a:ea typeface="思源黑体 CN Bold"/>
+                </a:endParaRPr>
               </a:p>
             </p:txBody>
           </p:sp>
@@ -28221,11 +28226,11 @@
   <p:clrMapOvr>
     <a:masterClrMapping/>
   </p:clrMapOvr>
-  <mc:AlternateContent xmlns:mc="http://schemas.openxmlformats.org/markup-compatibility/2006" xmlns:p14="http://schemas.microsoft.com/office/powerpoint/2010/main">
-    <mc:Choice Requires="p14">
+  <mc:AlternateContent xmlns:mc="http://schemas.openxmlformats.org/markup-compatibility/2006">
+    <mc:Choice xmlns:p14="http://schemas.microsoft.com/office/powerpoint/2010/main" Requires="p14">
       <p:transition p14:dur="10" advClick="0"/>
     </mc:Choice>
-    <mc:Fallback xmlns="">
+    <mc:Fallback>
       <p:transition advClick="0"/>
     </mc:Fallback>
   </mc:AlternateContent>
@@ -28283,6 +28288,14 @@
               </a:rPr>
               <a:t>第一部分：整体结构</a:t>
             </a:r>
+            <a:endParaRPr lang="zh-CN" altLang="en-US" b="1" dirty="0">
+              <a:solidFill>
+                <a:srgbClr val="209072"/>
+              </a:solidFill>
+              <a:latin typeface="思源黑体 CN Bold"/>
+              <a:ea typeface="思源黑体 CN Bold"/>
+              <a:cs typeface="Lato Regular"/>
+            </a:endParaRPr>
           </a:p>
         </p:txBody>
       </p:sp>
@@ -28706,6 +28719,13 @@
               </a:rPr>
               <a:t>Python</a:t>
             </a:r>
+            <a:endParaRPr lang="en-US" altLang="zh-CN" sz="3300" b="1" dirty="0">
+              <a:solidFill>
+                <a:srgbClr val="445469"/>
+              </a:solidFill>
+              <a:latin typeface="思源黑体 CN Bold"/>
+              <a:ea typeface="思源黑体 CN Bold"/>
+            </a:endParaRPr>
           </a:p>
         </p:txBody>
       </p:sp>
@@ -28718,7 +28738,7 @@
           <p:nvPr/>
         </p:nvPicPr>
         <p:blipFill>
-          <a:blip r:embed="rId2"/>
+          <a:blip r:embed="rId1"/>
           <a:stretch>
             <a:fillRect/>
           </a:stretch>
@@ -28811,6 +28831,14 @@
               </a:rPr>
               <a:t>translate_helper.py</a:t>
             </a:r>
+            <a:endParaRPr lang="en-US" altLang="zh-CN" b="1" dirty="0">
+              <a:solidFill>
+                <a:srgbClr val="209072"/>
+              </a:solidFill>
+              <a:latin typeface="思源黑体 CN Bold"/>
+              <a:ea typeface="思源黑体 CN Bold"/>
+              <a:cs typeface="Lato Regular"/>
+            </a:endParaRPr>
           </a:p>
         </p:txBody>
       </p:sp>
@@ -28819,11 +28847,11 @@
   <p:clrMapOvr>
     <a:masterClrMapping/>
   </p:clrMapOvr>
-  <mc:AlternateContent xmlns:mc="http://schemas.openxmlformats.org/markup-compatibility/2006" xmlns:p14="http://schemas.microsoft.com/office/powerpoint/2010/main">
-    <mc:Choice Requires="p14">
+  <mc:AlternateContent xmlns:mc="http://schemas.openxmlformats.org/markup-compatibility/2006">
+    <mc:Choice xmlns:p14="http://schemas.microsoft.com/office/powerpoint/2010/main" Requires="p14">
       <p:transition p14:dur="10" advClick="0"/>
     </mc:Choice>
-    <mc:Fallback xmlns="">
+    <mc:Fallback>
       <p:transition advClick="0"/>
     </mc:Fallback>
   </mc:AlternateContent>
@@ -28903,6 +28931,14 @@
               </a:rPr>
               <a:t>语法解析为树</a:t>
             </a:r>
+            <a:endParaRPr lang="zh-CN" altLang="en-US" b="1" dirty="0">
+              <a:solidFill>
+                <a:srgbClr val="209072"/>
+              </a:solidFill>
+              <a:latin typeface="思源黑体 CN Bold"/>
+              <a:ea typeface="思源黑体 CN Bold"/>
+              <a:cs typeface="Lato Regular"/>
+            </a:endParaRPr>
           </a:p>
         </p:txBody>
       </p:sp>
@@ -29326,6 +29362,13 @@
               </a:rPr>
               <a:t>Python</a:t>
             </a:r>
+            <a:endParaRPr lang="en-US" altLang="zh-CN" sz="3300" b="1" dirty="0">
+              <a:solidFill>
+                <a:srgbClr val="445469"/>
+              </a:solidFill>
+              <a:latin typeface="思源黑体 CN Bold"/>
+              <a:ea typeface="思源黑体 CN Bold"/>
+            </a:endParaRPr>
           </a:p>
         </p:txBody>
       </p:sp>
@@ -29338,7 +29381,7 @@
           <p:nvPr/>
         </p:nvPicPr>
         <p:blipFill>
-          <a:blip r:embed="rId2"/>
+          <a:blip r:embed="rId1"/>
           <a:stretch>
             <a:fillRect/>
           </a:stretch>
@@ -29388,6 +29431,15 @@
               </a:rPr>
               <a:t>node_order_list = ['star', 'const', 'qvar', 'nequal', 'equal', 'predicate', </a:t>
             </a:r>
+            <a:endParaRPr lang="en-US" altLang="zh-CN" b="1" dirty="0">
+              <a:solidFill>
+                <a:srgbClr val="209072"/>
+              </a:solidFill>
+              <a:latin typeface="思源黑体 CN Bold"/>
+              <a:ea typeface="思源黑体 CN Bold"/>
+              <a:cs typeface="Lato Regular"/>
+              <a:sym typeface="+mn-ea"/>
+            </a:endParaRPr>
           </a:p>
           <a:p>
             <a:pPr algn="l"/>
@@ -29403,6 +29455,15 @@
               </a:rPr>
               <a:t>'module_predicate', 'not', 'and', 'or', 'imply', 'equiv', 'forall', 'exists', 'if-else']</a:t>
             </a:r>
+            <a:endParaRPr lang="en-US" altLang="zh-CN" b="1" dirty="0">
+              <a:solidFill>
+                <a:srgbClr val="209072"/>
+              </a:solidFill>
+              <a:latin typeface="思源黑体 CN Bold"/>
+              <a:ea typeface="思源黑体 CN Bold"/>
+              <a:cs typeface="Lato Regular"/>
+              <a:sym typeface="+mn-ea"/>
+            </a:endParaRPr>
           </a:p>
           <a:p>
             <a:pPr algn="l"/>
@@ -29430,6 +29491,15 @@
               </a:rPr>
               <a:t>-&gt; ()</a:t>
             </a:r>
+            <a:endParaRPr lang="en-US" altLang="zh-CN" b="1" dirty="0">
+              <a:solidFill>
+                <a:srgbClr val="209072"/>
+              </a:solidFill>
+              <a:latin typeface="思源黑体 CN Bold"/>
+              <a:ea typeface="思源黑体 CN Bold"/>
+              <a:cs typeface="Lato Regular"/>
+              <a:sym typeface="+mn-ea"/>
+            </a:endParaRPr>
           </a:p>
         </p:txBody>
       </p:sp>
@@ -29442,7 +29512,7 @@
           <p:nvPr/>
         </p:nvPicPr>
         <p:blipFill>
-          <a:blip r:embed="rId3"/>
+          <a:blip r:embed="rId2"/>
           <a:stretch>
             <a:fillRect/>
           </a:stretch>
@@ -29466,7 +29536,7 @@
           <p:nvPr/>
         </p:nvPicPr>
         <p:blipFill>
-          <a:blip r:embed="rId4"/>
+          <a:blip r:embed="rId3"/>
           <a:stretch>
             <a:fillRect/>
           </a:stretch>
@@ -29486,11 +29556,11 @@
   <p:clrMapOvr>
     <a:masterClrMapping/>
   </p:clrMapOvr>
-  <mc:AlternateContent xmlns:mc="http://schemas.openxmlformats.org/markup-compatibility/2006" xmlns:p14="http://schemas.microsoft.com/office/powerpoint/2010/main">
-    <mc:Choice Requires="p14">
+  <mc:AlternateContent xmlns:mc="http://schemas.openxmlformats.org/markup-compatibility/2006">
+    <mc:Choice xmlns:p14="http://schemas.microsoft.com/office/powerpoint/2010/main" Requires="p14">
       <p:transition p14:dur="10" advClick="0"/>
     </mc:Choice>
-    <mc:Fallback xmlns="">
+    <mc:Fallback>
       <p:transition advClick="0"/>
     </mc:Fallback>
   </mc:AlternateContent>
@@ -30035,6 +30105,13 @@
               </a:rPr>
               <a:t>Python</a:t>
             </a:r>
+            <a:endParaRPr lang="en-US" altLang="zh-CN" sz="3300" b="1" dirty="0">
+              <a:solidFill>
+                <a:srgbClr val="445469"/>
+              </a:solidFill>
+              <a:latin typeface="思源黑体 CN Bold"/>
+              <a:ea typeface="思源黑体 CN Bold"/>
+            </a:endParaRPr>
           </a:p>
         </p:txBody>
       </p:sp>
@@ -30106,6 +30183,14 @@
               </a:rPr>
               <a:t>/forall Y. q(X,Y)</a:t>
             </a:r>
+            <a:endParaRPr lang="en-US" altLang="zh-CN" b="1" dirty="0">
+              <a:solidFill>
+                <a:srgbClr val="209072"/>
+              </a:solidFill>
+              <a:latin typeface="思源黑体 CN Bold"/>
+              <a:ea typeface="思源黑体 CN Bold"/>
+              <a:cs typeface="Lato Regular"/>
+            </a:endParaRPr>
           </a:p>
           <a:p>
             <a:pPr algn="ctr" defTabSz="913765"/>
@@ -30142,6 +30227,14 @@
               </a:rPr>
               <a:t>-&gt;delimeter</a:t>
             </a:r>
+            <a:endParaRPr lang="en-US" altLang="zh-CN" b="1" dirty="0">
+              <a:solidFill>
+                <a:srgbClr val="209072"/>
+              </a:solidFill>
+              <a:latin typeface="思源黑体 CN Bold"/>
+              <a:ea typeface="思源黑体 CN Bold"/>
+              <a:cs typeface="Lato Regular"/>
+            </a:endParaRPr>
           </a:p>
           <a:p>
             <a:pPr algn="ctr" defTabSz="913765"/>
@@ -30178,6 +30271,14 @@
               </a:rPr>
               <a:t>-&gt;add_disambiguating</a:t>
             </a:r>
+            <a:endParaRPr lang="en-US" altLang="zh-CN" b="1" dirty="0">
+              <a:solidFill>
+                <a:srgbClr val="209072"/>
+              </a:solidFill>
+              <a:latin typeface="思源黑体 CN Bold"/>
+              <a:ea typeface="思源黑体 CN Bold"/>
+              <a:cs typeface="Lato Regular"/>
+            </a:endParaRPr>
           </a:p>
           <a:p>
             <a:pPr algn="ctr" defTabSz="913765"/>
@@ -30192,6 +30293,14 @@
               </a:rPr>
               <a:t>p(X) &amp; (forall Y. q(X,Y) &amp; r(Y), forall Y. q(X,Y) &amp; r(Y))</a:t>
             </a:r>
+            <a:endParaRPr lang="en-US" altLang="zh-CN" b="1" dirty="0">
+              <a:solidFill>
+                <a:srgbClr val="209072"/>
+              </a:solidFill>
+              <a:latin typeface="思源黑体 CN Bold"/>
+              <a:ea typeface="思源黑体 CN Bold"/>
+              <a:cs typeface="Lato Regular"/>
+            </a:endParaRPr>
           </a:p>
           <a:p>
             <a:pPr algn="ctr" defTabSz="913765"/>
@@ -30251,6 +30360,14 @@
               </a:rPr>
               <a:t>(p(X) &amp; (forall Y. q(X,Y))) &amp; r(Y), (forall Y. q(X,Y) &amp; r(Y))</a:t>
             </a:r>
+            <a:endParaRPr lang="en-US" altLang="zh-CN" b="1" dirty="0">
+              <a:solidFill>
+                <a:srgbClr val="209072"/>
+              </a:solidFill>
+              <a:latin typeface="思源黑体 CN Bold"/>
+              <a:ea typeface="思源黑体 CN Bold"/>
+              <a:cs typeface="Lato Regular"/>
+            </a:endParaRPr>
           </a:p>
         </p:txBody>
       </p:sp>
@@ -30263,7 +30380,7 @@
           <p:nvPr/>
         </p:nvPicPr>
         <p:blipFill>
-          <a:blip r:embed="rId2"/>
+          <a:blip r:embed="rId1"/>
           <a:stretch>
             <a:fillRect/>
           </a:stretch>
@@ -30283,11 +30400,11 @@
   <p:clrMapOvr>
     <a:masterClrMapping/>
   </p:clrMapOvr>
-  <mc:AlternateContent xmlns:mc="http://schemas.openxmlformats.org/markup-compatibility/2006" xmlns:p14="http://schemas.microsoft.com/office/powerpoint/2010/main">
-    <mc:Choice Requires="p14">
+  <mc:AlternateContent xmlns:mc="http://schemas.openxmlformats.org/markup-compatibility/2006">
+    <mc:Choice xmlns:p14="http://schemas.microsoft.com/office/powerpoint/2010/main" Requires="p14">
       <p:transition p14:dur="10" advClick="0"/>
     </mc:Choice>
-    <mc:Fallback xmlns="">
+    <mc:Fallback>
       <p:transition advClick="0"/>
     </mc:Fallback>
   </mc:AlternateContent>
@@ -30356,6 +30473,14 @@
               </a:rPr>
               <a:t>parse_ivy_file(input_ivy_file)</a:t>
             </a:r>
+            <a:endParaRPr lang="zh-CN" altLang="en-US" b="1" dirty="0">
+              <a:solidFill>
+                <a:srgbClr val="209072"/>
+              </a:solidFill>
+              <a:latin typeface="思源黑体 CN Bold"/>
+              <a:ea typeface="思源黑体 CN Bold"/>
+              <a:cs typeface="Lato Regular"/>
+            </a:endParaRPr>
           </a:p>
           <a:p>
             <a:pPr algn="ctr" defTabSz="913765"/>
@@ -30392,6 +30517,14 @@
               </a:rPr>
               <a:t>write_python_file(simulation_file)</a:t>
             </a:r>
+            <a:endParaRPr lang="zh-CN" altLang="en-US" b="1" dirty="0">
+              <a:solidFill>
+                <a:srgbClr val="209072"/>
+              </a:solidFill>
+              <a:latin typeface="思源黑体 CN Bold"/>
+              <a:ea typeface="思源黑体 CN Bold"/>
+              <a:cs typeface="Lato Regular"/>
+            </a:endParaRPr>
           </a:p>
           <a:p>
             <a:pPr algn="ctr" defTabSz="913765"/>
@@ -30428,6 +30561,14 @@
               </a:rPr>
               <a:t>emit_config_file(config_file)</a:t>
             </a:r>
+            <a:endParaRPr lang="zh-CN" altLang="en-US" b="1" dirty="0">
+              <a:solidFill>
+                <a:srgbClr val="209072"/>
+              </a:solidFill>
+              <a:latin typeface="思源黑体 CN Bold"/>
+              <a:ea typeface="思源黑体 CN Bold"/>
+              <a:cs typeface="Lato Regular"/>
+            </a:endParaRPr>
           </a:p>
         </p:txBody>
       </p:sp>
@@ -30851,6 +30992,13 @@
               </a:rPr>
               <a:t>Python</a:t>
             </a:r>
+            <a:endParaRPr lang="en-US" altLang="zh-CN" sz="3300" b="1" dirty="0">
+              <a:solidFill>
+                <a:srgbClr val="445469"/>
+              </a:solidFill>
+              <a:latin typeface="思源黑体 CN Bold"/>
+              <a:ea typeface="思源黑体 CN Bold"/>
+            </a:endParaRPr>
           </a:p>
         </p:txBody>
       </p:sp>
@@ -30952,7 +31100,7 @@
           <p:nvPr/>
         </p:nvPicPr>
         <p:blipFill>
-          <a:blip r:embed="rId2"/>
+          <a:blip r:embed="rId1"/>
           <a:stretch>
             <a:fillRect/>
           </a:stretch>
@@ -30972,11 +31120,11 @@
   <p:clrMapOvr>
     <a:masterClrMapping/>
   </p:clrMapOvr>
-  <mc:AlternateContent xmlns:mc="http://schemas.openxmlformats.org/markup-compatibility/2006" xmlns:p14="http://schemas.microsoft.com/office/powerpoint/2010/main">
-    <mc:Choice Requires="p14">
+  <mc:AlternateContent xmlns:mc="http://schemas.openxmlformats.org/markup-compatibility/2006">
+    <mc:Choice xmlns:p14="http://schemas.microsoft.com/office/powerpoint/2010/main" Requires="p14">
       <p:transition p14:dur="10" advClick="0"/>
     </mc:Choice>
-    <mc:Fallback xmlns="">
+    <mc:Fallback>
       <p:transition advClick="0"/>
     </mc:Fallback>
   </mc:AlternateContent>
@@ -31174,8 +31322,6 @@
       </a:bgFillStyleLst>
     </a:fmtScheme>
   </a:themeElements>
-  <a:objectDefaults/>
-  <a:extraClrSchemeLst/>
   <a:extLst>
     <a:ext uri="{05A4C25C-085E-4340-85A3-A5531E510DB2}">
       <thm15:themeFamily xmlns:thm15="http://schemas.microsoft.com/office/thememl/2012/main" name="Office Theme" id="{62F939B6-93AF-4DB8-9C6B-D6C7DFDC589F}" vid="{4A3C46E8-61CC-4603-A589-7422A47A8E4A}"/>
@@ -31375,8 +31521,6 @@
       </a:bgFillStyleLst>
     </a:fmtScheme>
   </a:themeElements>
-  <a:objectDefaults/>
-  <a:extraClrSchemeLst/>
   <a:extLst>
     <a:ext uri="{05A4C25C-085E-4340-85A3-A5531E510DB2}">
       <thm15:themeFamily xmlns:thm15="http://schemas.microsoft.com/office/thememl/2012/main" name="Office Theme" id="{62F939B6-93AF-4DB8-9C6B-D6C7DFDC589F}" vid="{4A3C46E8-61CC-4603-A589-7422A47A8E4A}"/>
@@ -31636,8 +31780,6 @@
       </a:bgFillStyleLst>
     </a:fmtScheme>
   </a:themeElements>
-  <a:objectDefaults/>
-  <a:extraClrSchemeLst/>
   <a:extLst>
     <a:ext uri="{05A4C25C-085E-4340-85A3-A5531E510DB2}">
       <thm15:themeFamily xmlns:thm15="http://schemas.microsoft.com/office/thememl/2012/main" name="Office Theme" id="{62F939B6-93AF-4DB8-9C6B-D6C7DFDC589F}" vid="{4A3C46E8-61CC-4603-A589-7422A47A8E4A}"/>

--- a/reports/2-20220401-DistAI 源码结构分析.pptx
+++ b/reports/2-20220401-DistAI 源码结构分析.pptx
@@ -3,33 +3,33 @@
 <p:presentation xmlns:a="http://schemas.openxmlformats.org/drawingml/2006/main" xmlns:r="http://schemas.openxmlformats.org/officeDocument/2006/relationships" xmlns:p="http://schemas.openxmlformats.org/presentationml/2006/main">
   <p:sldMasterIdLst>
     <p:sldMasterId id="2147483648" r:id="rId1"/>
-    <p:sldMasterId id="2147483656" r:id="rId3"/>
+    <p:sldMasterId id="2147483654" r:id="rId2"/>
   </p:sldMasterIdLst>
   <p:notesMasterIdLst>
-    <p:notesMasterId r:id="rId8"/>
+    <p:notesMasterId r:id="rId24"/>
   </p:notesMasterIdLst>
   <p:sldIdLst>
-    <p:sldId id="781" r:id="rId4"/>
-    <p:sldId id="777" r:id="rId5"/>
-    <p:sldId id="778" r:id="rId6"/>
-    <p:sldId id="479" r:id="rId7"/>
-    <p:sldId id="782" r:id="rId9"/>
-    <p:sldId id="802" r:id="rId10"/>
-    <p:sldId id="320" r:id="rId11"/>
-    <p:sldId id="797" r:id="rId12"/>
-    <p:sldId id="798" r:id="rId13"/>
-    <p:sldId id="799" r:id="rId14"/>
-    <p:sldId id="800" r:id="rId15"/>
-    <p:sldId id="801" r:id="rId16"/>
-    <p:sldId id="803" r:id="rId17"/>
-    <p:sldId id="804" r:id="rId18"/>
-    <p:sldId id="805" r:id="rId19"/>
-    <p:sldId id="787" r:id="rId20"/>
-    <p:sldId id="788" r:id="rId21"/>
-    <p:sldId id="272" r:id="rId22"/>
-    <p:sldId id="789" r:id="rId23"/>
-    <p:sldId id="784" r:id="rId24"/>
-    <p:sldId id="785" r:id="rId25"/>
+    <p:sldId id="781" r:id="rId3"/>
+    <p:sldId id="777" r:id="rId4"/>
+    <p:sldId id="778" r:id="rId5"/>
+    <p:sldId id="479" r:id="rId6"/>
+    <p:sldId id="782" r:id="rId7"/>
+    <p:sldId id="802" r:id="rId8"/>
+    <p:sldId id="320" r:id="rId9"/>
+    <p:sldId id="797" r:id="rId10"/>
+    <p:sldId id="798" r:id="rId11"/>
+    <p:sldId id="799" r:id="rId12"/>
+    <p:sldId id="800" r:id="rId13"/>
+    <p:sldId id="801" r:id="rId14"/>
+    <p:sldId id="803" r:id="rId15"/>
+    <p:sldId id="804" r:id="rId16"/>
+    <p:sldId id="805" r:id="rId17"/>
+    <p:sldId id="787" r:id="rId18"/>
+    <p:sldId id="788" r:id="rId19"/>
+    <p:sldId id="272" r:id="rId20"/>
+    <p:sldId id="789" r:id="rId21"/>
+    <p:sldId id="784" r:id="rId22"/>
+    <p:sldId id="785" r:id="rId23"/>
   </p:sldIdLst>
   <p:sldSz cx="12192000" cy="6858000"/>
   <p:notesSz cx="6858000" cy="9144000"/>
@@ -128,6 +128,22 @@
       </a:defRPr>
     </a:lvl9pPr>
   </p:defaultTextStyle>
+  <p:extLst>
+    <p:ext uri="{EFAFB233-063F-42B5-8137-9DF3F51BA10A}">
+      <p15:sldGuideLst xmlns:p15="http://schemas.microsoft.com/office/powerpoint/2012/main">
+        <p15:guide id="1" orient="horz" pos="2202">
+          <p15:clr>
+            <a:srgbClr val="A4A3A4"/>
+          </p15:clr>
+        </p15:guide>
+        <p15:guide id="2" pos="3844">
+          <p15:clr>
+            <a:srgbClr val="A4A3A4"/>
+          </p15:clr>
+        </p15:guide>
+      </p15:sldGuideLst>
+    </p:ext>
+  </p:extLst>
 </p:presentation>
 </file>
 
@@ -213,6 +229,7 @@
           <a:p>
             <a:fld id="{11D47660-FCAC-493B-9C8A-DF7A3660B466}" type="datetimeFigureOut">
               <a:rPr lang="zh-CN" altLang="en-US" smtClean="0"/>
+              <a:t>2022/4/1</a:t>
             </a:fld>
             <a:endParaRPr lang="zh-CN" altLang="en-US"/>
           </a:p>
@@ -279,7 +296,6 @@
               <a:rPr lang="zh-CN" altLang="en-US"/>
               <a:t>单击此处编辑母版文本样式</a:t>
             </a:r>
-            <a:endParaRPr lang="zh-CN" altLang="en-US"/>
           </a:p>
           <a:p>
             <a:pPr lvl="1"/>
@@ -287,7 +303,6 @@
               <a:rPr lang="zh-CN" altLang="en-US"/>
               <a:t>二级</a:t>
             </a:r>
-            <a:endParaRPr lang="zh-CN" altLang="en-US"/>
           </a:p>
           <a:p>
             <a:pPr lvl="2"/>
@@ -295,7 +310,6 @@
               <a:rPr lang="zh-CN" altLang="en-US"/>
               <a:t>三级</a:t>
             </a:r>
-            <a:endParaRPr lang="zh-CN" altLang="en-US"/>
           </a:p>
           <a:p>
             <a:pPr lvl="3"/>
@@ -303,7 +317,6 @@
               <a:rPr lang="zh-CN" altLang="en-US"/>
               <a:t>四级</a:t>
             </a:r>
-            <a:endParaRPr lang="zh-CN" altLang="en-US"/>
           </a:p>
           <a:p>
             <a:pPr lvl="4"/>
@@ -311,7 +324,6 @@
               <a:rPr lang="zh-CN" altLang="en-US"/>
               <a:t>五级</a:t>
             </a:r>
-            <a:endParaRPr lang="zh-CN" altLang="en-US"/>
           </a:p>
         </p:txBody>
       </p:sp>
@@ -375,6 +387,7 @@
           <a:p>
             <a:fld id="{1AAECCA6-1E17-4827-BEF4-2B71C034E308}" type="slidenum">
               <a:rPr lang="zh-CN" altLang="en-US" smtClean="0"/>
+              <a:t>‹#›</a:t>
             </a:fld>
             <a:endParaRPr lang="zh-CN" altLang="en-US"/>
           </a:p>
@@ -572,6 +585,7 @@
                 <a:ea typeface="+mn-ea"/>
                 <a:cs typeface="+mn-cs"/>
               </a:rPr>
+              <a:t>4</a:t>
             </a:fld>
             <a:endParaRPr kumimoji="0" lang="en-US" sz="1200" b="0" i="0" u="none" strike="noStrike" kern="1200" cap="none" spc="0" normalizeH="0" baseline="0" noProof="0" dirty="0">
               <a:ln>
@@ -620,11 +634,11 @@
   <p:clrMapOvr>
     <a:masterClrMapping/>
   </p:clrMapOvr>
-  <mc:AlternateContent xmlns:mc="http://schemas.openxmlformats.org/markup-compatibility/2006">
-    <mc:Choice xmlns:p14="http://schemas.microsoft.com/office/powerpoint/2010/main" Requires="p14">
+  <mc:AlternateContent xmlns:mc="http://schemas.openxmlformats.org/markup-compatibility/2006" xmlns:p14="http://schemas.microsoft.com/office/powerpoint/2010/main">
+    <mc:Choice Requires="p14">
       <p:transition p14:dur="10" advClick="0"/>
     </mc:Choice>
-    <mc:Fallback>
+    <mc:Fallback xmlns="">
       <p:transition advClick="0"/>
     </mc:Fallback>
   </mc:AlternateContent>
@@ -721,13 +735,13 @@
   <p:clrMapOvr>
     <a:masterClrMapping/>
   </p:clrMapOvr>
-  <mc:AlternateContent xmlns:mc="http://schemas.openxmlformats.org/markup-compatibility/2006">
-    <mc:Choice xmlns:p14="http://schemas.microsoft.com/office/powerpoint/2010/main" Requires="p14">
+  <mc:AlternateContent xmlns:mc="http://schemas.openxmlformats.org/markup-compatibility/2006" xmlns:p14="http://schemas.microsoft.com/office/powerpoint/2010/main">
+    <mc:Choice Requires="p14">
       <p:transition spd="med" p14:dur="700" advClick="0" advTm="4000">
         <p:fade/>
       </p:transition>
     </mc:Choice>
-    <mc:Fallback>
+    <mc:Fallback xmlns="">
       <p:transition spd="med" advClick="0" advTm="4000">
         <p:fade/>
       </p:transition>
@@ -787,11 +801,11 @@
   <p:clrMapOvr>
     <a:masterClrMapping/>
   </p:clrMapOvr>
-  <mc:AlternateContent xmlns:mc="http://schemas.openxmlformats.org/markup-compatibility/2006">
-    <mc:Choice xmlns:p14="http://schemas.microsoft.com/office/powerpoint/2010/main" Requires="p14">
+  <mc:AlternateContent xmlns:mc="http://schemas.openxmlformats.org/markup-compatibility/2006" xmlns:p14="http://schemas.microsoft.com/office/powerpoint/2010/main">
+    <mc:Choice Requires="p14">
       <p:transition spd="slow" p14:dur="2000" advClick="0" advTm="4000"/>
     </mc:Choice>
-    <mc:Fallback>
+    <mc:Fallback xmlns="">
       <p:transition spd="slow" advClick="0" advTm="4000"/>
     </mc:Fallback>
   </mc:AlternateContent>
@@ -898,11 +912,11 @@
   <p:clrMapOvr>
     <a:masterClrMapping/>
   </p:clrMapOvr>
-  <mc:AlternateContent xmlns:mc="http://schemas.openxmlformats.org/markup-compatibility/2006">
-    <mc:Choice xmlns:p14="http://schemas.microsoft.com/office/powerpoint/2010/main" Requires="p14">
+  <mc:AlternateContent xmlns:mc="http://schemas.openxmlformats.org/markup-compatibility/2006" xmlns:p14="http://schemas.microsoft.com/office/powerpoint/2010/main">
+    <mc:Choice Requires="p14">
       <p:transition p14:dur="10" advClick="0"/>
     </mc:Choice>
-    <mc:Fallback>
+    <mc:Fallback xmlns="">
       <p:transition advClick="0"/>
     </mc:Fallback>
   </mc:AlternateContent>
@@ -965,11 +979,11 @@
   <p:clrMapOvr>
     <a:masterClrMapping/>
   </p:clrMapOvr>
-  <mc:AlternateContent xmlns:mc="http://schemas.openxmlformats.org/markup-compatibility/2006">
-    <mc:Choice xmlns:p14="http://schemas.microsoft.com/office/powerpoint/2010/main" Requires="p14">
+  <mc:AlternateContent xmlns:mc="http://schemas.openxmlformats.org/markup-compatibility/2006" xmlns:p14="http://schemas.microsoft.com/office/powerpoint/2010/main">
+    <mc:Choice Requires="p14">
       <p:transition p14:dur="10" advClick="0"/>
     </mc:Choice>
-    <mc:Fallback>
+    <mc:Fallback xmlns="">
       <p:transition advClick="0"/>
     </mc:Fallback>
   </mc:AlternateContent>
@@ -1033,11 +1047,11 @@
   <p:clrMapOvr>
     <a:masterClrMapping/>
   </p:clrMapOvr>
-  <mc:AlternateContent xmlns:mc="http://schemas.openxmlformats.org/markup-compatibility/2006">
-    <mc:Choice xmlns:p14="http://schemas.microsoft.com/office/powerpoint/2010/main" Requires="p14">
+  <mc:AlternateContent xmlns:mc="http://schemas.openxmlformats.org/markup-compatibility/2006" xmlns:p14="http://schemas.microsoft.com/office/powerpoint/2010/main">
+    <mc:Choice Requires="p14">
       <p:transition p14:dur="10" advClick="0"/>
     </mc:Choice>
-    <mc:Fallback>
+    <mc:Fallback xmlns="">
       <p:transition advClick="0"/>
     </mc:Fallback>
   </mc:AlternateContent>
@@ -1121,6 +1135,7 @@
           <a:p>
             <a:fld id="{D45CFBE3-D521-4941-AA1A-49E29FB33595}" type="datetimeFigureOut">
               <a:rPr lang="en-US"/>
+              <a:t>4/1/2022</a:t>
             </a:fld>
             <a:endParaRPr lang="en-US" dirty="0"/>
           </a:p>
@@ -1173,6 +1188,7 @@
           <a:p>
             <a:fld id="{962AAE80-5347-6D48-BB4B-E807E2987DCC}" type="slidenum">
               <a:rPr lang="en-US"/>
+              <a:t>‹#›</a:t>
             </a:fld>
             <a:endParaRPr lang="en-US" dirty="0"/>
           </a:p>
@@ -1183,11 +1199,11 @@
   <p:clrMapOvr>
     <a:masterClrMapping/>
   </p:clrMapOvr>
-  <mc:AlternateContent xmlns:mc="http://schemas.openxmlformats.org/markup-compatibility/2006">
-    <mc:Choice xmlns:p14="http://schemas.microsoft.com/office/powerpoint/2010/main" Requires="p14">
+  <mc:AlternateContent xmlns:mc="http://schemas.openxmlformats.org/markup-compatibility/2006" xmlns:p14="http://schemas.microsoft.com/office/powerpoint/2010/main">
+    <mc:Choice Requires="p14">
       <p:transition p14:dur="10" advClick="0"/>
     </mc:Choice>
-    <mc:Fallback>
+    <mc:Fallback xmlns="">
       <p:transition advClick="0"/>
     </mc:Fallback>
   </mc:AlternateContent>
@@ -1212,15 +1228,20 @@
         </a:xfrm>
       </p:grpSpPr>
     </p:spTree>
+    <p:extLst>
+      <p:ext uri="{BB962C8B-B14F-4D97-AF65-F5344CB8AC3E}">
+        <p14:creationId xmlns:p14="http://schemas.microsoft.com/office/powerpoint/2010/main" val="1919412453"/>
+      </p:ext>
+    </p:extLst>
   </p:cSld>
   <p:clrMapOvr>
     <a:masterClrMapping/>
   </p:clrMapOvr>
-  <mc:AlternateContent xmlns:mc="http://schemas.openxmlformats.org/markup-compatibility/2006">
-    <mc:Choice xmlns:p14="http://schemas.microsoft.com/office/powerpoint/2010/main" Requires="p14">
+  <mc:AlternateContent xmlns:mc="http://schemas.openxmlformats.org/markup-compatibility/2006" xmlns:p14="http://schemas.microsoft.com/office/powerpoint/2010/main">
+    <mc:Choice Requires="p14">
       <p:transition p14:dur="0" advClick="0" advTm="3000"/>
     </mc:Choice>
-    <mc:Fallback>
+    <mc:Fallback xmlns="">
       <p:transition advClick="0" advTm="3000"/>
     </mc:Fallback>
   </mc:AlternateContent>
@@ -6363,6 +6384,11 @@
         </p:txBody>
       </p:sp>
     </p:spTree>
+    <p:extLst>
+      <p:ext uri="{BB962C8B-B14F-4D97-AF65-F5344CB8AC3E}">
+        <p14:creationId xmlns:p14="http://schemas.microsoft.com/office/powerpoint/2010/main" val="3742718764"/>
+      </p:ext>
+    </p:extLst>
   </p:cSld>
   <p:clrMapOvr>
     <a:masterClrMapping/>
@@ -6395,11 +6421,11 @@
   <p:clrMapOvr>
     <a:masterClrMapping/>
   </p:clrMapOvr>
-  <mc:AlternateContent xmlns:mc="http://schemas.openxmlformats.org/markup-compatibility/2006">
-    <mc:Choice xmlns:p14="http://schemas.microsoft.com/office/powerpoint/2010/main" Requires="p14">
+  <mc:AlternateContent xmlns:mc="http://schemas.openxmlformats.org/markup-compatibility/2006" xmlns:p14="http://schemas.microsoft.com/office/powerpoint/2010/main">
+    <mc:Choice Requires="p14">
       <p:transition spd="slow" p14:dur="2000" advClick="0" advTm="4000"/>
     </mc:Choice>
-    <mc:Fallback>
+    <mc:Fallback xmlns="">
       <p:transition spd="slow" advClick="0" advTm="4000"/>
     </mc:Fallback>
   </mc:AlternateContent>
@@ -6506,11 +6532,11 @@
   <p:clrMapOvr>
     <a:masterClrMapping/>
   </p:clrMapOvr>
-  <mc:AlternateContent xmlns:mc="http://schemas.openxmlformats.org/markup-compatibility/2006">
-    <mc:Choice xmlns:p14="http://schemas.microsoft.com/office/powerpoint/2010/main" Requires="p14">
+  <mc:AlternateContent xmlns:mc="http://schemas.openxmlformats.org/markup-compatibility/2006" xmlns:p14="http://schemas.microsoft.com/office/powerpoint/2010/main">
+    <mc:Choice Requires="p14">
       <p:transition spd="slow" p14:dur="2000" advClick="0" advTm="4000"/>
     </mc:Choice>
-    <mc:Fallback>
+    <mc:Fallback xmlns="">
       <p:transition spd="slow" advClick="0" advTm="4000"/>
     </mc:Fallback>
   </mc:AlternateContent>
@@ -6713,6 +6739,7 @@
           <a:p>
             <a:fld id="{FCEE2C88-6C8F-484D-AF69-578F576B1F44}" type="slidenum">
               <a:rPr lang="en-US" smtClean="0"/>
+              <a:t>‹#›</a:t>
             </a:fld>
             <a:endParaRPr lang="en-US" dirty="0"/>
           </a:p>
@@ -6727,14 +6754,14 @@
     <p:sldLayoutId id="2147483651" r:id="rId3"/>
     <p:sldLayoutId id="2147483652" r:id="rId4"/>
     <p:sldLayoutId id="2147483653" r:id="rId5"/>
-    <p:sldLayoutId id="2147483654" r:id="rId6"/>
-    <p:sldLayoutId id="2147483655" r:id="rId7"/>
+    <p:sldLayoutId id="2147483660" r:id="rId6"/>
+    <p:sldLayoutId id="2147483661" r:id="rId7"/>
   </p:sldLayoutIdLst>
-  <mc:AlternateContent xmlns:mc="http://schemas.openxmlformats.org/markup-compatibility/2006">
-    <mc:Choice xmlns:p14="http://schemas.microsoft.com/office/powerpoint/2010/main" Requires="p14">
+  <mc:AlternateContent xmlns:mc="http://schemas.openxmlformats.org/markup-compatibility/2006" xmlns:p14="http://schemas.microsoft.com/office/powerpoint/2010/main">
+    <mc:Choice Requires="p14">
       <p:transition p14:dur="10" advClick="0"/>
     </mc:Choice>
-    <mc:Fallback>
+    <mc:Fallback xmlns="">
       <p:transition advClick="0"/>
     </mc:Fallback>
   </mc:AlternateContent>
@@ -7223,6 +7250,7 @@
           <a:p>
             <a:fld id="{FCEE2C88-6C8F-484D-AF69-578F576B1F44}" type="slidenum">
               <a:rPr lang="en-US" smtClean="0"/>
+              <a:t>‹#›</a:t>
             </a:fld>
             <a:endParaRPr lang="en-US" dirty="0"/>
           </a:p>
@@ -7232,16 +7260,16 @@
   </p:cSld>
   <p:clrMap bg1="lt1" tx1="dk1" bg2="lt2" tx2="dk2" accent1="accent1" accent2="accent2" accent3="accent3" accent4="accent4" accent5="accent5" accent6="accent6" hlink="hlink" folHlink="folHlink"/>
   <p:sldLayoutIdLst>
-    <p:sldLayoutId id="2147483657" r:id="rId1"/>
-    <p:sldLayoutId id="2147483658" r:id="rId2"/>
-    <p:sldLayoutId id="2147483659" r:id="rId3"/>
-    <p:sldLayoutId id="2147483660" r:id="rId4"/>
+    <p:sldLayoutId id="2147483655" r:id="rId1"/>
+    <p:sldLayoutId id="2147483656" r:id="rId2"/>
+    <p:sldLayoutId id="2147483657" r:id="rId3"/>
+    <p:sldLayoutId id="2147483658" r:id="rId4"/>
   </p:sldLayoutIdLst>
-  <mc:AlternateContent xmlns:mc="http://schemas.openxmlformats.org/markup-compatibility/2006">
-    <mc:Choice xmlns:p14="http://schemas.microsoft.com/office/powerpoint/2010/main" Requires="p14">
+  <mc:AlternateContent xmlns:mc="http://schemas.openxmlformats.org/markup-compatibility/2006" xmlns:p14="http://schemas.microsoft.com/office/powerpoint/2010/main">
+    <mc:Choice Requires="p14">
       <p:transition spd="slow" p14:dur="2000" advClick="0" advTm="4000"/>
     </mc:Choice>
-    <mc:Fallback>
+    <mc:Fallback xmlns="">
       <p:transition spd="slow" advClick="0" advTm="4000"/>
     </mc:Fallback>
   </mc:AlternateContent>
@@ -7643,14 +7671,6 @@
               </a:rPr>
               <a:t>源码分析</a:t>
             </a:r>
-            <a:endParaRPr lang="zh-CN" altLang="en-US" sz="4000" dirty="0">
-              <a:solidFill>
-                <a:srgbClr val="445469"/>
-              </a:solidFill>
-              <a:latin typeface="思源黑体 CN Bold"/>
-              <a:ea typeface="思源黑体 CN Bold"/>
-              <a:cs typeface="Lato Regular"/>
-            </a:endParaRPr>
           </a:p>
         </p:txBody>
       </p:sp>
@@ -7842,16 +7862,8 @@
                 <a:ea typeface="思源黑体 CN Medium"/>
                 <a:cs typeface="Lato Regular"/>
               </a:rPr>
-              <a:t>刘维瑄</a:t>
+              <a:t>蔡文俊、赵嘉铖</a:t>
             </a:r>
-            <a:endParaRPr lang="zh-CN" altLang="en-US" sz="1400" dirty="0">
-              <a:solidFill>
-                <a:srgbClr val="445469"/>
-              </a:solidFill>
-              <a:latin typeface="Arial Black" panose="020B0A04020102020204"/>
-              <a:ea typeface="思源黑体 CN Medium"/>
-              <a:cs typeface="Lato Regular"/>
-            </a:endParaRPr>
           </a:p>
         </p:txBody>
       </p:sp>
@@ -8459,11 +8471,11 @@
   <p:clrMapOvr>
     <a:masterClrMapping/>
   </p:clrMapOvr>
-  <mc:AlternateContent xmlns:mc="http://schemas.openxmlformats.org/markup-compatibility/2006">
-    <mc:Choice xmlns:p14="http://schemas.microsoft.com/office/powerpoint/2010/main" Requires="p14">
+  <mc:AlternateContent xmlns:mc="http://schemas.openxmlformats.org/markup-compatibility/2006" xmlns:p14="http://schemas.microsoft.com/office/powerpoint/2010/main">
+    <mc:Choice Requires="p14">
       <p:transition p14:dur="10" advClick="0"/>
     </mc:Choice>
-    <mc:Fallback>
+    <mc:Fallback xmlns="">
       <p:transition advClick="0"/>
     </mc:Fallback>
   </mc:AlternateContent>
@@ -8907,13 +8919,6 @@
               </a:rPr>
               <a:t>Python</a:t>
             </a:r>
-            <a:endParaRPr lang="en-US" altLang="zh-CN" sz="3300" b="1" dirty="0">
-              <a:solidFill>
-                <a:srgbClr val="445469"/>
-              </a:solidFill>
-              <a:latin typeface="思源黑体 CN Bold"/>
-              <a:ea typeface="思源黑体 CN Bold"/>
-            </a:endParaRPr>
           </a:p>
         </p:txBody>
       </p:sp>
@@ -8995,14 +9000,6 @@
               </a:rPr>
               <a:t>可执行文件：解析流程</a:t>
             </a:r>
-            <a:endParaRPr lang="zh-CN" altLang="en-US" b="1" dirty="0">
-              <a:solidFill>
-                <a:srgbClr val="209072"/>
-              </a:solidFill>
-              <a:latin typeface="思源黑体 CN Bold"/>
-              <a:ea typeface="思源黑体 CN Bold"/>
-              <a:cs typeface="Lato Regular"/>
-            </a:endParaRPr>
           </a:p>
         </p:txBody>
       </p:sp>
@@ -9015,7 +9012,7 @@
           <p:nvPr/>
         </p:nvPicPr>
         <p:blipFill>
-          <a:blip r:embed="rId1"/>
+          <a:blip r:embed="rId2"/>
           <a:stretch>
             <a:fillRect/>
           </a:stretch>
@@ -9039,7 +9036,7 @@
           <p:nvPr/>
         </p:nvPicPr>
         <p:blipFill>
-          <a:blip r:embed="rId2"/>
+          <a:blip r:embed="rId3"/>
           <a:stretch>
             <a:fillRect/>
           </a:stretch>
@@ -9088,14 +9085,6 @@
               </a:rPr>
               <a:t>actions[action_name], action_precs[action_name], action_trans[action_name], action_prefixes[action_name]</a:t>
             </a:r>
-            <a:endParaRPr lang="zh-CN" altLang="en-US" b="1" dirty="0">
-              <a:solidFill>
-                <a:srgbClr val="209072"/>
-              </a:solidFill>
-              <a:latin typeface="思源黑体 CN Bold"/>
-              <a:ea typeface="思源黑体 CN Bold"/>
-              <a:cs typeface="Lato Regular"/>
-            </a:endParaRPr>
           </a:p>
         </p:txBody>
       </p:sp>
@@ -9104,11 +9093,11 @@
   <p:clrMapOvr>
     <a:masterClrMapping/>
   </p:clrMapOvr>
-  <mc:AlternateContent xmlns:mc="http://schemas.openxmlformats.org/markup-compatibility/2006">
-    <mc:Choice xmlns:p14="http://schemas.microsoft.com/office/powerpoint/2010/main" Requires="p14">
+  <mc:AlternateContent xmlns:mc="http://schemas.openxmlformats.org/markup-compatibility/2006" xmlns:p14="http://schemas.microsoft.com/office/powerpoint/2010/main">
+    <mc:Choice Requires="p14">
       <p:transition p14:dur="10" advClick="0"/>
     </mc:Choice>
-    <mc:Fallback>
+    <mc:Fallback xmlns="">
       <p:transition advClick="0"/>
     </mc:Fallback>
   </mc:AlternateContent>
@@ -9552,13 +9541,6 @@
               </a:rPr>
               <a:t>Python</a:t>
             </a:r>
-            <a:endParaRPr lang="en-US" altLang="zh-CN" sz="3300" b="1" dirty="0">
-              <a:solidFill>
-                <a:srgbClr val="445469"/>
-              </a:solidFill>
-              <a:latin typeface="思源黑体 CN Bold"/>
-              <a:ea typeface="思源黑体 CN Bold"/>
-            </a:endParaRPr>
           </a:p>
         </p:txBody>
       </p:sp>
@@ -9662,14 +9644,6 @@
               </a:rPr>
               <a:t>文件流程</a:t>
             </a:r>
-            <a:endParaRPr lang="zh-CN" altLang="en-US" b="1" dirty="0">
-              <a:solidFill>
-                <a:srgbClr val="209072"/>
-              </a:solidFill>
-              <a:latin typeface="思源黑体 CN Bold"/>
-              <a:ea typeface="思源黑体 CN Bold"/>
-              <a:cs typeface="Lato Regular"/>
-            </a:endParaRPr>
           </a:p>
         </p:txBody>
       </p:sp>
@@ -9682,7 +9656,7 @@
           <p:nvPr/>
         </p:nvPicPr>
         <p:blipFill>
-          <a:blip r:embed="rId1"/>
+          <a:blip r:embed="rId2"/>
           <a:stretch>
             <a:fillRect/>
           </a:stretch>
@@ -9706,7 +9680,7 @@
           <p:nvPr/>
         </p:nvPicPr>
         <p:blipFill>
-          <a:blip r:embed="rId2"/>
+          <a:blip r:embed="rId3"/>
           <a:stretch>
             <a:fillRect/>
           </a:stretch>
@@ -9730,7 +9704,7 @@
           <p:nvPr/>
         </p:nvPicPr>
         <p:blipFill>
-          <a:blip r:embed="rId3"/>
+          <a:blip r:embed="rId4"/>
           <a:stretch>
             <a:fillRect/>
           </a:stretch>
@@ -9750,11 +9724,11 @@
   <p:clrMapOvr>
     <a:masterClrMapping/>
   </p:clrMapOvr>
-  <mc:AlternateContent xmlns:mc="http://schemas.openxmlformats.org/markup-compatibility/2006">
-    <mc:Choice xmlns:p14="http://schemas.microsoft.com/office/powerpoint/2010/main" Requires="p14">
+  <mc:AlternateContent xmlns:mc="http://schemas.openxmlformats.org/markup-compatibility/2006" xmlns:p14="http://schemas.microsoft.com/office/powerpoint/2010/main">
+    <mc:Choice Requires="p14">
       <p:transition p14:dur="10" advClick="0"/>
     </mc:Choice>
-    <mc:Fallback>
+    <mc:Fallback xmlns="">
       <p:transition advClick="0"/>
     </mc:Fallback>
   </mc:AlternateContent>
@@ -10198,13 +10172,6 @@
               </a:rPr>
               <a:t>Python</a:t>
             </a:r>
-            <a:endParaRPr lang="en-US" altLang="zh-CN" sz="3300" b="1" dirty="0">
-              <a:solidFill>
-                <a:srgbClr val="445469"/>
-              </a:solidFill>
-              <a:latin typeface="思源黑体 CN Bold"/>
-              <a:ea typeface="思源黑体 CN Bold"/>
-            </a:endParaRPr>
           </a:p>
         </p:txBody>
       </p:sp>
@@ -10308,14 +10275,6 @@
               </a:rPr>
               <a:t>文件流程</a:t>
             </a:r>
-            <a:endParaRPr lang="zh-CN" altLang="en-US" b="1" dirty="0">
-              <a:solidFill>
-                <a:srgbClr val="209072"/>
-              </a:solidFill>
-              <a:latin typeface="思源黑体 CN Bold"/>
-              <a:ea typeface="思源黑体 CN Bold"/>
-              <a:cs typeface="Lato Regular"/>
-            </a:endParaRPr>
           </a:p>
         </p:txBody>
       </p:sp>
@@ -10353,14 +10312,6 @@
               </a:rPr>
               <a:t>抽样与子抽样</a:t>
             </a:r>
-            <a:endParaRPr lang="zh-CN" altLang="en-US" b="1" dirty="0">
-              <a:solidFill>
-                <a:srgbClr val="209072"/>
-              </a:solidFill>
-              <a:latin typeface="思源黑体 CN Bold"/>
-              <a:ea typeface="思源黑体 CN Bold"/>
-              <a:cs typeface="Lato Regular"/>
-            </a:endParaRPr>
           </a:p>
         </p:txBody>
       </p:sp>
@@ -10508,14 +10459,6 @@
               </a:rPr>
               <a:t>instance_generator</a:t>
             </a:r>
-            <a:endParaRPr lang="en-US" altLang="bg-BG" sz="2000" dirty="0">
-              <a:solidFill>
-                <a:prstClr val="white"/>
-              </a:solidFill>
-              <a:latin typeface="思源黑体 CN Bold" panose="020B0800000000000000" pitchFamily="34" charset="-122"/>
-              <a:ea typeface="思源黑体 CN Medium"/>
-              <a:cs typeface="Lato Regular"/>
-            </a:endParaRPr>
           </a:p>
         </p:txBody>
       </p:sp>
@@ -10609,14 +10552,6 @@
               </a:rPr>
               <a:t>argument_pool</a:t>
             </a:r>
-            <a:endParaRPr lang="en-US" altLang="bg-BG" sz="2000" dirty="0">
-              <a:solidFill>
-                <a:prstClr val="white"/>
-              </a:solidFill>
-              <a:latin typeface="思源黑体 CN Bold" panose="020B0800000000000000" pitchFamily="34" charset="-122"/>
-              <a:ea typeface="思源黑体 CN Medium"/>
-              <a:cs typeface="Lato Regular"/>
-            </a:endParaRPr>
           </a:p>
         </p:txBody>
       </p:sp>
@@ -10710,14 +10645,6 @@
               </a:rPr>
               <a:t>sample</a:t>
             </a:r>
-            <a:endParaRPr lang="en-US" altLang="bg-BG" sz="2100" dirty="0">
-              <a:solidFill>
-                <a:prstClr val="white"/>
-              </a:solidFill>
-              <a:latin typeface="思源黑体 CN Bold" panose="020B0800000000000000" pitchFamily="34" charset="-122"/>
-              <a:ea typeface="思源黑体 CN Medium"/>
-              <a:cs typeface="Lato Regular"/>
-            </a:endParaRPr>
           </a:p>
         </p:txBody>
       </p:sp>
@@ -10811,14 +10738,6 @@
               </a:rPr>
               <a:t>subsample</a:t>
             </a:r>
-            <a:endParaRPr lang="en-US" altLang="bg-BG" sz="2200" dirty="0">
-              <a:solidFill>
-                <a:prstClr val="white"/>
-              </a:solidFill>
-              <a:latin typeface="思源黑体 CN Bold" panose="020B0800000000000000" pitchFamily="34" charset="-122"/>
-              <a:ea typeface="思源黑体 CN Medium"/>
-              <a:cs typeface="Lato Regular"/>
-            </a:endParaRPr>
           </a:p>
         </p:txBody>
       </p:sp>
@@ -10912,14 +10831,6 @@
               </a:rPr>
               <a:t>rng.shuffle</a:t>
             </a:r>
-            <a:endParaRPr lang="en-US" altLang="bg-BG" sz="2000" dirty="0">
-              <a:solidFill>
-                <a:prstClr val="white"/>
-              </a:solidFill>
-              <a:latin typeface="思源黑体 CN Bold" panose="020B0800000000000000" pitchFamily="34" charset="-122"/>
-              <a:ea typeface="思源黑体 CN Medium"/>
-              <a:cs typeface="Lato Regular"/>
-            </a:endParaRPr>
           </a:p>
         </p:txBody>
       </p:sp>
@@ -11013,14 +10924,6 @@
               </a:rPr>
               <a:t>rng.choice</a:t>
             </a:r>
-            <a:endParaRPr lang="en-US" altLang="bg-BG" sz="2000" dirty="0">
-              <a:solidFill>
-                <a:prstClr val="white"/>
-              </a:solidFill>
-              <a:latin typeface="思源黑体 CN Bold" panose="020B0800000000000000" pitchFamily="34" charset="-122"/>
-              <a:ea typeface="思源黑体 CN Medium"/>
-              <a:cs typeface="Lato Regular"/>
-            </a:endParaRPr>
           </a:p>
         </p:txBody>
       </p:sp>
@@ -11328,14 +11231,6 @@
               </a:rPr>
               <a:t>action_pool</a:t>
             </a:r>
-            <a:endParaRPr lang="en-US" altLang="bg-BG" sz="2000" dirty="0">
-              <a:solidFill>
-                <a:prstClr val="white"/>
-              </a:solidFill>
-              <a:latin typeface="思源黑体 CN Bold" panose="020B0800000000000000" pitchFamily="34" charset="-122"/>
-              <a:ea typeface="思源黑体 CN Medium"/>
-              <a:cs typeface="Lato Regular"/>
-            </a:endParaRPr>
           </a:p>
         </p:txBody>
       </p:sp>
@@ -11560,11 +11455,11 @@
   <p:clrMapOvr>
     <a:masterClrMapping/>
   </p:clrMapOvr>
-  <mc:AlternateContent xmlns:mc="http://schemas.openxmlformats.org/markup-compatibility/2006">
-    <mc:Choice xmlns:p14="http://schemas.microsoft.com/office/powerpoint/2010/main" Requires="p14">
+  <mc:AlternateContent xmlns:mc="http://schemas.openxmlformats.org/markup-compatibility/2006" xmlns:p14="http://schemas.microsoft.com/office/powerpoint/2010/main">
+    <mc:Choice Requires="p14">
       <p:transition p14:dur="10" advClick="0"/>
     </mc:Choice>
-    <mc:Fallback>
+    <mc:Fallback xmlns="">
       <p:transition advClick="0"/>
     </mc:Fallback>
   </mc:AlternateContent>
@@ -12115,11 +12010,11 @@
   <p:clrMapOvr>
     <a:masterClrMapping/>
   </p:clrMapOvr>
-  <mc:AlternateContent xmlns:mc="http://schemas.openxmlformats.org/markup-compatibility/2006">
-    <mc:Choice xmlns:p14="http://schemas.microsoft.com/office/powerpoint/2010/main" Requires="p14">
+  <mc:AlternateContent xmlns:mc="http://schemas.openxmlformats.org/markup-compatibility/2006" xmlns:p14="http://schemas.microsoft.com/office/powerpoint/2010/main">
+    <mc:Choice Requires="p14">
       <p:transition p14:dur="10" advClick="0"/>
     </mc:Choice>
-    <mc:Fallback>
+    <mc:Fallback xmlns="">
       <p:transition advClick="0"/>
     </mc:Fallback>
   </mc:AlternateContent>
@@ -12812,7 +12707,13 @@
       </p:sp>
       <p:grpSp>
         <p:nvGrpSpPr>
-          <p:cNvPr id="46" name="组合 45"/>
+          <p:cNvPr id="46" name="组合 45">
+            <a:extLst>
+              <a:ext uri="{FF2B5EF4-FFF2-40B4-BE49-F238E27FC236}">
+                <a16:creationId xmlns:a16="http://schemas.microsoft.com/office/drawing/2014/main" id="{EAF1687D-261F-43B4-AE56-CF9583FAC783}"/>
+              </a:ext>
+            </a:extLst>
+          </p:cNvPr>
           <p:cNvGrpSpPr/>
           <p:nvPr/>
         </p:nvGrpSpPr>
@@ -12826,14 +12727,20 @@
         </p:grpSpPr>
         <p:pic>
           <p:nvPicPr>
-            <p:cNvPr id="7" name="图片 6"/>
+            <p:cNvPr id="7" name="图片 6">
+              <a:extLst>
+                <a:ext uri="{FF2B5EF4-FFF2-40B4-BE49-F238E27FC236}">
+                  <a16:creationId xmlns:a16="http://schemas.microsoft.com/office/drawing/2014/main" id="{94E09BD4-F5BF-4EEC-9E44-51A6920404DE}"/>
+                </a:ext>
+              </a:extLst>
+            </p:cNvPr>
             <p:cNvPicPr>
               <a:picLocks noChangeAspect="1"/>
             </p:cNvPicPr>
             <p:nvPr/>
           </p:nvPicPr>
           <p:blipFill>
-            <a:blip r:embed="rId1"/>
+            <a:blip r:embed="rId2"/>
             <a:stretch>
               <a:fillRect/>
             </a:stretch>
@@ -12850,8 +12757,15 @@
         </p:pic>
         <p:cxnSp>
           <p:nvCxnSpPr>
-            <p:cNvPr id="18" name="直接箭头连接符 17"/>
+            <p:cNvPr id="18" name="直接箭头连接符 17">
+              <a:extLst>
+                <a:ext uri="{FF2B5EF4-FFF2-40B4-BE49-F238E27FC236}">
+                  <a16:creationId xmlns:a16="http://schemas.microsoft.com/office/drawing/2014/main" id="{7DF1FDE8-F222-494A-9850-79955A02B689}"/>
+                </a:ext>
+              </a:extLst>
+            </p:cNvPr>
             <p:cNvCxnSpPr>
+              <a:cxnSpLocks/>
               <a:endCxn id="20" idx="1"/>
             </p:cNvCxnSpPr>
             <p:nvPr/>
@@ -12885,7 +12799,13 @@
         </p:cxnSp>
         <p:sp>
           <p:nvSpPr>
-            <p:cNvPr id="20" name="文本框 19"/>
+            <p:cNvPr id="20" name="文本框 19">
+              <a:extLst>
+                <a:ext uri="{FF2B5EF4-FFF2-40B4-BE49-F238E27FC236}">
+                  <a16:creationId xmlns:a16="http://schemas.microsoft.com/office/drawing/2014/main" id="{2E24ECAB-BCC1-4A5E-88E6-D889A05EF568}"/>
+                </a:ext>
+              </a:extLst>
+            </p:cNvPr>
             <p:cNvSpPr txBox="1"/>
             <p:nvPr/>
           </p:nvSpPr>
@@ -12909,14 +12829,20 @@
                 <a:rPr lang="zh-CN" altLang="en-US" dirty="0"/>
                 <a:t>提供基本的数据结构</a:t>
               </a:r>
-              <a:endParaRPr lang="zh-CN" altLang="en-US" dirty="0"/>
             </a:p>
           </p:txBody>
         </p:sp>
         <p:cxnSp>
           <p:nvCxnSpPr>
-            <p:cNvPr id="22" name="直接箭头连接符 21"/>
+            <p:cNvPr id="22" name="直接箭头连接符 21">
+              <a:extLst>
+                <a:ext uri="{FF2B5EF4-FFF2-40B4-BE49-F238E27FC236}">
+                  <a16:creationId xmlns:a16="http://schemas.microsoft.com/office/drawing/2014/main" id="{DE375187-3FEC-4188-B68A-611AD0430275}"/>
+                </a:ext>
+              </a:extLst>
+            </p:cNvPr>
             <p:cNvCxnSpPr>
+              <a:cxnSpLocks/>
               <a:endCxn id="23" idx="1"/>
             </p:cNvCxnSpPr>
             <p:nvPr/>
@@ -12950,7 +12876,13 @@
         </p:cxnSp>
         <p:sp>
           <p:nvSpPr>
-            <p:cNvPr id="23" name="文本框 22"/>
+            <p:cNvPr id="23" name="文本框 22">
+              <a:extLst>
+                <a:ext uri="{FF2B5EF4-FFF2-40B4-BE49-F238E27FC236}">
+                  <a16:creationId xmlns:a16="http://schemas.microsoft.com/office/drawing/2014/main" id="{388936CB-FE4D-42BD-B66C-61F47F927B78}"/>
+                </a:ext>
+              </a:extLst>
+            </p:cNvPr>
             <p:cNvSpPr txBox="1"/>
             <p:nvPr/>
           </p:nvSpPr>
@@ -12974,14 +12906,20 @@
                 <a:rPr lang="zh-CN" altLang="en-US" dirty="0"/>
                 <a:t>给其他组件提供常用的函数</a:t>
               </a:r>
-              <a:endParaRPr lang="zh-CN" altLang="en-US" dirty="0"/>
             </a:p>
           </p:txBody>
         </p:sp>
         <p:cxnSp>
           <p:nvCxnSpPr>
-            <p:cNvPr id="25" name="直接箭头连接符 24"/>
+            <p:cNvPr id="25" name="直接箭头连接符 24">
+              <a:extLst>
+                <a:ext uri="{FF2B5EF4-FFF2-40B4-BE49-F238E27FC236}">
+                  <a16:creationId xmlns:a16="http://schemas.microsoft.com/office/drawing/2014/main" id="{B8766F0D-583C-421C-95D4-2CF711B2A9B8}"/>
+                </a:ext>
+              </a:extLst>
+            </p:cNvPr>
             <p:cNvCxnSpPr>
+              <a:cxnSpLocks/>
               <a:endCxn id="26" idx="1"/>
             </p:cNvCxnSpPr>
             <p:nvPr/>
@@ -13015,7 +12953,13 @@
         </p:cxnSp>
         <p:sp>
           <p:nvSpPr>
-            <p:cNvPr id="26" name="文本框 25"/>
+            <p:cNvPr id="26" name="文本框 25">
+              <a:extLst>
+                <a:ext uri="{FF2B5EF4-FFF2-40B4-BE49-F238E27FC236}">
+                  <a16:creationId xmlns:a16="http://schemas.microsoft.com/office/drawing/2014/main" id="{583672CE-7ACB-422D-9006-755A6A2C92D3}"/>
+                </a:ext>
+              </a:extLst>
+            </p:cNvPr>
             <p:cNvSpPr txBox="1"/>
             <p:nvPr/>
           </p:nvSpPr>
@@ -13039,14 +12983,20 @@
                 <a:rPr lang="zh-CN" altLang="en-US" dirty="0"/>
                 <a:t>对不变式进行编码</a:t>
               </a:r>
-              <a:endParaRPr lang="zh-CN" altLang="en-US" dirty="0"/>
             </a:p>
           </p:txBody>
         </p:sp>
         <p:cxnSp>
           <p:nvCxnSpPr>
-            <p:cNvPr id="28" name="直接箭头连接符 27"/>
+            <p:cNvPr id="28" name="直接箭头连接符 27">
+              <a:extLst>
+                <a:ext uri="{FF2B5EF4-FFF2-40B4-BE49-F238E27FC236}">
+                  <a16:creationId xmlns:a16="http://schemas.microsoft.com/office/drawing/2014/main" id="{2DF9A2CF-FE9C-45F0-AA13-F12B466784CB}"/>
+                </a:ext>
+              </a:extLst>
+            </p:cNvPr>
             <p:cNvCxnSpPr>
+              <a:cxnSpLocks/>
               <a:endCxn id="29" idx="1"/>
             </p:cNvCxnSpPr>
             <p:nvPr/>
@@ -13080,7 +13030,13 @@
         </p:cxnSp>
         <p:sp>
           <p:nvSpPr>
-            <p:cNvPr id="29" name="文本框 28"/>
+            <p:cNvPr id="29" name="文本框 28">
+              <a:extLst>
+                <a:ext uri="{FF2B5EF4-FFF2-40B4-BE49-F238E27FC236}">
+                  <a16:creationId xmlns:a16="http://schemas.microsoft.com/office/drawing/2014/main" id="{B6D0956E-EACF-4F66-A30B-AF0246184CA0}"/>
+                </a:ext>
+              </a:extLst>
+            </p:cNvPr>
             <p:cNvSpPr txBox="1"/>
             <p:nvPr/>
           </p:nvSpPr>
@@ -13112,13 +13068,18 @@
                 <a:rPr lang="zh-CN" altLang="en-US" dirty="0"/>
                 <a:t>交互，进行逐步精化</a:t>
               </a:r>
-              <a:endParaRPr lang="zh-CN" altLang="en-US" dirty="0"/>
             </a:p>
           </p:txBody>
         </p:sp>
         <p:sp>
           <p:nvSpPr>
-            <p:cNvPr id="35" name="文本框 34"/>
+            <p:cNvPr id="35" name="文本框 34">
+              <a:extLst>
+                <a:ext uri="{FF2B5EF4-FFF2-40B4-BE49-F238E27FC236}">
+                  <a16:creationId xmlns:a16="http://schemas.microsoft.com/office/drawing/2014/main" id="{13B0A2A3-ED95-4E9E-B246-BDFC9A2DD194}"/>
+                </a:ext>
+              </a:extLst>
+            </p:cNvPr>
             <p:cNvSpPr txBox="1"/>
             <p:nvPr/>
           </p:nvSpPr>
@@ -13142,14 +13103,20 @@
                 <a:rPr lang="zh-CN" altLang="en-US" dirty="0"/>
                 <a:t>指挥进行不变式筛选和逐步精化，并记录此过程中的性能信息</a:t>
               </a:r>
-              <a:endParaRPr lang="zh-CN" altLang="en-US" dirty="0"/>
             </a:p>
           </p:txBody>
         </p:sp>
         <p:cxnSp>
           <p:nvCxnSpPr>
-            <p:cNvPr id="36" name="直接箭头连接符 35"/>
+            <p:cNvPr id="36" name="直接箭头连接符 35">
+              <a:extLst>
+                <a:ext uri="{FF2B5EF4-FFF2-40B4-BE49-F238E27FC236}">
+                  <a16:creationId xmlns:a16="http://schemas.microsoft.com/office/drawing/2014/main" id="{5238DD38-FC92-4E95-9E76-F2CF67DABBB0}"/>
+                </a:ext>
+              </a:extLst>
+            </p:cNvPr>
             <p:cNvCxnSpPr>
+              <a:cxnSpLocks/>
               <a:endCxn id="35" idx="1"/>
             </p:cNvCxnSpPr>
             <p:nvPr/>
@@ -13183,7 +13150,13 @@
         </p:cxnSp>
         <p:sp>
           <p:nvSpPr>
-            <p:cNvPr id="39" name="文本框 38"/>
+            <p:cNvPr id="39" name="文本框 38">
+              <a:extLst>
+                <a:ext uri="{FF2B5EF4-FFF2-40B4-BE49-F238E27FC236}">
+                  <a16:creationId xmlns:a16="http://schemas.microsoft.com/office/drawing/2014/main" id="{25AF94C9-BB0C-4346-B4D7-CA401F71A64E}"/>
+                </a:ext>
+              </a:extLst>
+            </p:cNvPr>
             <p:cNvSpPr txBox="1"/>
             <p:nvPr/>
           </p:nvSpPr>
@@ -13207,14 +13180,20 @@
                 <a:rPr lang="zh-CN" altLang="en-US" dirty="0"/>
                 <a:t>预处理样例信息和配置信息</a:t>
               </a:r>
-              <a:endParaRPr lang="zh-CN" altLang="en-US" dirty="0"/>
             </a:p>
           </p:txBody>
         </p:sp>
         <p:cxnSp>
           <p:nvCxnSpPr>
-            <p:cNvPr id="40" name="直接箭头连接符 39"/>
+            <p:cNvPr id="40" name="直接箭头连接符 39">
+              <a:extLst>
+                <a:ext uri="{FF2B5EF4-FFF2-40B4-BE49-F238E27FC236}">
+                  <a16:creationId xmlns:a16="http://schemas.microsoft.com/office/drawing/2014/main" id="{2E24519B-0BEC-4C86-9B30-141B4068C55A}"/>
+                </a:ext>
+              </a:extLst>
+            </p:cNvPr>
             <p:cNvCxnSpPr>
+              <a:cxnSpLocks/>
               <a:endCxn id="39" idx="1"/>
             </p:cNvCxnSpPr>
             <p:nvPr/>
@@ -13248,7 +13227,13 @@
         </p:cxnSp>
         <p:sp>
           <p:nvSpPr>
-            <p:cNvPr id="43" name="文本框 42"/>
+            <p:cNvPr id="43" name="文本框 42">
+              <a:extLst>
+                <a:ext uri="{FF2B5EF4-FFF2-40B4-BE49-F238E27FC236}">
+                  <a16:creationId xmlns:a16="http://schemas.microsoft.com/office/drawing/2014/main" id="{ED432691-122B-4078-8E88-D0EEB460A8C2}"/>
+                </a:ext>
+              </a:extLst>
+            </p:cNvPr>
             <p:cNvSpPr txBox="1"/>
             <p:nvPr/>
           </p:nvSpPr>
@@ -13272,13 +13257,18 @@
                 <a:rPr lang="zh-CN" altLang="en-US" dirty="0"/>
                 <a:t>核心：生成子模板，利用样例筛选出不变式</a:t>
               </a:r>
-              <a:endParaRPr lang="zh-CN" altLang="en-US" dirty="0"/>
             </a:p>
           </p:txBody>
         </p:sp>
         <p:cxnSp>
           <p:nvCxnSpPr>
-            <p:cNvPr id="45" name="直接箭头连接符 44"/>
+            <p:cNvPr id="45" name="直接箭头连接符 44">
+              <a:extLst>
+                <a:ext uri="{FF2B5EF4-FFF2-40B4-BE49-F238E27FC236}">
+                  <a16:creationId xmlns:a16="http://schemas.microsoft.com/office/drawing/2014/main" id="{D4656294-C411-4B09-9340-14F922E54EA1}"/>
+                </a:ext>
+              </a:extLst>
+            </p:cNvPr>
             <p:cNvCxnSpPr>
               <a:endCxn id="43" idx="1"/>
             </p:cNvCxnSpPr>
@@ -13317,11 +13307,11 @@
   <p:clrMapOvr>
     <a:masterClrMapping/>
   </p:clrMapOvr>
-  <mc:AlternateContent xmlns:mc="http://schemas.openxmlformats.org/markup-compatibility/2006">
-    <mc:Choice xmlns:p14="http://schemas.microsoft.com/office/powerpoint/2010/main" Requires="p14">
+  <mc:AlternateContent xmlns:mc="http://schemas.openxmlformats.org/markup-compatibility/2006" xmlns:p14="http://schemas.microsoft.com/office/powerpoint/2010/main">
+    <mc:Choice Requires="p14">
       <p:transition p14:dur="10" advClick="0"/>
     </mc:Choice>
-    <mc:Fallback>
+    <mc:Fallback xmlns="">
       <p:transition advClick="0"/>
     </mc:Fallback>
   </mc:AlternateContent>
@@ -13790,14 +13780,20 @@
       </p:sp>
       <p:pic>
         <p:nvPicPr>
-          <p:cNvPr id="1026" name="Picture 2"/>
+          <p:cNvPr id="1026" name="Picture 2">
+            <a:extLst>
+              <a:ext uri="{FF2B5EF4-FFF2-40B4-BE49-F238E27FC236}">
+                <a16:creationId xmlns:a16="http://schemas.microsoft.com/office/drawing/2014/main" id="{F93DFE0D-AC1D-47EC-A220-B945154908DD}"/>
+              </a:ext>
+            </a:extLst>
+          </p:cNvPr>
           <p:cNvPicPr>
             <a:picLocks noChangeAspect="1" noChangeArrowheads="1"/>
           </p:cNvPicPr>
           <p:nvPr/>
         </p:nvPicPr>
         <p:blipFill>
-          <a:blip r:embed="rId1" cstate="print">
+          <a:blip r:embed="rId2" cstate="print">
             <a:extLst>
               <a:ext uri="{28A0092B-C50C-407E-A947-70E740481C1C}">
                 <a14:useLocalDpi xmlns:a14="http://schemas.microsoft.com/office/drawing/2010/main" val="0"/>
@@ -13831,7 +13827,13 @@
       </p:pic>
       <p:sp>
         <p:nvSpPr>
-          <p:cNvPr id="32" name="TextBox 72"/>
+          <p:cNvPr id="32" name="TextBox 72">
+            <a:extLst>
+              <a:ext uri="{FF2B5EF4-FFF2-40B4-BE49-F238E27FC236}">
+                <a16:creationId xmlns:a16="http://schemas.microsoft.com/office/drawing/2014/main" id="{D4C2A971-49FE-4E13-98D2-378DED3AFB17}"/>
+              </a:ext>
+            </a:extLst>
+          </p:cNvPr>
           <p:cNvSpPr txBox="1">
             <a:spLocks noChangeArrowheads="1"/>
           </p:cNvSpPr>
@@ -13991,11 +13993,11 @@
   <p:clrMapOvr>
     <a:masterClrMapping/>
   </p:clrMapOvr>
-  <mc:AlternateContent xmlns:mc="http://schemas.openxmlformats.org/markup-compatibility/2006">
-    <mc:Choice xmlns:p14="http://schemas.microsoft.com/office/powerpoint/2010/main" Requires="p14">
+  <mc:AlternateContent xmlns:mc="http://schemas.openxmlformats.org/markup-compatibility/2006" xmlns:p14="http://schemas.microsoft.com/office/powerpoint/2010/main">
+    <mc:Choice Requires="p14">
       <p:transition p14:dur="0" advClick="0"/>
     </mc:Choice>
-    <mc:Fallback>
+    <mc:Fallback xmlns="">
       <p:transition advClick="0"/>
     </mc:Fallback>
   </mc:AlternateContent>
@@ -14464,14 +14466,20 @@
       </p:sp>
       <p:pic>
         <p:nvPicPr>
-          <p:cNvPr id="31" name="图片 30"/>
+          <p:cNvPr id="31" name="图片 30">
+            <a:extLst>
+              <a:ext uri="{FF2B5EF4-FFF2-40B4-BE49-F238E27FC236}">
+                <a16:creationId xmlns:a16="http://schemas.microsoft.com/office/drawing/2014/main" id="{F1E7B36A-31B3-4BFB-8B89-6A90BB3D7F13}"/>
+              </a:ext>
+            </a:extLst>
+          </p:cNvPr>
           <p:cNvPicPr>
             <a:picLocks noChangeAspect="1"/>
           </p:cNvPicPr>
           <p:nvPr/>
         </p:nvPicPr>
         <p:blipFill>
-          <a:blip r:embed="rId1">
+          <a:blip r:embed="rId2">
             <a:extLst>
               <a:ext uri="{28A0092B-C50C-407E-A947-70E740481C1C}">
                 <a14:useLocalDpi xmlns:a14="http://schemas.microsoft.com/office/drawing/2010/main" val="0"/>
@@ -14494,14 +14502,20 @@
       </p:pic>
       <p:pic>
         <p:nvPicPr>
-          <p:cNvPr id="1028" name="Picture 4"/>
+          <p:cNvPr id="1028" name="Picture 4">
+            <a:extLst>
+              <a:ext uri="{FF2B5EF4-FFF2-40B4-BE49-F238E27FC236}">
+                <a16:creationId xmlns:a16="http://schemas.microsoft.com/office/drawing/2014/main" id="{F5F1F347-50B3-4D7D-9C4C-D5D6A9138C64}"/>
+              </a:ext>
+            </a:extLst>
+          </p:cNvPr>
           <p:cNvPicPr>
             <a:picLocks noChangeAspect="1" noChangeArrowheads="1"/>
           </p:cNvPicPr>
           <p:nvPr/>
         </p:nvPicPr>
         <p:blipFill>
-          <a:blip r:embed="rId2" cstate="print">
+          <a:blip r:embed="rId3" cstate="print">
             <a:extLst>
               <a:ext uri="{28A0092B-C50C-407E-A947-70E740481C1C}">
                 <a14:useLocalDpi xmlns:a14="http://schemas.microsoft.com/office/drawing/2010/main" val="0"/>
@@ -14509,9 +14523,7 @@
             </a:extLst>
           </a:blip>
           <a:srcRect/>
-          <a:stretch>
-            <a:fillRect/>
-          </a:stretch>
+          <a:stretch/>
         </p:blipFill>
         <p:spPr bwMode="auto">
           <a:xfrm>
@@ -14535,7 +14547,13 @@
       </p:pic>
       <p:sp>
         <p:nvSpPr>
-          <p:cNvPr id="12" name="TextBox 72"/>
+          <p:cNvPr id="12" name="TextBox 72">
+            <a:extLst>
+              <a:ext uri="{FF2B5EF4-FFF2-40B4-BE49-F238E27FC236}">
+                <a16:creationId xmlns:a16="http://schemas.microsoft.com/office/drawing/2014/main" id="{A1BDB175-505F-4756-A62B-1EE25A9E764E}"/>
+              </a:ext>
+            </a:extLst>
+          </p:cNvPr>
           <p:cNvSpPr txBox="1">
             <a:spLocks noChangeArrowheads="1"/>
           </p:cNvSpPr>
@@ -14691,15 +14709,20 @@
         </p:txBody>
       </p:sp>
     </p:spTree>
+    <p:extLst>
+      <p:ext uri="{BB962C8B-B14F-4D97-AF65-F5344CB8AC3E}">
+        <p14:creationId xmlns:p14="http://schemas.microsoft.com/office/powerpoint/2010/main" val="191862739"/>
+      </p:ext>
+    </p:extLst>
   </p:cSld>
   <p:clrMapOvr>
     <a:masterClrMapping/>
   </p:clrMapOvr>
-  <mc:AlternateContent xmlns:mc="http://schemas.openxmlformats.org/markup-compatibility/2006">
-    <mc:Choice xmlns:p14="http://schemas.microsoft.com/office/powerpoint/2010/main" Requires="p14">
+  <mc:AlternateContent xmlns:mc="http://schemas.openxmlformats.org/markup-compatibility/2006" xmlns:p14="http://schemas.microsoft.com/office/powerpoint/2010/main">
+    <mc:Choice Requires="p14">
       <p:transition p14:dur="0" advClick="0"/>
     </mc:Choice>
-    <mc:Fallback>
+    <mc:Fallback xmlns="">
       <p:transition advClick="0"/>
     </mc:Fallback>
   </mc:AlternateContent>
@@ -15168,7 +15191,13 @@
       </p:sp>
       <p:sp>
         <p:nvSpPr>
-          <p:cNvPr id="12" name="TextBox 72"/>
+          <p:cNvPr id="12" name="TextBox 72">
+            <a:extLst>
+              <a:ext uri="{FF2B5EF4-FFF2-40B4-BE49-F238E27FC236}">
+                <a16:creationId xmlns:a16="http://schemas.microsoft.com/office/drawing/2014/main" id="{A1BDB175-505F-4756-A62B-1EE25A9E764E}"/>
+              </a:ext>
+            </a:extLst>
+          </p:cNvPr>
           <p:cNvSpPr txBox="1">
             <a:spLocks noChangeArrowheads="1"/>
           </p:cNvSpPr>
@@ -15325,14 +15354,20 @@
       </p:sp>
       <p:pic>
         <p:nvPicPr>
-          <p:cNvPr id="3074" name="Picture 2"/>
+          <p:cNvPr id="3074" name="Picture 2">
+            <a:extLst>
+              <a:ext uri="{FF2B5EF4-FFF2-40B4-BE49-F238E27FC236}">
+                <a16:creationId xmlns:a16="http://schemas.microsoft.com/office/drawing/2014/main" id="{D2C5A558-5F66-44FC-A016-F212BF72AC37}"/>
+              </a:ext>
+            </a:extLst>
+          </p:cNvPr>
           <p:cNvPicPr>
             <a:picLocks noChangeAspect="1" noChangeArrowheads="1"/>
           </p:cNvPicPr>
           <p:nvPr/>
         </p:nvPicPr>
         <p:blipFill>
-          <a:blip r:embed="rId1" cstate="print">
+          <a:blip r:embed="rId2" cstate="print">
             <a:extLst>
               <a:ext uri="{28A0092B-C50C-407E-A947-70E740481C1C}">
                 <a14:useLocalDpi xmlns:a14="http://schemas.microsoft.com/office/drawing/2010/main" val="0"/>
@@ -15340,9 +15375,7 @@
             </a:extLst>
           </a:blip>
           <a:srcRect/>
-          <a:stretch>
-            <a:fillRect/>
-          </a:stretch>
+          <a:stretch/>
         </p:blipFill>
         <p:spPr bwMode="auto">
           <a:xfrm>
@@ -15366,7 +15399,13 @@
       </p:pic>
       <p:sp>
         <p:nvSpPr>
-          <p:cNvPr id="13" name="Content Placeholder 2"/>
+          <p:cNvPr id="13" name="Content Placeholder 2">
+            <a:extLst>
+              <a:ext uri="{FF2B5EF4-FFF2-40B4-BE49-F238E27FC236}">
+                <a16:creationId xmlns:a16="http://schemas.microsoft.com/office/drawing/2014/main" id="{D1A5F09F-085B-47FF-BDE0-AB7886C32CC1}"/>
+              </a:ext>
+            </a:extLst>
+          </p:cNvPr>
           <p:cNvSpPr txBox="1"/>
           <p:nvPr/>
         </p:nvSpPr>
@@ -15552,15 +15591,20 @@
         </p:txBody>
       </p:sp>
     </p:spTree>
+    <p:extLst>
+      <p:ext uri="{BB962C8B-B14F-4D97-AF65-F5344CB8AC3E}">
+        <p14:creationId xmlns:p14="http://schemas.microsoft.com/office/powerpoint/2010/main" val="3136081010"/>
+      </p:ext>
+    </p:extLst>
   </p:cSld>
   <p:clrMapOvr>
     <a:masterClrMapping/>
   </p:clrMapOvr>
-  <mc:AlternateContent xmlns:mc="http://schemas.openxmlformats.org/markup-compatibility/2006">
-    <mc:Choice xmlns:p14="http://schemas.microsoft.com/office/powerpoint/2010/main" Requires="p14">
+  <mc:AlternateContent xmlns:mc="http://schemas.openxmlformats.org/markup-compatibility/2006" xmlns:p14="http://schemas.microsoft.com/office/powerpoint/2010/main">
+    <mc:Choice Requires="p14">
       <p:transition p14:dur="0" advClick="0"/>
     </mc:Choice>
-    <mc:Fallback>
+    <mc:Fallback xmlns="">
       <p:transition advClick="0"/>
     </mc:Fallback>
   </mc:AlternateContent>
@@ -15595,7 +15639,7 @@
           </p:nvPr>
         </p:nvPicPr>
         <p:blipFill>
-          <a:blip r:embed="rId1">
+          <a:blip r:embed="rId2">
             <a:extLst>
               <a:ext uri="{28A0092B-C50C-407E-A947-70E740481C1C}">
                 <a14:useLocalDpi xmlns:a14="http://schemas.microsoft.com/office/drawing/2010/main" val="0"/>
@@ -15755,11 +15799,6 @@
               </a:rPr>
               <a:t>还会返回具体不成立的不变式是哪一条和具体反例的工具。</a:t>
             </a:r>
-            <a:endParaRPr lang="zh-CN" altLang="en-US" sz="1400" dirty="0">
-              <a:solidFill>
-                <a:schemeClr val="bg1"/>
-              </a:solidFill>
-            </a:endParaRPr>
           </a:p>
         </p:txBody>
       </p:sp>
@@ -15847,7 +15886,13 @@
       </p:sp>
       <p:grpSp>
         <p:nvGrpSpPr>
-          <p:cNvPr id="2" name="组合 1"/>
+          <p:cNvPr id="2" name="组合 1">
+            <a:extLst>
+              <a:ext uri="{FF2B5EF4-FFF2-40B4-BE49-F238E27FC236}">
+                <a16:creationId xmlns:a16="http://schemas.microsoft.com/office/drawing/2014/main" id="{1E703091-A9D1-4641-8122-29AE09F8B872}"/>
+              </a:ext>
+            </a:extLst>
+          </p:cNvPr>
           <p:cNvGrpSpPr/>
           <p:nvPr/>
         </p:nvGrpSpPr>
@@ -15911,8 +15956,8 @@
             </a:p>
           </p:txBody>
         </p:sp>
-        <mc:AlternateContent xmlns:mc="http://schemas.openxmlformats.org/markup-compatibility/2006">
-          <mc:Choice xmlns:a14="http://schemas.microsoft.com/office/drawing/2010/main" Requires="a14">
+        <mc:AlternateContent xmlns:mc="http://schemas.openxmlformats.org/markup-compatibility/2006" xmlns:a14="http://schemas.microsoft.com/office/drawing/2010/main">
+          <mc:Choice Requires="a14">
             <p:sp>
               <p:nvSpPr>
                 <p:cNvPr id="56" name="矩形 55"/>
@@ -16105,7 +16150,7 @@
               </p:txBody>
             </p:sp>
           </mc:Choice>
-          <mc:Fallback>
+          <mc:Fallback xmlns="">
             <p:sp>
               <p:nvSpPr>
                 <p:cNvPr id="56" name="矩形 55"/>
@@ -16122,8 +16167,11 @@
                 <a:prstGeom prst="rect">
                   <a:avLst/>
                 </a:prstGeom>
-                <a:blipFill rotWithShape="1">
-                  <a:blip r:embed="rId2"/>
+                <a:blipFill>
+                  <a:blip r:embed="rId3"/>
+                  <a:stretch>
+                    <a:fillRect l="-711" t="-760" b="-2662"/>
+                  </a:stretch>
                 </a:blipFill>
               </p:spPr>
               <p:txBody>
@@ -16134,7 +16182,7 @@
                     <a:rPr lang="zh-CN" altLang="en-US">
                       <a:noFill/>
                     </a:rPr>
-                    <a:t> </a:t>
+                    <a:t> </a:t>
                   </a:r>
                 </a:p>
               </p:txBody>
@@ -16174,14 +16222,6 @@
                 </a:rPr>
                 <a:t>如何找到一个刚好只比原来的不变式弱一点的不变式？</a:t>
               </a:r>
-              <a:endParaRPr lang="zh-CN" altLang="en-US" b="1" dirty="0">
-                <a:solidFill>
-                  <a:schemeClr val="tx1">
-                    <a:lumMod val="75000"/>
-                    <a:lumOff val="25000"/>
-                  </a:schemeClr>
-                </a:solidFill>
-              </a:endParaRPr>
             </a:p>
           </p:txBody>
         </p:sp>
@@ -16379,7 +16419,13 @@
       </p:cxnSp>
       <p:grpSp>
         <p:nvGrpSpPr>
-          <p:cNvPr id="17" name="组合 16"/>
+          <p:cNvPr id="17" name="组合 16">
+            <a:extLst>
+              <a:ext uri="{FF2B5EF4-FFF2-40B4-BE49-F238E27FC236}">
+                <a16:creationId xmlns:a16="http://schemas.microsoft.com/office/drawing/2014/main" id="{63401F4B-F571-4182-A509-49B15A488D66}"/>
+              </a:ext>
+            </a:extLst>
+          </p:cNvPr>
           <p:cNvGrpSpPr/>
           <p:nvPr/>
         </p:nvGrpSpPr>
@@ -16393,7 +16439,13 @@
         </p:grpSpPr>
         <p:sp>
           <p:nvSpPr>
-            <p:cNvPr id="18" name="矩形 17"/>
+            <p:cNvPr id="18" name="矩形 17">
+              <a:extLst>
+                <a:ext uri="{FF2B5EF4-FFF2-40B4-BE49-F238E27FC236}">
+                  <a16:creationId xmlns:a16="http://schemas.microsoft.com/office/drawing/2014/main" id="{D4957F1D-CE37-4ECF-B228-D074E1E487B8}"/>
+                </a:ext>
+              </a:extLst>
+            </p:cNvPr>
             <p:cNvSpPr/>
             <p:nvPr/>
           </p:nvSpPr>
@@ -16443,11 +16495,17 @@
             </a:p>
           </p:txBody>
         </p:sp>
-        <mc:AlternateContent xmlns:mc="http://schemas.openxmlformats.org/markup-compatibility/2006">
-          <mc:Choice xmlns:a14="http://schemas.microsoft.com/office/drawing/2010/main" Requires="a14">
+        <mc:AlternateContent xmlns:mc="http://schemas.openxmlformats.org/markup-compatibility/2006" xmlns:a14="http://schemas.microsoft.com/office/drawing/2010/main">
+          <mc:Choice Requires="a14">
             <p:sp>
               <p:nvSpPr>
-                <p:cNvPr id="19" name="矩形 18"/>
+                <p:cNvPr id="19" name="矩形 18">
+                  <a:extLst>
+                    <a:ext uri="{FF2B5EF4-FFF2-40B4-BE49-F238E27FC236}">
+                      <a16:creationId xmlns:a16="http://schemas.microsoft.com/office/drawing/2014/main" id="{79C41AAA-2664-4F37-A16B-DFF82D044B1E}"/>
+                    </a:ext>
+                  </a:extLst>
+                </p:cNvPr>
                 <p:cNvSpPr/>
                 <p:nvPr/>
               </p:nvSpPr>
@@ -16528,22 +16586,20 @@
                     </a:rPr>
                     <a:t>。否则直接抛弃这一条不变式。</a:t>
                   </a:r>
-                  <a:endParaRPr lang="zh-CN" altLang="en-US" sz="1400" dirty="0">
-                    <a:solidFill>
-                      <a:schemeClr val="tx1">
-                        <a:lumMod val="75000"/>
-                        <a:lumOff val="25000"/>
-                      </a:schemeClr>
-                    </a:solidFill>
-                  </a:endParaRPr>
                 </a:p>
               </p:txBody>
             </p:sp>
           </mc:Choice>
-          <mc:Fallback>
+          <mc:Fallback xmlns="">
             <p:sp>
               <p:nvSpPr>
-                <p:cNvPr id="19" name="矩形 18"/>
+                <p:cNvPr id="19" name="矩形 18">
+                  <a:extLst>
+                    <a:ext uri="{FF2B5EF4-FFF2-40B4-BE49-F238E27FC236}">
+                      <a16:creationId xmlns:a16="http://schemas.microsoft.com/office/drawing/2014/main" id="{79C41AAA-2664-4F37-A16B-DFF82D044B1E}"/>
+                    </a:ext>
+                  </a:extLst>
+                </p:cNvPr>
                 <p:cNvSpPr>
                   <a:spLocks noRot="1" noChangeAspect="1" noMove="1" noResize="1" noEditPoints="1" noAdjustHandles="1" noChangeArrowheads="1" noChangeShapeType="1" noTextEdit="1"/>
                 </p:cNvSpPr>
@@ -16557,8 +16613,11 @@
                 <a:prstGeom prst="rect">
                   <a:avLst/>
                 </a:prstGeom>
-                <a:blipFill rotWithShape="1">
-                  <a:blip r:embed="rId3"/>
+                <a:blipFill>
+                  <a:blip r:embed="rId4"/>
+                  <a:stretch>
+                    <a:fillRect l="-694" t="-1274" r="-7870" b="-5732"/>
+                  </a:stretch>
                 </a:blipFill>
               </p:spPr>
               <p:txBody>
@@ -16569,7 +16628,7 @@
                     <a:rPr lang="zh-CN" altLang="en-US">
                       <a:noFill/>
                     </a:rPr>
-                    <a:t> </a:t>
+                    <a:t> </a:t>
                   </a:r>
                 </a:p>
               </p:txBody>
@@ -16578,7 +16637,13 @@
         </mc:AlternateContent>
         <p:sp>
           <p:nvSpPr>
-            <p:cNvPr id="21" name="文本框 20"/>
+            <p:cNvPr id="21" name="文本框 20">
+              <a:extLst>
+                <a:ext uri="{FF2B5EF4-FFF2-40B4-BE49-F238E27FC236}">
+                  <a16:creationId xmlns:a16="http://schemas.microsoft.com/office/drawing/2014/main" id="{6204C9FF-EF40-4762-9BCE-987FF52A115D}"/>
+                </a:ext>
+              </a:extLst>
+            </p:cNvPr>
             <p:cNvSpPr txBox="1"/>
             <p:nvPr/>
           </p:nvSpPr>
@@ -16619,11 +16684,17 @@
           </p:txBody>
         </p:sp>
       </p:grpSp>
-      <mc:AlternateContent xmlns:mc="http://schemas.openxmlformats.org/markup-compatibility/2006">
-        <mc:Choice xmlns:a14="http://schemas.microsoft.com/office/drawing/2010/main" Requires="a14">
+      <mc:AlternateContent xmlns:mc="http://schemas.openxmlformats.org/markup-compatibility/2006" xmlns:a14="http://schemas.microsoft.com/office/drawing/2010/main">
+        <mc:Choice Requires="a14">
           <p:sp>
             <p:nvSpPr>
-              <p:cNvPr id="22" name="矩形 21"/>
+              <p:cNvPr id="22" name="矩形 21">
+                <a:extLst>
+                  <a:ext uri="{FF2B5EF4-FFF2-40B4-BE49-F238E27FC236}">
+                    <a16:creationId xmlns:a16="http://schemas.microsoft.com/office/drawing/2014/main" id="{A814B9A2-4EB4-4C47-9038-188AAD72F251}"/>
+                  </a:ext>
+                </a:extLst>
+              </p:cNvPr>
               <p:cNvSpPr/>
               <p:nvPr/>
             </p:nvSpPr>
@@ -16663,6 +16734,7 @@
                 </a:endParaRPr>
               </a:p>
               <a:p>
+                <a:pPr/>
                 <a14:m>
                   <m:oMathPara xmlns:m="http://schemas.openxmlformats.org/officeDocument/2006/math">
                     <m:oMathParaPr>
@@ -16812,6 +16884,7 @@
                 </a:endParaRPr>
               </a:p>
               <a:p>
+                <a:pPr/>
                 <a14:m>
                   <m:oMathPara xmlns:m="http://schemas.openxmlformats.org/officeDocument/2006/math">
                     <m:oMathParaPr>
@@ -16969,6 +17042,7 @@
                 </a:endParaRPr>
               </a:p>
               <a:p>
+                <a:pPr/>
                 <a14:m>
                   <m:oMathPara xmlns:m="http://schemas.openxmlformats.org/officeDocument/2006/math">
                     <m:oMathParaPr>
@@ -17153,22 +17227,20 @@
                   </a:rPr>
                   <a:t>进行判断。</a:t>
                 </a:r>
-                <a:endParaRPr lang="zh-CN" altLang="en-US" sz="1400" dirty="0">
-                  <a:solidFill>
-                    <a:schemeClr val="tx1">
-                      <a:lumMod val="75000"/>
-                      <a:lumOff val="25000"/>
-                    </a:schemeClr>
-                  </a:solidFill>
-                </a:endParaRPr>
               </a:p>
             </p:txBody>
           </p:sp>
         </mc:Choice>
-        <mc:Fallback>
+        <mc:Fallback xmlns="">
           <p:sp>
             <p:nvSpPr>
-              <p:cNvPr id="22" name="矩形 21"/>
+              <p:cNvPr id="22" name="矩形 21">
+                <a:extLst>
+                  <a:ext uri="{FF2B5EF4-FFF2-40B4-BE49-F238E27FC236}">
+                    <a16:creationId xmlns:a16="http://schemas.microsoft.com/office/drawing/2014/main" id="{A814B9A2-4EB4-4C47-9038-188AAD72F251}"/>
+                  </a:ext>
+                </a:extLst>
+              </p:cNvPr>
               <p:cNvSpPr>
                 <a:spLocks noRot="1" noChangeAspect="1" noMove="1" noResize="1" noEditPoints="1" noAdjustHandles="1" noChangeArrowheads="1" noChangeShapeType="1" noTextEdit="1"/>
               </p:cNvSpPr>
@@ -17182,10 +17254,10 @@
               <a:prstGeom prst="rect">
                 <a:avLst/>
               </a:prstGeom>
-              <a:blipFill rotWithShape="1">
-                <a:blip r:embed="rId4"/>
+              <a:blipFill>
+                <a:blip r:embed="rId5"/>
                 <a:stretch>
-                  <a:fillRect l="-2" t="-25" b="-2470"/>
+                  <a:fillRect l="-667" t="-673" b="-2694"/>
                 </a:stretch>
               </a:blipFill>
             </p:spPr>
@@ -17197,7 +17269,7 @@
                   <a:rPr lang="zh-CN" altLang="en-US">
                     <a:noFill/>
                   </a:rPr>
-                  <a:t> </a:t>
+                  <a:t> </a:t>
                 </a:r>
               </a:p>
             </p:txBody>
@@ -17206,7 +17278,13 @@
       </mc:AlternateContent>
       <p:sp>
         <p:nvSpPr>
-          <p:cNvPr id="6" name="图文框 5"/>
+          <p:cNvPr id="6" name="图文框 5">
+            <a:extLst>
+              <a:ext uri="{FF2B5EF4-FFF2-40B4-BE49-F238E27FC236}">
+                <a16:creationId xmlns:a16="http://schemas.microsoft.com/office/drawing/2014/main" id="{2F44866E-97CF-46B3-90C0-6B4EBE2C7A60}"/>
+              </a:ext>
+            </a:extLst>
+          </p:cNvPr>
           <p:cNvSpPr/>
           <p:nvPr/>
         </p:nvSpPr>
@@ -17252,7 +17330,13 @@
       </p:sp>
       <p:sp>
         <p:nvSpPr>
-          <p:cNvPr id="24" name="图文框 23"/>
+          <p:cNvPr id="24" name="图文框 23">
+            <a:extLst>
+              <a:ext uri="{FF2B5EF4-FFF2-40B4-BE49-F238E27FC236}">
+                <a16:creationId xmlns:a16="http://schemas.microsoft.com/office/drawing/2014/main" id="{680EDEDD-5F25-4041-B1BE-73CB60C6F362}"/>
+              </a:ext>
+            </a:extLst>
+          </p:cNvPr>
           <p:cNvSpPr/>
           <p:nvPr/>
         </p:nvSpPr>
@@ -17298,7 +17382,13 @@
       </p:sp>
       <p:sp>
         <p:nvSpPr>
-          <p:cNvPr id="27" name="Content Placeholder 2"/>
+          <p:cNvPr id="27" name="Content Placeholder 2">
+            <a:extLst>
+              <a:ext uri="{FF2B5EF4-FFF2-40B4-BE49-F238E27FC236}">
+                <a16:creationId xmlns:a16="http://schemas.microsoft.com/office/drawing/2014/main" id="{0F3FAB78-7EA3-43C6-80B8-F83A4ADAEBCF}"/>
+              </a:ext>
+            </a:extLst>
+          </p:cNvPr>
           <p:cNvSpPr txBox="1"/>
           <p:nvPr/>
         </p:nvSpPr>
@@ -17966,7 +18056,13 @@
       </p:sp>
       <p:sp>
         <p:nvSpPr>
-          <p:cNvPr id="12" name="TextBox 72"/>
+          <p:cNvPr id="12" name="TextBox 72">
+            <a:extLst>
+              <a:ext uri="{FF2B5EF4-FFF2-40B4-BE49-F238E27FC236}">
+                <a16:creationId xmlns:a16="http://schemas.microsoft.com/office/drawing/2014/main" id="{A1BDB175-505F-4756-A62B-1EE25A9E764E}"/>
+              </a:ext>
+            </a:extLst>
+          </p:cNvPr>
           <p:cNvSpPr txBox="1">
             <a:spLocks noChangeArrowheads="1"/>
           </p:cNvSpPr>
@@ -18123,14 +18219,20 @@
       </p:sp>
       <p:pic>
         <p:nvPicPr>
-          <p:cNvPr id="3074" name="Picture 2"/>
+          <p:cNvPr id="3074" name="Picture 2">
+            <a:extLst>
+              <a:ext uri="{FF2B5EF4-FFF2-40B4-BE49-F238E27FC236}">
+                <a16:creationId xmlns:a16="http://schemas.microsoft.com/office/drawing/2014/main" id="{D2C5A558-5F66-44FC-A016-F212BF72AC37}"/>
+              </a:ext>
+            </a:extLst>
+          </p:cNvPr>
           <p:cNvPicPr>
             <a:picLocks noChangeAspect="1" noChangeArrowheads="1"/>
           </p:cNvPicPr>
           <p:nvPr/>
         </p:nvPicPr>
         <p:blipFill>
-          <a:blip r:embed="rId1" cstate="print">
+          <a:blip r:embed="rId2" cstate="print">
             <a:extLst>
               <a:ext uri="{28A0092B-C50C-407E-A947-70E740481C1C}">
                 <a14:useLocalDpi xmlns:a14="http://schemas.microsoft.com/office/drawing/2010/main" val="0"/>
@@ -18138,9 +18240,7 @@
             </a:extLst>
           </a:blip>
           <a:srcRect/>
-          <a:stretch>
-            <a:fillRect/>
-          </a:stretch>
+          <a:stretch/>
         </p:blipFill>
         <p:spPr bwMode="auto">
           <a:xfrm>
@@ -18164,7 +18264,13 @@
       </p:pic>
       <p:sp>
         <p:nvSpPr>
-          <p:cNvPr id="13" name="Content Placeholder 2"/>
+          <p:cNvPr id="13" name="Content Placeholder 2">
+            <a:extLst>
+              <a:ext uri="{FF2B5EF4-FFF2-40B4-BE49-F238E27FC236}">
+                <a16:creationId xmlns:a16="http://schemas.microsoft.com/office/drawing/2014/main" id="{D1A5F09F-085B-47FF-BDE0-AB7886C32CC1}"/>
+              </a:ext>
+            </a:extLst>
+          </p:cNvPr>
           <p:cNvSpPr txBox="1"/>
           <p:nvPr/>
         </p:nvSpPr>
@@ -18351,14 +18457,20 @@
       </p:sp>
       <p:pic>
         <p:nvPicPr>
-          <p:cNvPr id="4098" name="Picture 2"/>
+          <p:cNvPr id="4098" name="Picture 2">
+            <a:extLst>
+              <a:ext uri="{FF2B5EF4-FFF2-40B4-BE49-F238E27FC236}">
+                <a16:creationId xmlns:a16="http://schemas.microsoft.com/office/drawing/2014/main" id="{7DFE380A-6EE2-4B0E-B932-009E315681AA}"/>
+              </a:ext>
+            </a:extLst>
+          </p:cNvPr>
           <p:cNvPicPr>
             <a:picLocks noChangeAspect="1" noChangeArrowheads="1"/>
           </p:cNvPicPr>
           <p:nvPr/>
         </p:nvPicPr>
         <p:blipFill>
-          <a:blip r:embed="rId2" cstate="print">
+          <a:blip r:embed="rId3" cstate="print">
             <a:extLst>
               <a:ext uri="{28A0092B-C50C-407E-A947-70E740481C1C}">
                 <a14:useLocalDpi xmlns:a14="http://schemas.microsoft.com/office/drawing/2010/main" val="0"/>
@@ -18392,7 +18504,13 @@
       </p:pic>
       <p:sp>
         <p:nvSpPr>
-          <p:cNvPr id="14" name="Content Placeholder 2"/>
+          <p:cNvPr id="14" name="Content Placeholder 2">
+            <a:extLst>
+              <a:ext uri="{FF2B5EF4-FFF2-40B4-BE49-F238E27FC236}">
+                <a16:creationId xmlns:a16="http://schemas.microsoft.com/office/drawing/2014/main" id="{F95E3E69-239D-48F9-BD0B-9441492608DE}"/>
+              </a:ext>
+            </a:extLst>
+          </p:cNvPr>
           <p:cNvSpPr txBox="1"/>
           <p:nvPr/>
         </p:nvSpPr>
@@ -18666,15 +18784,20 @@
         </p:txBody>
       </p:sp>
     </p:spTree>
+    <p:extLst>
+      <p:ext uri="{BB962C8B-B14F-4D97-AF65-F5344CB8AC3E}">
+        <p14:creationId xmlns:p14="http://schemas.microsoft.com/office/powerpoint/2010/main" val="1328132962"/>
+      </p:ext>
+    </p:extLst>
   </p:cSld>
   <p:clrMapOvr>
     <a:masterClrMapping/>
   </p:clrMapOvr>
-  <mc:AlternateContent xmlns:mc="http://schemas.openxmlformats.org/markup-compatibility/2006">
-    <mc:Choice xmlns:p14="http://schemas.microsoft.com/office/powerpoint/2010/main" Requires="p14">
+  <mc:AlternateContent xmlns:mc="http://schemas.openxmlformats.org/markup-compatibility/2006" xmlns:p14="http://schemas.microsoft.com/office/powerpoint/2010/main">
+    <mc:Choice Requires="p14">
       <p:transition p14:dur="0" advClick="0"/>
     </mc:Choice>
-    <mc:Fallback>
+    <mc:Fallback xmlns="">
       <p:transition advClick="0"/>
     </mc:Fallback>
   </mc:AlternateContent>
@@ -18994,14 +19117,6 @@
                     </a:rPr>
                     <a:t>结构框架</a:t>
                   </a:r>
-                  <a:endParaRPr lang="zh-CN" altLang="en-US" sz="2700" dirty="0">
-                    <a:solidFill>
-                      <a:srgbClr val="445469"/>
-                    </a:solidFill>
-                    <a:latin typeface="思源黑体 CN Medium" panose="020B0600000000000000" pitchFamily="34" charset="-122"/>
-                    <a:ea typeface="思源黑体 CN Medium" panose="020B0600000000000000" pitchFamily="34" charset="-122"/>
-                    <a:cs typeface="Lato Light"/>
-                  </a:endParaRPr>
                 </a:p>
               </p:txBody>
             </p:sp>
@@ -19302,13 +19417,6 @@
                     </a:rPr>
                     <a:t>部分</a:t>
                   </a:r>
-                  <a:endParaRPr lang="zh-CN" altLang="en-US" sz="2700" dirty="0">
-                    <a:solidFill>
-                      <a:srgbClr val="445469"/>
-                    </a:solidFill>
-                    <a:latin typeface="思源黑体 CN Medium" panose="020B0600000000000000" pitchFamily="34" charset="-122"/>
-                    <a:ea typeface="思源黑体 CN Medium"/>
-                  </a:endParaRPr>
                 </a:p>
               </p:txBody>
             </p:sp>
@@ -19554,13 +19662,6 @@
                     </a:rPr>
                     <a:t>部分</a:t>
                   </a:r>
-                  <a:endParaRPr lang="zh-CN" altLang="en-US" sz="2700" dirty="0">
-                    <a:solidFill>
-                      <a:srgbClr val="445469"/>
-                    </a:solidFill>
-                    <a:latin typeface="思源黑体 CN Medium" panose="020B0600000000000000" pitchFamily="34" charset="-122"/>
-                    <a:ea typeface="思源黑体 CN Medium"/>
-                  </a:endParaRPr>
                 </a:p>
               </p:txBody>
             </p:sp>
@@ -19796,13 +19897,6 @@
                     </a:rPr>
                     <a:t>结语</a:t>
                   </a:r>
-                  <a:endParaRPr lang="zh-CN" altLang="en-US" sz="2700" dirty="0">
-                    <a:solidFill>
-                      <a:srgbClr val="445469"/>
-                    </a:solidFill>
-                    <a:latin typeface="思源黑体 CN Medium" panose="020B0600000000000000" pitchFamily="34" charset="-122"/>
-                    <a:ea typeface="思源黑体 CN Medium"/>
-                  </a:endParaRPr>
                 </a:p>
               </p:txBody>
             </p:sp>
@@ -21191,11 +21285,11 @@
   <p:clrMapOvr>
     <a:masterClrMapping/>
   </p:clrMapOvr>
-  <mc:AlternateContent xmlns:mc="http://schemas.openxmlformats.org/markup-compatibility/2006">
-    <mc:Choice xmlns:p14="http://schemas.microsoft.com/office/powerpoint/2010/main" Requires="p14">
+  <mc:AlternateContent xmlns:mc="http://schemas.openxmlformats.org/markup-compatibility/2006" xmlns:p14="http://schemas.microsoft.com/office/powerpoint/2010/main">
+    <mc:Choice Requires="p14">
       <p:transition p14:dur="10" advClick="0"/>
     </mc:Choice>
-    <mc:Fallback>
+    <mc:Fallback xmlns="">
       <p:transition advClick="0"/>
     </mc:Fallback>
   </mc:AlternateContent>
@@ -21282,13 +21376,6 @@
                   </a:rPr>
                   <a:t>结语</a:t>
                 </a:r>
-                <a:endParaRPr lang="zh-CN" altLang="en-US" sz="3300" b="1" dirty="0">
-                  <a:solidFill>
-                    <a:srgbClr val="445469"/>
-                  </a:solidFill>
-                  <a:latin typeface="思源黑体 CN Bold"/>
-                  <a:ea typeface="思源黑体 CN Bold"/>
-                </a:endParaRPr>
               </a:p>
             </p:txBody>
           </p:sp>
@@ -21930,11 +22017,11 @@
   <p:clrMapOvr>
     <a:masterClrMapping/>
   </p:clrMapOvr>
-  <mc:AlternateContent xmlns:mc="http://schemas.openxmlformats.org/markup-compatibility/2006">
-    <mc:Choice xmlns:p14="http://schemas.microsoft.com/office/powerpoint/2010/main" Requires="p14">
+  <mc:AlternateContent xmlns:mc="http://schemas.openxmlformats.org/markup-compatibility/2006" xmlns:p14="http://schemas.microsoft.com/office/powerpoint/2010/main">
+    <mc:Choice Requires="p14">
       <p:transition p14:dur="10" advClick="0"/>
     </mc:Choice>
-    <mc:Fallback>
+    <mc:Fallback xmlns="">
       <p:transition advClick="0"/>
     </mc:Fallback>
   </mc:AlternateContent>
@@ -22131,14 +22218,6 @@
               </a:rPr>
               <a:t>THANK YOU FOR WATCHING  </a:t>
             </a:r>
-            <a:endParaRPr lang="en-US" altLang="zh-CN" sz="2400" dirty="0">
-              <a:solidFill>
-                <a:srgbClr val="445469"/>
-              </a:solidFill>
-              <a:latin typeface="Arial Black" panose="020B0A04020102020204"/>
-              <a:ea typeface="思源黑体 CN Medium"/>
-              <a:cs typeface="League Gothic" charset="0"/>
-            </a:endParaRPr>
           </a:p>
         </p:txBody>
       </p:sp>
@@ -22764,11 +22843,11 @@
   <p:clrMapOvr>
     <a:masterClrMapping/>
   </p:clrMapOvr>
-  <mc:AlternateContent xmlns:mc="http://schemas.openxmlformats.org/markup-compatibility/2006">
-    <mc:Choice xmlns:p14="http://schemas.microsoft.com/office/powerpoint/2010/main" Requires="p14">
+  <mc:AlternateContent xmlns:mc="http://schemas.openxmlformats.org/markup-compatibility/2006" xmlns:p14="http://schemas.microsoft.com/office/powerpoint/2010/main">
+    <mc:Choice Requires="p14">
       <p:transition p14:dur="10" advClick="0"/>
     </mc:Choice>
-    <mc:Fallback>
+    <mc:Fallback xmlns="">
       <p:transition advClick="0"/>
     </mc:Fallback>
   </mc:AlternateContent>
@@ -23156,13 +23235,6 @@
                 </a:rPr>
                 <a:t>结构框架</a:t>
               </a:r>
-              <a:endParaRPr lang="zh-CN" altLang="es-ES" sz="3300" b="1" dirty="0">
-                <a:solidFill>
-                  <a:srgbClr val="445469"/>
-                </a:solidFill>
-                <a:latin typeface="思源黑体 CN Bold"/>
-                <a:ea typeface="思源黑体 CN Bold"/>
-              </a:endParaRPr>
             </a:p>
           </p:txBody>
         </p:sp>
@@ -23426,11 +23498,11 @@
   <p:clrMapOvr>
     <a:masterClrMapping/>
   </p:clrMapOvr>
-  <mc:AlternateContent xmlns:mc="http://schemas.openxmlformats.org/markup-compatibility/2006">
-    <mc:Choice xmlns:p14="http://schemas.microsoft.com/office/powerpoint/2010/main" Requires="p14">
+  <mc:AlternateContent xmlns:mc="http://schemas.openxmlformats.org/markup-compatibility/2006" xmlns:p14="http://schemas.microsoft.com/office/powerpoint/2010/main">
+    <mc:Choice Requires="p14">
       <p:transition p14:dur="10" advClick="0"/>
     </mc:Choice>
-    <mc:Fallback>
+    <mc:Fallback xmlns="">
       <p:transition advClick="0"/>
     </mc:Fallback>
   </mc:AlternateContent>
@@ -23778,13 +23850,6 @@
               </a:rPr>
               <a:t>协议文件</a:t>
             </a:r>
-            <a:endParaRPr lang="zh-CN" altLang="en-US" sz="2400" b="1" dirty="0">
-              <a:solidFill>
-                <a:srgbClr val="445469"/>
-              </a:solidFill>
-              <a:latin typeface="Arial Black" panose="020B0A04020102020204"/>
-              <a:ea typeface="思源黑体 CN Medium"/>
-            </a:endParaRPr>
           </a:p>
         </p:txBody>
       </p:sp>
@@ -23849,13 +23914,6 @@
               </a:rPr>
               <a:t>语法的协议文件</a:t>
             </a:r>
-            <a:endParaRPr lang="zh-CN" altLang="en-US" sz="1200" dirty="0">
-              <a:solidFill>
-                <a:srgbClr val="445469"/>
-              </a:solidFill>
-              <a:latin typeface="思源黑体 CN Medium"/>
-              <a:ea typeface="思源黑体 CN Medium"/>
-            </a:endParaRPr>
           </a:p>
         </p:txBody>
       </p:sp>
@@ -24119,13 +24177,6 @@
               </a:rPr>
               <a:t>Python</a:t>
             </a:r>
-            <a:endParaRPr lang="en-US" altLang="id-ID" sz="2400" b="1" dirty="0">
-              <a:solidFill>
-                <a:srgbClr val="445469"/>
-              </a:solidFill>
-              <a:latin typeface="Arial Black" panose="020B0A04020102020204"/>
-              <a:ea typeface="思源黑体 CN Medium"/>
-            </a:endParaRPr>
           </a:p>
         </p:txBody>
       </p:sp>
@@ -24220,13 +24271,6 @@
               </a:rPr>
               <a:t>文件并进行抽样和子抽样阶段</a:t>
             </a:r>
-            <a:endParaRPr lang="zh-CN" altLang="en-US" sz="1200" dirty="0">
-              <a:solidFill>
-                <a:srgbClr val="445469"/>
-              </a:solidFill>
-              <a:latin typeface="思源黑体 CN Medium"/>
-              <a:ea typeface="思源黑体 CN Medium"/>
-            </a:endParaRPr>
           </a:p>
         </p:txBody>
       </p:sp>
@@ -24554,13 +24598,6 @@
               </a:rPr>
               <a:t>中间结果集</a:t>
             </a:r>
-            <a:endParaRPr lang="zh-CN" altLang="en-US" sz="2400" b="1" dirty="0">
-              <a:solidFill>
-                <a:srgbClr val="445469"/>
-              </a:solidFill>
-              <a:latin typeface="Arial Black" panose="020B0A04020102020204"/>
-              <a:ea typeface="思源黑体 CN Medium"/>
-            </a:endParaRPr>
           </a:p>
         </p:txBody>
       </p:sp>
@@ -24615,13 +24652,6 @@
               </a:rPr>
               <a:t>(csv)</a:t>
             </a:r>
-            <a:endParaRPr lang="en-US" altLang="zh-CN" sz="1200" dirty="0">
-              <a:solidFill>
-                <a:srgbClr val="445469"/>
-              </a:solidFill>
-              <a:latin typeface="思源黑体 CN Medium"/>
-              <a:ea typeface="思源黑体 CN Medium"/>
-            </a:endParaRPr>
           </a:p>
         </p:txBody>
       </p:sp>
@@ -24885,13 +24915,6 @@
               </a:rPr>
               <a:t>C++</a:t>
             </a:r>
-            <a:endParaRPr lang="en-US" altLang="id-ID" sz="2400" b="1" dirty="0">
-              <a:solidFill>
-                <a:srgbClr val="445469"/>
-              </a:solidFill>
-              <a:latin typeface="Arial Black" panose="020B0A04020102020204"/>
-              <a:ea typeface="思源黑体 CN Medium"/>
-            </a:endParaRPr>
           </a:p>
         </p:txBody>
       </p:sp>
@@ -27048,13 +27071,6 @@
               </a:rPr>
               <a:t>整体流程</a:t>
             </a:r>
-            <a:endParaRPr lang="zh-CN" altLang="en-US" sz="3300" b="1" dirty="0">
-              <a:solidFill>
-                <a:srgbClr val="445469"/>
-              </a:solidFill>
-              <a:latin typeface="思源黑体 CN Bold"/>
-              <a:ea typeface="思源黑体 CN Bold"/>
-            </a:endParaRPr>
           </a:p>
         </p:txBody>
       </p:sp>
@@ -27217,13 +27233,6 @@
               </a:rPr>
               <a:t>协议文件</a:t>
             </a:r>
-            <a:endParaRPr lang="zh-CN" altLang="id-ID" sz="2400" b="1" dirty="0">
-              <a:solidFill>
-                <a:srgbClr val="445469"/>
-              </a:solidFill>
-              <a:latin typeface="Arial Black" panose="020B0A04020102020204"/>
-              <a:ea typeface="思源黑体 CN Medium"/>
-            </a:endParaRPr>
           </a:p>
         </p:txBody>
       </p:sp>
@@ -27288,13 +27297,6 @@
               </a:rPr>
               <a:t>安全属性的协议文件</a:t>
             </a:r>
-            <a:endParaRPr lang="zh-CN" altLang="en-US" sz="1200" dirty="0">
-              <a:solidFill>
-                <a:srgbClr val="445469"/>
-              </a:solidFill>
-              <a:latin typeface="思源黑体 CN Medium"/>
-              <a:ea typeface="思源黑体 CN Medium"/>
-            </a:endParaRPr>
           </a:p>
         </p:txBody>
       </p:sp>
@@ -27671,11 +27673,11 @@
   <p:clrMapOvr>
     <a:masterClrMapping/>
   </p:clrMapOvr>
-  <mc:AlternateContent xmlns:mc="http://schemas.openxmlformats.org/markup-compatibility/2006">
-    <mc:Choice xmlns:p14="http://schemas.microsoft.com/office/powerpoint/2010/main" Requires="p14">
+  <mc:AlternateContent xmlns:mc="http://schemas.openxmlformats.org/markup-compatibility/2006" xmlns:p14="http://schemas.microsoft.com/office/powerpoint/2010/main">
+    <mc:Choice Requires="p14">
       <p:transition p14:dur="10" advClick="0"/>
     </mc:Choice>
-    <mc:Fallback>
+    <mc:Fallback xmlns="">
       <p:transition advClick="0"/>
     </mc:Fallback>
   </mc:AlternateContent>
@@ -28040,13 +28042,6 @@
                   </a:rPr>
                   <a:t>部分</a:t>
                 </a:r>
-                <a:endParaRPr lang="zh-CN" altLang="en-US" sz="3300" b="1" dirty="0">
-                  <a:solidFill>
-                    <a:srgbClr val="445469"/>
-                  </a:solidFill>
-                  <a:latin typeface="思源黑体 CN Bold"/>
-                  <a:ea typeface="思源黑体 CN Bold"/>
-                </a:endParaRPr>
               </a:p>
             </p:txBody>
           </p:sp>
@@ -28226,11 +28221,11 @@
   <p:clrMapOvr>
     <a:masterClrMapping/>
   </p:clrMapOvr>
-  <mc:AlternateContent xmlns:mc="http://schemas.openxmlformats.org/markup-compatibility/2006">
-    <mc:Choice xmlns:p14="http://schemas.microsoft.com/office/powerpoint/2010/main" Requires="p14">
+  <mc:AlternateContent xmlns:mc="http://schemas.openxmlformats.org/markup-compatibility/2006" xmlns:p14="http://schemas.microsoft.com/office/powerpoint/2010/main">
+    <mc:Choice Requires="p14">
       <p:transition p14:dur="10" advClick="0"/>
     </mc:Choice>
-    <mc:Fallback>
+    <mc:Fallback xmlns="">
       <p:transition advClick="0"/>
     </mc:Fallback>
   </mc:AlternateContent>
@@ -28288,14 +28283,6 @@
               </a:rPr>
               <a:t>第一部分：整体结构</a:t>
             </a:r>
-            <a:endParaRPr lang="zh-CN" altLang="en-US" b="1" dirty="0">
-              <a:solidFill>
-                <a:srgbClr val="209072"/>
-              </a:solidFill>
-              <a:latin typeface="思源黑体 CN Bold"/>
-              <a:ea typeface="思源黑体 CN Bold"/>
-              <a:cs typeface="Lato Regular"/>
-            </a:endParaRPr>
           </a:p>
         </p:txBody>
       </p:sp>
@@ -28719,13 +28706,6 @@
               </a:rPr>
               <a:t>Python</a:t>
             </a:r>
-            <a:endParaRPr lang="en-US" altLang="zh-CN" sz="3300" b="1" dirty="0">
-              <a:solidFill>
-                <a:srgbClr val="445469"/>
-              </a:solidFill>
-              <a:latin typeface="思源黑体 CN Bold"/>
-              <a:ea typeface="思源黑体 CN Bold"/>
-            </a:endParaRPr>
           </a:p>
         </p:txBody>
       </p:sp>
@@ -28738,7 +28718,7 @@
           <p:nvPr/>
         </p:nvPicPr>
         <p:blipFill>
-          <a:blip r:embed="rId1"/>
+          <a:blip r:embed="rId2"/>
           <a:stretch>
             <a:fillRect/>
           </a:stretch>
@@ -28831,14 +28811,6 @@
               </a:rPr>
               <a:t>translate_helper.py</a:t>
             </a:r>
-            <a:endParaRPr lang="en-US" altLang="zh-CN" b="1" dirty="0">
-              <a:solidFill>
-                <a:srgbClr val="209072"/>
-              </a:solidFill>
-              <a:latin typeface="思源黑体 CN Bold"/>
-              <a:ea typeface="思源黑体 CN Bold"/>
-              <a:cs typeface="Lato Regular"/>
-            </a:endParaRPr>
           </a:p>
         </p:txBody>
       </p:sp>
@@ -28847,11 +28819,11 @@
   <p:clrMapOvr>
     <a:masterClrMapping/>
   </p:clrMapOvr>
-  <mc:AlternateContent xmlns:mc="http://schemas.openxmlformats.org/markup-compatibility/2006">
-    <mc:Choice xmlns:p14="http://schemas.microsoft.com/office/powerpoint/2010/main" Requires="p14">
+  <mc:AlternateContent xmlns:mc="http://schemas.openxmlformats.org/markup-compatibility/2006" xmlns:p14="http://schemas.microsoft.com/office/powerpoint/2010/main">
+    <mc:Choice Requires="p14">
       <p:transition p14:dur="10" advClick="0"/>
     </mc:Choice>
-    <mc:Fallback>
+    <mc:Fallback xmlns="">
       <p:transition advClick="0"/>
     </mc:Fallback>
   </mc:AlternateContent>
@@ -28931,14 +28903,6 @@
               </a:rPr>
               <a:t>语法解析为树</a:t>
             </a:r>
-            <a:endParaRPr lang="zh-CN" altLang="en-US" b="1" dirty="0">
-              <a:solidFill>
-                <a:srgbClr val="209072"/>
-              </a:solidFill>
-              <a:latin typeface="思源黑体 CN Bold"/>
-              <a:ea typeface="思源黑体 CN Bold"/>
-              <a:cs typeface="Lato Regular"/>
-            </a:endParaRPr>
           </a:p>
         </p:txBody>
       </p:sp>
@@ -29362,13 +29326,6 @@
               </a:rPr>
               <a:t>Python</a:t>
             </a:r>
-            <a:endParaRPr lang="en-US" altLang="zh-CN" sz="3300" b="1" dirty="0">
-              <a:solidFill>
-                <a:srgbClr val="445469"/>
-              </a:solidFill>
-              <a:latin typeface="思源黑体 CN Bold"/>
-              <a:ea typeface="思源黑体 CN Bold"/>
-            </a:endParaRPr>
           </a:p>
         </p:txBody>
       </p:sp>
@@ -29381,7 +29338,7 @@
           <p:nvPr/>
         </p:nvPicPr>
         <p:blipFill>
-          <a:blip r:embed="rId1"/>
+          <a:blip r:embed="rId2"/>
           <a:stretch>
             <a:fillRect/>
           </a:stretch>
@@ -29431,15 +29388,6 @@
               </a:rPr>
               <a:t>node_order_list = ['star', 'const', 'qvar', 'nequal', 'equal', 'predicate', </a:t>
             </a:r>
-            <a:endParaRPr lang="en-US" altLang="zh-CN" b="1" dirty="0">
-              <a:solidFill>
-                <a:srgbClr val="209072"/>
-              </a:solidFill>
-              <a:latin typeface="思源黑体 CN Bold"/>
-              <a:ea typeface="思源黑体 CN Bold"/>
-              <a:cs typeface="Lato Regular"/>
-              <a:sym typeface="+mn-ea"/>
-            </a:endParaRPr>
           </a:p>
           <a:p>
             <a:pPr algn="l"/>
@@ -29455,15 +29403,6 @@
               </a:rPr>
               <a:t>'module_predicate', 'not', 'and', 'or', 'imply', 'equiv', 'forall', 'exists', 'if-else']</a:t>
             </a:r>
-            <a:endParaRPr lang="en-US" altLang="zh-CN" b="1" dirty="0">
-              <a:solidFill>
-                <a:srgbClr val="209072"/>
-              </a:solidFill>
-              <a:latin typeface="思源黑体 CN Bold"/>
-              <a:ea typeface="思源黑体 CN Bold"/>
-              <a:cs typeface="Lato Regular"/>
-              <a:sym typeface="+mn-ea"/>
-            </a:endParaRPr>
           </a:p>
           <a:p>
             <a:pPr algn="l"/>
@@ -29491,15 +29430,6 @@
               </a:rPr>
               <a:t>-&gt; ()</a:t>
             </a:r>
-            <a:endParaRPr lang="en-US" altLang="zh-CN" b="1" dirty="0">
-              <a:solidFill>
-                <a:srgbClr val="209072"/>
-              </a:solidFill>
-              <a:latin typeface="思源黑体 CN Bold"/>
-              <a:ea typeface="思源黑体 CN Bold"/>
-              <a:cs typeface="Lato Regular"/>
-              <a:sym typeface="+mn-ea"/>
-            </a:endParaRPr>
           </a:p>
         </p:txBody>
       </p:sp>
@@ -29512,7 +29442,7 @@
           <p:nvPr/>
         </p:nvPicPr>
         <p:blipFill>
-          <a:blip r:embed="rId2"/>
+          <a:blip r:embed="rId3"/>
           <a:stretch>
             <a:fillRect/>
           </a:stretch>
@@ -29536,7 +29466,7 @@
           <p:nvPr/>
         </p:nvPicPr>
         <p:blipFill>
-          <a:blip r:embed="rId3"/>
+          <a:blip r:embed="rId4"/>
           <a:stretch>
             <a:fillRect/>
           </a:stretch>
@@ -29556,11 +29486,11 @@
   <p:clrMapOvr>
     <a:masterClrMapping/>
   </p:clrMapOvr>
-  <mc:AlternateContent xmlns:mc="http://schemas.openxmlformats.org/markup-compatibility/2006">
-    <mc:Choice xmlns:p14="http://schemas.microsoft.com/office/powerpoint/2010/main" Requires="p14">
+  <mc:AlternateContent xmlns:mc="http://schemas.openxmlformats.org/markup-compatibility/2006" xmlns:p14="http://schemas.microsoft.com/office/powerpoint/2010/main">
+    <mc:Choice Requires="p14">
       <p:transition p14:dur="10" advClick="0"/>
     </mc:Choice>
-    <mc:Fallback>
+    <mc:Fallback xmlns="">
       <p:transition advClick="0"/>
     </mc:Fallback>
   </mc:AlternateContent>
@@ -30105,13 +30035,6 @@
               </a:rPr>
               <a:t>Python</a:t>
             </a:r>
-            <a:endParaRPr lang="en-US" altLang="zh-CN" sz="3300" b="1" dirty="0">
-              <a:solidFill>
-                <a:srgbClr val="445469"/>
-              </a:solidFill>
-              <a:latin typeface="思源黑体 CN Bold"/>
-              <a:ea typeface="思源黑体 CN Bold"/>
-            </a:endParaRPr>
           </a:p>
         </p:txBody>
       </p:sp>
@@ -30183,14 +30106,6 @@
               </a:rPr>
               <a:t>/forall Y. q(X,Y)</a:t>
             </a:r>
-            <a:endParaRPr lang="en-US" altLang="zh-CN" b="1" dirty="0">
-              <a:solidFill>
-                <a:srgbClr val="209072"/>
-              </a:solidFill>
-              <a:latin typeface="思源黑体 CN Bold"/>
-              <a:ea typeface="思源黑体 CN Bold"/>
-              <a:cs typeface="Lato Regular"/>
-            </a:endParaRPr>
           </a:p>
           <a:p>
             <a:pPr algn="ctr" defTabSz="913765"/>
@@ -30227,14 +30142,6 @@
               </a:rPr>
               <a:t>-&gt;delimeter</a:t>
             </a:r>
-            <a:endParaRPr lang="en-US" altLang="zh-CN" b="1" dirty="0">
-              <a:solidFill>
-                <a:srgbClr val="209072"/>
-              </a:solidFill>
-              <a:latin typeface="思源黑体 CN Bold"/>
-              <a:ea typeface="思源黑体 CN Bold"/>
-              <a:cs typeface="Lato Regular"/>
-            </a:endParaRPr>
           </a:p>
           <a:p>
             <a:pPr algn="ctr" defTabSz="913765"/>
@@ -30271,14 +30178,6 @@
               </a:rPr>
               <a:t>-&gt;add_disambiguating</a:t>
             </a:r>
-            <a:endParaRPr lang="en-US" altLang="zh-CN" b="1" dirty="0">
-              <a:solidFill>
-                <a:srgbClr val="209072"/>
-              </a:solidFill>
-              <a:latin typeface="思源黑体 CN Bold"/>
-              <a:ea typeface="思源黑体 CN Bold"/>
-              <a:cs typeface="Lato Regular"/>
-            </a:endParaRPr>
           </a:p>
           <a:p>
             <a:pPr algn="ctr" defTabSz="913765"/>
@@ -30293,14 +30192,6 @@
               </a:rPr>
               <a:t>p(X) &amp; (forall Y. q(X,Y) &amp; r(Y), forall Y. q(X,Y) &amp; r(Y))</a:t>
             </a:r>
-            <a:endParaRPr lang="en-US" altLang="zh-CN" b="1" dirty="0">
-              <a:solidFill>
-                <a:srgbClr val="209072"/>
-              </a:solidFill>
-              <a:latin typeface="思源黑体 CN Bold"/>
-              <a:ea typeface="思源黑体 CN Bold"/>
-              <a:cs typeface="Lato Regular"/>
-            </a:endParaRPr>
           </a:p>
           <a:p>
             <a:pPr algn="ctr" defTabSz="913765"/>
@@ -30360,14 +30251,6 @@
               </a:rPr>
               <a:t>(p(X) &amp; (forall Y. q(X,Y))) &amp; r(Y), (forall Y. q(X,Y) &amp; r(Y))</a:t>
             </a:r>
-            <a:endParaRPr lang="en-US" altLang="zh-CN" b="1" dirty="0">
-              <a:solidFill>
-                <a:srgbClr val="209072"/>
-              </a:solidFill>
-              <a:latin typeface="思源黑体 CN Bold"/>
-              <a:ea typeface="思源黑体 CN Bold"/>
-              <a:cs typeface="Lato Regular"/>
-            </a:endParaRPr>
           </a:p>
         </p:txBody>
       </p:sp>
@@ -30380,7 +30263,7 @@
           <p:nvPr/>
         </p:nvPicPr>
         <p:blipFill>
-          <a:blip r:embed="rId1"/>
+          <a:blip r:embed="rId2"/>
           <a:stretch>
             <a:fillRect/>
           </a:stretch>
@@ -30400,11 +30283,11 @@
   <p:clrMapOvr>
     <a:masterClrMapping/>
   </p:clrMapOvr>
-  <mc:AlternateContent xmlns:mc="http://schemas.openxmlformats.org/markup-compatibility/2006">
-    <mc:Choice xmlns:p14="http://schemas.microsoft.com/office/powerpoint/2010/main" Requires="p14">
+  <mc:AlternateContent xmlns:mc="http://schemas.openxmlformats.org/markup-compatibility/2006" xmlns:p14="http://schemas.microsoft.com/office/powerpoint/2010/main">
+    <mc:Choice Requires="p14">
       <p:transition p14:dur="10" advClick="0"/>
     </mc:Choice>
-    <mc:Fallback>
+    <mc:Fallback xmlns="">
       <p:transition advClick="0"/>
     </mc:Fallback>
   </mc:AlternateContent>
@@ -30473,14 +30356,6 @@
               </a:rPr>
               <a:t>parse_ivy_file(input_ivy_file)</a:t>
             </a:r>
-            <a:endParaRPr lang="zh-CN" altLang="en-US" b="1" dirty="0">
-              <a:solidFill>
-                <a:srgbClr val="209072"/>
-              </a:solidFill>
-              <a:latin typeface="思源黑体 CN Bold"/>
-              <a:ea typeface="思源黑体 CN Bold"/>
-              <a:cs typeface="Lato Regular"/>
-            </a:endParaRPr>
           </a:p>
           <a:p>
             <a:pPr algn="ctr" defTabSz="913765"/>
@@ -30517,14 +30392,6 @@
               </a:rPr>
               <a:t>write_python_file(simulation_file)</a:t>
             </a:r>
-            <a:endParaRPr lang="zh-CN" altLang="en-US" b="1" dirty="0">
-              <a:solidFill>
-                <a:srgbClr val="209072"/>
-              </a:solidFill>
-              <a:latin typeface="思源黑体 CN Bold"/>
-              <a:ea typeface="思源黑体 CN Bold"/>
-              <a:cs typeface="Lato Regular"/>
-            </a:endParaRPr>
           </a:p>
           <a:p>
             <a:pPr algn="ctr" defTabSz="913765"/>
@@ -30561,14 +30428,6 @@
               </a:rPr>
               <a:t>emit_config_file(config_file)</a:t>
             </a:r>
-            <a:endParaRPr lang="zh-CN" altLang="en-US" b="1" dirty="0">
-              <a:solidFill>
-                <a:srgbClr val="209072"/>
-              </a:solidFill>
-              <a:latin typeface="思源黑体 CN Bold"/>
-              <a:ea typeface="思源黑体 CN Bold"/>
-              <a:cs typeface="Lato Regular"/>
-            </a:endParaRPr>
           </a:p>
         </p:txBody>
       </p:sp>
@@ -30992,13 +30851,6 @@
               </a:rPr>
               <a:t>Python</a:t>
             </a:r>
-            <a:endParaRPr lang="en-US" altLang="zh-CN" sz="3300" b="1" dirty="0">
-              <a:solidFill>
-                <a:srgbClr val="445469"/>
-              </a:solidFill>
-              <a:latin typeface="思源黑体 CN Bold"/>
-              <a:ea typeface="思源黑体 CN Bold"/>
-            </a:endParaRPr>
           </a:p>
         </p:txBody>
       </p:sp>
@@ -31100,7 +30952,7 @@
           <p:nvPr/>
         </p:nvPicPr>
         <p:blipFill>
-          <a:blip r:embed="rId1"/>
+          <a:blip r:embed="rId2"/>
           <a:stretch>
             <a:fillRect/>
           </a:stretch>
@@ -31120,11 +30972,11 @@
   <p:clrMapOvr>
     <a:masterClrMapping/>
   </p:clrMapOvr>
-  <mc:AlternateContent xmlns:mc="http://schemas.openxmlformats.org/markup-compatibility/2006">
-    <mc:Choice xmlns:p14="http://schemas.microsoft.com/office/powerpoint/2010/main" Requires="p14">
+  <mc:AlternateContent xmlns:mc="http://schemas.openxmlformats.org/markup-compatibility/2006" xmlns:p14="http://schemas.microsoft.com/office/powerpoint/2010/main">
+    <mc:Choice Requires="p14">
       <p:transition p14:dur="10" advClick="0"/>
     </mc:Choice>
-    <mc:Fallback>
+    <mc:Fallback xmlns="">
       <p:transition advClick="0"/>
     </mc:Fallback>
   </mc:AlternateContent>
@@ -31322,6 +31174,8 @@
       </a:bgFillStyleLst>
     </a:fmtScheme>
   </a:themeElements>
+  <a:objectDefaults/>
+  <a:extraClrSchemeLst/>
   <a:extLst>
     <a:ext uri="{05A4C25C-085E-4340-85A3-A5531E510DB2}">
       <thm15:themeFamily xmlns:thm15="http://schemas.microsoft.com/office/thememl/2012/main" name="Office Theme" id="{62F939B6-93AF-4DB8-9C6B-D6C7DFDC589F}" vid="{4A3C46E8-61CC-4603-A589-7422A47A8E4A}"/>
@@ -31521,6 +31375,8 @@
       </a:bgFillStyleLst>
     </a:fmtScheme>
   </a:themeElements>
+  <a:objectDefaults/>
+  <a:extraClrSchemeLst/>
   <a:extLst>
     <a:ext uri="{05A4C25C-085E-4340-85A3-A5531E510DB2}">
       <thm15:themeFamily xmlns:thm15="http://schemas.microsoft.com/office/thememl/2012/main" name="Office Theme" id="{62F939B6-93AF-4DB8-9C6B-D6C7DFDC589F}" vid="{4A3C46E8-61CC-4603-A589-7422A47A8E4A}"/>
@@ -31780,6 +31636,8 @@
       </a:bgFillStyleLst>
     </a:fmtScheme>
   </a:themeElements>
+  <a:objectDefaults/>
+  <a:extraClrSchemeLst/>
   <a:extLst>
     <a:ext uri="{05A4C25C-085E-4340-85A3-A5531E510DB2}">
       <thm15:themeFamily xmlns:thm15="http://schemas.microsoft.com/office/thememl/2012/main" name="Office Theme" id="{62F939B6-93AF-4DB8-9C6B-D6C7DFDC589F}" vid="{4A3C46E8-61CC-4603-A589-7422A47A8E4A}"/>
